--- a/slides.pptx
+++ b/slides.pptx
@@ -7,15 +7,17 @@
   <p:sldIdLst>
     <p:sldId id="256" r:id="rId2"/>
     <p:sldId id="257" r:id="rId3"/>
-    <p:sldId id="258" r:id="rId4"/>
-    <p:sldId id="259" r:id="rId5"/>
-    <p:sldId id="260" r:id="rId6"/>
-    <p:sldId id="261" r:id="rId7"/>
-    <p:sldId id="263" r:id="rId8"/>
-    <p:sldId id="264" r:id="rId9"/>
-    <p:sldId id="265" r:id="rId10"/>
-    <p:sldId id="266" r:id="rId11"/>
-    <p:sldId id="267" r:id="rId12"/>
+    <p:sldId id="269" r:id="rId4"/>
+    <p:sldId id="258" r:id="rId5"/>
+    <p:sldId id="259" r:id="rId6"/>
+    <p:sldId id="260" r:id="rId7"/>
+    <p:sldId id="261" r:id="rId8"/>
+    <p:sldId id="263" r:id="rId9"/>
+    <p:sldId id="264" r:id="rId10"/>
+    <p:sldId id="265" r:id="rId11"/>
+    <p:sldId id="266" r:id="rId12"/>
+    <p:sldId id="267" r:id="rId13"/>
+    <p:sldId id="268" r:id="rId14"/>
   </p:sldIdLst>
   <p:sldSz cx="12192000" cy="6858000"/>
   <p:notesSz cx="6858000" cy="9144000"/>
@@ -114,6 +116,11 @@
       </a:defRPr>
     </a:lvl9pPr>
   </p:defaultTextStyle>
+  <p:extLst>
+    <p:ext uri="{EFAFB233-063F-42B5-8137-9DF3F51BA10A}">
+      <p15:sldGuideLst xmlns:p15="http://schemas.microsoft.com/office/powerpoint/2012/main"/>
+    </p:ext>
+  </p:extLst>
 </p:presentation>
 </file>
 
@@ -264,7 +271,7 @@
           <a:p>
             <a:fld id="{02B4917C-6850-D543-9CDA-2935ED37DAAD}" type="datetimeFigureOut">
               <a:rPr lang="fr-FR" smtClean="0"/>
-              <a:t>08/02/2025</a:t>
+              <a:t>09/02/2025</a:t>
             </a:fld>
             <a:endParaRPr lang="fr-FR"/>
           </a:p>
@@ -462,7 +469,7 @@
           <a:p>
             <a:fld id="{02B4917C-6850-D543-9CDA-2935ED37DAAD}" type="datetimeFigureOut">
               <a:rPr lang="fr-FR" smtClean="0"/>
-              <a:t>08/02/2025</a:t>
+              <a:t>09/02/2025</a:t>
             </a:fld>
             <a:endParaRPr lang="fr-FR"/>
           </a:p>
@@ -670,7 +677,7 @@
           <a:p>
             <a:fld id="{02B4917C-6850-D543-9CDA-2935ED37DAAD}" type="datetimeFigureOut">
               <a:rPr lang="fr-FR" smtClean="0"/>
-              <a:t>08/02/2025</a:t>
+              <a:t>09/02/2025</a:t>
             </a:fld>
             <a:endParaRPr lang="fr-FR"/>
           </a:p>
@@ -868,7 +875,7 @@
           <a:p>
             <a:fld id="{02B4917C-6850-D543-9CDA-2935ED37DAAD}" type="datetimeFigureOut">
               <a:rPr lang="fr-FR" smtClean="0"/>
-              <a:t>08/02/2025</a:t>
+              <a:t>09/02/2025</a:t>
             </a:fld>
             <a:endParaRPr lang="fr-FR"/>
           </a:p>
@@ -1143,7 +1150,7 @@
           <a:p>
             <a:fld id="{02B4917C-6850-D543-9CDA-2935ED37DAAD}" type="datetimeFigureOut">
               <a:rPr lang="fr-FR" smtClean="0"/>
-              <a:t>08/02/2025</a:t>
+              <a:t>09/02/2025</a:t>
             </a:fld>
             <a:endParaRPr lang="fr-FR"/>
           </a:p>
@@ -1408,7 +1415,7 @@
           <a:p>
             <a:fld id="{02B4917C-6850-D543-9CDA-2935ED37DAAD}" type="datetimeFigureOut">
               <a:rPr lang="fr-FR" smtClean="0"/>
-              <a:t>08/02/2025</a:t>
+              <a:t>09/02/2025</a:t>
             </a:fld>
             <a:endParaRPr lang="fr-FR"/>
           </a:p>
@@ -1820,7 +1827,7 @@
           <a:p>
             <a:fld id="{02B4917C-6850-D543-9CDA-2935ED37DAAD}" type="datetimeFigureOut">
               <a:rPr lang="fr-FR" smtClean="0"/>
-              <a:t>08/02/2025</a:t>
+              <a:t>09/02/2025</a:t>
             </a:fld>
             <a:endParaRPr lang="fr-FR"/>
           </a:p>
@@ -1961,7 +1968,7 @@
           <a:p>
             <a:fld id="{02B4917C-6850-D543-9CDA-2935ED37DAAD}" type="datetimeFigureOut">
               <a:rPr lang="fr-FR" smtClean="0"/>
-              <a:t>08/02/2025</a:t>
+              <a:t>09/02/2025</a:t>
             </a:fld>
             <a:endParaRPr lang="fr-FR"/>
           </a:p>
@@ -2074,7 +2081,7 @@
           <a:p>
             <a:fld id="{02B4917C-6850-D543-9CDA-2935ED37DAAD}" type="datetimeFigureOut">
               <a:rPr lang="fr-FR" smtClean="0"/>
-              <a:t>08/02/2025</a:t>
+              <a:t>09/02/2025</a:t>
             </a:fld>
             <a:endParaRPr lang="fr-FR"/>
           </a:p>
@@ -2385,7 +2392,7 @@
           <a:p>
             <a:fld id="{02B4917C-6850-D543-9CDA-2935ED37DAAD}" type="datetimeFigureOut">
               <a:rPr lang="fr-FR" smtClean="0"/>
-              <a:t>08/02/2025</a:t>
+              <a:t>09/02/2025</a:t>
             </a:fld>
             <a:endParaRPr lang="fr-FR"/>
           </a:p>
@@ -2673,7 +2680,7 @@
           <a:p>
             <a:fld id="{02B4917C-6850-D543-9CDA-2935ED37DAAD}" type="datetimeFigureOut">
               <a:rPr lang="fr-FR" smtClean="0"/>
-              <a:t>08/02/2025</a:t>
+              <a:t>09/02/2025</a:t>
             </a:fld>
             <a:endParaRPr lang="fr-FR"/>
           </a:p>
@@ -2914,7 +2921,7 @@
           <a:p>
             <a:fld id="{02B4917C-6850-D543-9CDA-2935ED37DAAD}" type="datetimeFigureOut">
               <a:rPr lang="fr-FR" smtClean="0"/>
-              <a:t>08/02/2025</a:t>
+              <a:t>09/02/2025</a:t>
             </a:fld>
             <a:endParaRPr lang="fr-FR"/>
           </a:p>
@@ -3476,7 +3483,7 @@
           <a:p>
             <a:r>
               <a:rPr lang="fr-FR" dirty="0"/>
-              <a:t>Arg 7</a:t>
+              <a:t>Arg 4</a:t>
             </a:r>
           </a:p>
           <a:p>
@@ -3504,7 +3511,57 @@
           <a:p>
             <a:r>
               <a:rPr lang="fr-FR" dirty="0"/>
-              <a:t>Transition</a:t>
+              <a:t>Arg 5</a:t>
+            </a:r>
+          </a:p>
+          <a:p>
+            <a:pPr lvl="1"/>
+            <a:r>
+              <a:rPr lang="fr-FR" dirty="0" err="1"/>
+              <a:t>Sub</a:t>
+            </a:r>
+            <a:r>
+              <a:rPr lang="fr-FR" dirty="0"/>
+              <a:t> arg 1</a:t>
+            </a:r>
+          </a:p>
+          <a:p>
+            <a:pPr lvl="1"/>
+            <a:r>
+              <a:rPr lang="fr-FR" dirty="0" err="1"/>
+              <a:t>Sub</a:t>
+            </a:r>
+            <a:r>
+              <a:rPr lang="fr-FR" dirty="0"/>
+              <a:t> arg 2</a:t>
+            </a:r>
+          </a:p>
+          <a:p>
+            <a:r>
+              <a:rPr lang="fr-FR" dirty="0"/>
+              <a:t>Arg 6</a:t>
+            </a:r>
+          </a:p>
+          <a:p>
+            <a:pPr lvl="1"/>
+            <a:r>
+              <a:rPr lang="fr-FR" dirty="0" err="1"/>
+              <a:t>Sub</a:t>
+            </a:r>
+            <a:r>
+              <a:rPr lang="fr-FR" dirty="0"/>
+              <a:t> arg 1</a:t>
+            </a:r>
+          </a:p>
+          <a:p>
+            <a:pPr lvl="1"/>
+            <a:r>
+              <a:rPr lang="fr-FR" dirty="0" err="1"/>
+              <a:t>Sub</a:t>
+            </a:r>
+            <a:r>
+              <a:rPr lang="fr-FR" dirty="0"/>
+              <a:t> arg 2</a:t>
             </a:r>
           </a:p>
         </p:txBody>
@@ -3512,7 +3569,7 @@
     </p:spTree>
     <p:extLst>
       <p:ext uri="{BB962C8B-B14F-4D97-AF65-F5344CB8AC3E}">
-        <p14:creationId xmlns:p14="http://schemas.microsoft.com/office/powerpoint/2010/main" val="1448163421"/>
+        <p14:creationId xmlns:p14="http://schemas.microsoft.com/office/powerpoint/2010/main" val="3683918389"/>
       </p:ext>
     </p:extLst>
   </p:cSld>
@@ -3626,7 +3683,204 @@
     </p:spTree>
     <p:extLst>
       <p:ext uri="{BB962C8B-B14F-4D97-AF65-F5344CB8AC3E}">
+        <p14:creationId xmlns:p14="http://schemas.microsoft.com/office/powerpoint/2010/main" val="1448163421"/>
+      </p:ext>
+    </p:extLst>
+  </p:cSld>
+  <p:clrMapOvr>
+    <a:masterClrMapping/>
+  </p:clrMapOvr>
+</p:sld>
+</file>
+
+<file path=ppt/slides/slide12.xml><?xml version="1.0" encoding="utf-8"?>
+<p:sld xmlns:a="http://schemas.openxmlformats.org/drawingml/2006/main" xmlns:r="http://schemas.openxmlformats.org/officeDocument/2006/relationships" xmlns:p="http://schemas.openxmlformats.org/presentationml/2006/main">
+  <p:cSld>
+    <p:spTree>
+      <p:nvGrpSpPr>
+        <p:cNvPr id="1" name=""/>
+        <p:cNvGrpSpPr/>
+        <p:nvPr/>
+      </p:nvGrpSpPr>
+      <p:grpSpPr>
+        <a:xfrm>
+          <a:off x="0" y="0"/>
+          <a:ext cx="0" cy="0"/>
+          <a:chOff x="0" y="0"/>
+          <a:chExt cx="0" cy="0"/>
+        </a:xfrm>
+      </p:grpSpPr>
+      <p:sp>
+        <p:nvSpPr>
+          <p:cNvPr id="2" name="Titre 1">
+            <a:extLst>
+              <a:ext uri="{FF2B5EF4-FFF2-40B4-BE49-F238E27FC236}">
+                <a16:creationId xmlns:a16="http://schemas.microsoft.com/office/drawing/2014/main" id="{3AE29807-5EE9-D086-72BF-25583740A81F}"/>
+              </a:ext>
+            </a:extLst>
+          </p:cNvPr>
+          <p:cNvSpPr>
+            <a:spLocks noGrp="1"/>
+          </p:cNvSpPr>
+          <p:nvPr>
+            <p:ph type="title"/>
+          </p:nvPr>
+        </p:nvSpPr>
+        <p:spPr/>
+        <p:txBody>
+          <a:bodyPr/>
+          <a:lstStyle/>
+          <a:p>
+            <a:r>
+              <a:rPr lang="fr-FR" dirty="0"/>
+              <a:t>Culture clash</a:t>
+            </a:r>
+          </a:p>
+        </p:txBody>
+      </p:sp>
+      <p:sp>
+        <p:nvSpPr>
+          <p:cNvPr id="3" name="Espace réservé du contenu 2">
+            <a:extLst>
+              <a:ext uri="{FF2B5EF4-FFF2-40B4-BE49-F238E27FC236}">
+                <a16:creationId xmlns:a16="http://schemas.microsoft.com/office/drawing/2014/main" id="{F19D04C4-A8EC-B9EB-9047-9DA7E0C0E8A8}"/>
+              </a:ext>
+            </a:extLst>
+          </p:cNvPr>
+          <p:cNvSpPr>
+            <a:spLocks noGrp="1"/>
+          </p:cNvSpPr>
+          <p:nvPr>
+            <p:ph idx="1"/>
+          </p:nvPr>
+        </p:nvSpPr>
+        <p:spPr/>
+        <p:txBody>
+          <a:bodyPr/>
+          <a:lstStyle/>
+          <a:p>
+            <a:r>
+              <a:rPr lang="fr-FR" dirty="0"/>
+              <a:t>Arg 7</a:t>
+            </a:r>
+          </a:p>
+          <a:p>
+            <a:pPr lvl="1"/>
+            <a:r>
+              <a:rPr lang="fr-FR" dirty="0" err="1"/>
+              <a:t>Sub</a:t>
+            </a:r>
+            <a:r>
+              <a:rPr lang="fr-FR" dirty="0"/>
+              <a:t> arg 1</a:t>
+            </a:r>
+          </a:p>
+          <a:p>
+            <a:pPr lvl="1"/>
+            <a:r>
+              <a:rPr lang="fr-FR" dirty="0" err="1"/>
+              <a:t>Sub</a:t>
+            </a:r>
+            <a:r>
+              <a:rPr lang="fr-FR" dirty="0"/>
+              <a:t> arg 2</a:t>
+            </a:r>
+          </a:p>
+          <a:p>
+            <a:r>
+              <a:rPr lang="fr-FR" dirty="0"/>
+              <a:t>Transition</a:t>
+            </a:r>
+          </a:p>
+        </p:txBody>
+      </p:sp>
+    </p:spTree>
+    <p:extLst>
+      <p:ext uri="{BB962C8B-B14F-4D97-AF65-F5344CB8AC3E}">
         <p14:creationId xmlns:p14="http://schemas.microsoft.com/office/powerpoint/2010/main" val="1661682614"/>
+      </p:ext>
+    </p:extLst>
+  </p:cSld>
+  <p:clrMapOvr>
+    <a:masterClrMapping/>
+  </p:clrMapOvr>
+</p:sld>
+</file>
+
+<file path=ppt/slides/slide13.xml><?xml version="1.0" encoding="utf-8"?>
+<p:sld xmlns:a="http://schemas.openxmlformats.org/drawingml/2006/main" xmlns:r="http://schemas.openxmlformats.org/officeDocument/2006/relationships" xmlns:p="http://schemas.openxmlformats.org/presentationml/2006/main">
+  <p:cSld>
+    <p:spTree>
+      <p:nvGrpSpPr>
+        <p:cNvPr id="1" name=""/>
+        <p:cNvGrpSpPr/>
+        <p:nvPr/>
+      </p:nvGrpSpPr>
+      <p:grpSpPr>
+        <a:xfrm>
+          <a:off x="0" y="0"/>
+          <a:ext cx="0" cy="0"/>
+          <a:chOff x="0" y="0"/>
+          <a:chExt cx="0" cy="0"/>
+        </a:xfrm>
+      </p:grpSpPr>
+      <p:sp>
+        <p:nvSpPr>
+          <p:cNvPr id="2" name="Titre 1">
+            <a:extLst>
+              <a:ext uri="{FF2B5EF4-FFF2-40B4-BE49-F238E27FC236}">
+                <a16:creationId xmlns:a16="http://schemas.microsoft.com/office/drawing/2014/main" id="{6710236A-F3E1-EA14-729B-0F5E7974B2C5}"/>
+              </a:ext>
+            </a:extLst>
+          </p:cNvPr>
+          <p:cNvSpPr>
+            <a:spLocks noGrp="1"/>
+          </p:cNvSpPr>
+          <p:nvPr>
+            <p:ph type="title"/>
+          </p:nvPr>
+        </p:nvSpPr>
+        <p:spPr/>
+        <p:txBody>
+          <a:bodyPr/>
+          <a:lstStyle/>
+          <a:p>
+            <a:r>
+              <a:rPr lang="fr-FR" dirty="0"/>
+              <a:t>Conclusion</a:t>
+            </a:r>
+          </a:p>
+        </p:txBody>
+      </p:sp>
+      <p:sp>
+        <p:nvSpPr>
+          <p:cNvPr id="3" name="Espace réservé du contenu 2">
+            <a:extLst>
+              <a:ext uri="{FF2B5EF4-FFF2-40B4-BE49-F238E27FC236}">
+                <a16:creationId xmlns:a16="http://schemas.microsoft.com/office/drawing/2014/main" id="{07EA5922-9EC5-668F-39FE-BC7092D75F2C}"/>
+              </a:ext>
+            </a:extLst>
+          </p:cNvPr>
+          <p:cNvSpPr>
+            <a:spLocks noGrp="1"/>
+          </p:cNvSpPr>
+          <p:nvPr>
+            <p:ph idx="1"/>
+          </p:nvPr>
+        </p:nvSpPr>
+        <p:spPr/>
+        <p:txBody>
+          <a:bodyPr/>
+          <a:lstStyle/>
+          <a:p>
+            <a:endParaRPr lang="fr-FR"/>
+          </a:p>
+        </p:txBody>
+      </p:sp>
+    </p:spTree>
+    <p:extLst>
+      <p:ext uri="{BB962C8B-B14F-4D97-AF65-F5344CB8AC3E}">
+        <p14:creationId xmlns:p14="http://schemas.microsoft.com/office/powerpoint/2010/main" val="2628198356"/>
       </p:ext>
     </p:extLst>
   </p:cSld>
@@ -3676,7 +3930,7 @@
           <a:p>
             <a:r>
               <a:rPr lang="fr-FR" dirty="0"/>
-              <a:t>Main ad</a:t>
+              <a:t>Pubs</a:t>
             </a:r>
           </a:p>
         </p:txBody>
@@ -3702,7 +3956,79 @@
           <a:bodyPr/>
           <a:lstStyle/>
           <a:p>
-            <a:endParaRPr lang="fr-FR"/>
+            <a:r>
+              <a:rPr lang="fr-FR" dirty="0"/>
+              <a:t>US: </a:t>
+            </a:r>
+            <a:r>
+              <a:rPr lang="fr-FR" dirty="0">
+                <a:hlinkClick r:id="rId2"/>
+              </a:rPr>
+              <a:t>https://www.youtube.com/watch?v=6mx0t0ex7y8</a:t>
+            </a:r>
+            <a:endParaRPr lang="fr-FR" dirty="0"/>
+          </a:p>
+          <a:p>
+            <a:pPr lvl="1"/>
+            <a:r>
+              <a:rPr lang="fr-FR" dirty="0"/>
+              <a:t>Pas de visage</a:t>
+            </a:r>
+          </a:p>
+          <a:p>
+            <a:pPr lvl="1"/>
+            <a:r>
+              <a:rPr lang="fr-FR" dirty="0"/>
+              <a:t>Réseaux sociaux</a:t>
+            </a:r>
+          </a:p>
+          <a:p>
+            <a:r>
+              <a:rPr lang="fr-FR" dirty="0"/>
+              <a:t>Singapour: </a:t>
+            </a:r>
+            <a:r>
+              <a:rPr lang="fr-FR" dirty="0">
+                <a:hlinkClick r:id="rId3"/>
+              </a:rPr>
+              <a:t>https://www.youtube.com/watch?v=taOdaf_nw3U</a:t>
+            </a:r>
+            <a:endParaRPr lang="fr-FR" dirty="0"/>
+          </a:p>
+          <a:p>
+            <a:pPr lvl="1"/>
+            <a:r>
+              <a:rPr lang="fr-FR" dirty="0"/>
+              <a:t>Valeurs de famille, spiritualité (religion: 15% de musulmans)</a:t>
+            </a:r>
+          </a:p>
+          <a:p>
+            <a:pPr lvl="1"/>
+            <a:r>
+              <a:rPr lang="fr-FR" dirty="0"/>
+              <a:t>Récompense</a:t>
+            </a:r>
+          </a:p>
+          <a:p>
+            <a:pPr lvl="1"/>
+            <a:r>
+              <a:rPr lang="fr-FR" dirty="0"/>
+              <a:t>Visuel (couleurs chaudes), musique douce</a:t>
+            </a:r>
+          </a:p>
+          <a:p>
+            <a:pPr lvl="1"/>
+            <a:r>
+              <a:rPr lang="fr-FR" dirty="0"/>
+              <a:t>Vêtements locaux</a:t>
+            </a:r>
+          </a:p>
+          <a:p>
+            <a:pPr lvl="1"/>
+            <a:r>
+              <a:rPr lang="fr-FR" dirty="0"/>
+              <a:t>Marque inclusive</a:t>
+            </a:r>
           </a:p>
         </p:txBody>
       </p:sp>
@@ -3741,7 +4067,7 @@
           <p:cNvPr id="2" name="Titre 1">
             <a:extLst>
               <a:ext uri="{FF2B5EF4-FFF2-40B4-BE49-F238E27FC236}">
-                <a16:creationId xmlns:a16="http://schemas.microsoft.com/office/drawing/2014/main" id="{2397AC9A-E99F-A092-7C65-95625EDBCF55}"/>
+                <a16:creationId xmlns:a16="http://schemas.microsoft.com/office/drawing/2014/main" id="{76C75DD8-94C8-07EE-F736-20EF16313A64}"/>
               </a:ext>
             </a:extLst>
           </p:cNvPr>
@@ -3758,9 +4084,10 @@
           <a:lstStyle/>
           <a:p>
             <a:r>
-              <a:rPr lang="fr-FR" dirty="0"/>
-              <a:t>Ad 1</a:t>
-            </a:r>
+              <a:rPr lang="fr-FR"/>
+              <a:t>Pubs</a:t>
+            </a:r>
+            <a:endParaRPr lang="fr-FR" dirty="0"/>
           </a:p>
         </p:txBody>
       </p:sp>
@@ -3769,7 +4096,7 @@
           <p:cNvPr id="3" name="Espace réservé du contenu 2">
             <a:extLst>
               <a:ext uri="{FF2B5EF4-FFF2-40B4-BE49-F238E27FC236}">
-                <a16:creationId xmlns:a16="http://schemas.microsoft.com/office/drawing/2014/main" id="{B21100F3-583F-E11F-7F37-7C29B4903101}"/>
+                <a16:creationId xmlns:a16="http://schemas.microsoft.com/office/drawing/2014/main" id="{FA7FEAB5-4E10-2CC9-0A3A-4840FD8D70D7}"/>
               </a:ext>
             </a:extLst>
           </p:cNvPr>
@@ -3785,14 +4112,39 @@
           <a:bodyPr/>
           <a:lstStyle/>
           <a:p>
-            <a:endParaRPr lang="fr-FR"/>
+            <a:r>
+              <a:rPr lang="fr-FR" dirty="0"/>
+              <a:t>France: </a:t>
+            </a:r>
+            <a:r>
+              <a:rPr lang="fr-FR" dirty="0">
+                <a:hlinkClick r:id="rId2"/>
+              </a:rPr>
+              <a:t>https://www.youtube.com/watch?v=q1gfefGeUZI</a:t>
+            </a:r>
+            <a:endParaRPr lang="fr-FR" dirty="0"/>
+          </a:p>
+          <a:p>
+            <a:pPr lvl="1"/>
+            <a:r>
+              <a:rPr lang="fr-FR" dirty="0"/>
+              <a:t>Égalité des places / égalité des chances </a:t>
+            </a:r>
+            <a:r>
+              <a:rPr lang="fr-FR"/>
+              <a:t>(François Dubet)</a:t>
+            </a:r>
+            <a:endParaRPr lang="fr-FR" dirty="0"/>
+          </a:p>
+          <a:p>
+            <a:endParaRPr lang="fr-FR" dirty="0"/>
           </a:p>
         </p:txBody>
       </p:sp>
     </p:spTree>
     <p:extLst>
       <p:ext uri="{BB962C8B-B14F-4D97-AF65-F5344CB8AC3E}">
-        <p14:creationId xmlns:p14="http://schemas.microsoft.com/office/powerpoint/2010/main" val="1266644878"/>
+        <p14:creationId xmlns:p14="http://schemas.microsoft.com/office/powerpoint/2010/main" val="3666044198"/>
       </p:ext>
     </p:extLst>
   </p:cSld>
@@ -3824,7 +4176,7 @@
           <p:cNvPr id="2" name="Titre 1">
             <a:extLst>
               <a:ext uri="{FF2B5EF4-FFF2-40B4-BE49-F238E27FC236}">
-                <a16:creationId xmlns:a16="http://schemas.microsoft.com/office/drawing/2014/main" id="{522C4C2C-527E-C1FC-1097-F738F90238DF}"/>
+                <a16:creationId xmlns:a16="http://schemas.microsoft.com/office/drawing/2014/main" id="{2397AC9A-E99F-A092-7C65-95625EDBCF55}"/>
               </a:ext>
             </a:extLst>
           </p:cNvPr>
@@ -3842,7 +4194,7 @@
           <a:p>
             <a:r>
               <a:rPr lang="fr-FR" dirty="0"/>
-              <a:t>Ad 2</a:t>
+              <a:t>Ad 1</a:t>
             </a:r>
           </a:p>
         </p:txBody>
@@ -3852,7 +4204,7 @@
           <p:cNvPr id="3" name="Espace réservé du contenu 2">
             <a:extLst>
               <a:ext uri="{FF2B5EF4-FFF2-40B4-BE49-F238E27FC236}">
-                <a16:creationId xmlns:a16="http://schemas.microsoft.com/office/drawing/2014/main" id="{F5C57BE3-D20B-B668-EFE6-E68FB43507B3}"/>
+                <a16:creationId xmlns:a16="http://schemas.microsoft.com/office/drawing/2014/main" id="{B21100F3-583F-E11F-7F37-7C29B4903101}"/>
               </a:ext>
             </a:extLst>
           </p:cNvPr>
@@ -3875,7 +4227,7 @@
     </p:spTree>
     <p:extLst>
       <p:ext uri="{BB962C8B-B14F-4D97-AF65-F5344CB8AC3E}">
-        <p14:creationId xmlns:p14="http://schemas.microsoft.com/office/powerpoint/2010/main" val="3117585510"/>
+        <p14:creationId xmlns:p14="http://schemas.microsoft.com/office/powerpoint/2010/main" val="1266644878"/>
       </p:ext>
     </p:extLst>
   </p:cSld>
@@ -3907,7 +4259,7 @@
           <p:cNvPr id="2" name="Titre 1">
             <a:extLst>
               <a:ext uri="{FF2B5EF4-FFF2-40B4-BE49-F238E27FC236}">
-                <a16:creationId xmlns:a16="http://schemas.microsoft.com/office/drawing/2014/main" id="{D2BF8FFB-A9F5-2903-8159-B3C8E9C09669}"/>
+                <a16:creationId xmlns:a16="http://schemas.microsoft.com/office/drawing/2014/main" id="{522C4C2C-527E-C1FC-1097-F738F90238DF}"/>
               </a:ext>
             </a:extLst>
           </p:cNvPr>
@@ -3925,7 +4277,7 @@
           <a:p>
             <a:r>
               <a:rPr lang="fr-FR" dirty="0"/>
-              <a:t>Ad 3</a:t>
+              <a:t>Ad 2</a:t>
             </a:r>
           </a:p>
         </p:txBody>
@@ -3935,7 +4287,7 @@
           <p:cNvPr id="3" name="Espace réservé du contenu 2">
             <a:extLst>
               <a:ext uri="{FF2B5EF4-FFF2-40B4-BE49-F238E27FC236}">
-                <a16:creationId xmlns:a16="http://schemas.microsoft.com/office/drawing/2014/main" id="{90D45A24-6C33-6841-D450-E17292BA9BE3}"/>
+                <a16:creationId xmlns:a16="http://schemas.microsoft.com/office/drawing/2014/main" id="{F5C57BE3-D20B-B668-EFE6-E68FB43507B3}"/>
               </a:ext>
             </a:extLst>
           </p:cNvPr>
@@ -3958,7 +4310,7 @@
     </p:spTree>
     <p:extLst>
       <p:ext uri="{BB962C8B-B14F-4D97-AF65-F5344CB8AC3E}">
-        <p14:creationId xmlns:p14="http://schemas.microsoft.com/office/powerpoint/2010/main" val="3045138478"/>
+        <p14:creationId xmlns:p14="http://schemas.microsoft.com/office/powerpoint/2010/main" val="3117585510"/>
       </p:ext>
     </p:extLst>
   </p:cSld>
@@ -3990,7 +4342,7 @@
           <p:cNvPr id="2" name="Titre 1">
             <a:extLst>
               <a:ext uri="{FF2B5EF4-FFF2-40B4-BE49-F238E27FC236}">
-                <a16:creationId xmlns:a16="http://schemas.microsoft.com/office/drawing/2014/main" id="{0BF80959-2A11-13D9-66AC-A51389286477}"/>
+                <a16:creationId xmlns:a16="http://schemas.microsoft.com/office/drawing/2014/main" id="{D2BF8FFB-A9F5-2903-8159-B3C8E9C09669}"/>
               </a:ext>
             </a:extLst>
           </p:cNvPr>
@@ -4008,21 +4360,8 @@
           <a:p>
             <a:r>
               <a:rPr lang="fr-FR" dirty="0"/>
-              <a:t>Culture-</a:t>
-            </a:r>
-            <a:r>
-              <a:rPr lang="fr-FR" dirty="0" err="1"/>
-              <a:t>dependent</a:t>
-            </a:r>
-            <a:r>
-              <a:rPr lang="fr-FR" dirty="0"/>
-              <a:t> </a:t>
-            </a:r>
-            <a:r>
-              <a:rPr lang="fr-FR" dirty="0" err="1"/>
-              <a:t>products</a:t>
-            </a:r>
-            <a:endParaRPr lang="fr-FR" dirty="0"/>
+              <a:t>Ad 3</a:t>
+            </a:r>
           </a:p>
         </p:txBody>
       </p:sp>
@@ -4031,7 +4370,7 @@
           <p:cNvPr id="3" name="Espace réservé du contenu 2">
             <a:extLst>
               <a:ext uri="{FF2B5EF4-FFF2-40B4-BE49-F238E27FC236}">
-                <a16:creationId xmlns:a16="http://schemas.microsoft.com/office/drawing/2014/main" id="{E3E53974-D937-72BD-CFEA-05BB1F17F976}"/>
+                <a16:creationId xmlns:a16="http://schemas.microsoft.com/office/drawing/2014/main" id="{90D45A24-6C33-6841-D450-E17292BA9BE3}"/>
               </a:ext>
             </a:extLst>
           </p:cNvPr>
@@ -4054,7 +4393,7 @@
     </p:spTree>
     <p:extLst>
       <p:ext uri="{BB962C8B-B14F-4D97-AF65-F5344CB8AC3E}">
-        <p14:creationId xmlns:p14="http://schemas.microsoft.com/office/powerpoint/2010/main" val="3192538769"/>
+        <p14:creationId xmlns:p14="http://schemas.microsoft.com/office/powerpoint/2010/main" val="3045138478"/>
       </p:ext>
     </p:extLst>
   </p:cSld>
@@ -4086,7 +4425,7 @@
           <p:cNvPr id="2" name="Titre 1">
             <a:extLst>
               <a:ext uri="{FF2B5EF4-FFF2-40B4-BE49-F238E27FC236}">
-                <a16:creationId xmlns:a16="http://schemas.microsoft.com/office/drawing/2014/main" id="{906E8B0C-5C7E-5A15-2386-8BEC2D521FA1}"/>
+                <a16:creationId xmlns:a16="http://schemas.microsoft.com/office/drawing/2014/main" id="{0BF80959-2A11-13D9-66AC-A51389286477}"/>
               </a:ext>
             </a:extLst>
           </p:cNvPr>
@@ -4104,7 +4443,7 @@
           <a:p>
             <a:r>
               <a:rPr lang="fr-FR" dirty="0"/>
-              <a:t>Transition</a:t>
+              <a:t>Arguments</a:t>
             </a:r>
           </a:p>
         </p:txBody>
@@ -4114,7 +4453,7 @@
           <p:cNvPr id="3" name="Espace réservé du contenu 2">
             <a:extLst>
               <a:ext uri="{FF2B5EF4-FFF2-40B4-BE49-F238E27FC236}">
-                <a16:creationId xmlns:a16="http://schemas.microsoft.com/office/drawing/2014/main" id="{CEA83A4A-3018-9E87-5FCC-6FB174757F37}"/>
+                <a16:creationId xmlns:a16="http://schemas.microsoft.com/office/drawing/2014/main" id="{E3E53974-D937-72BD-CFEA-05BB1F17F976}"/>
               </a:ext>
             </a:extLst>
           </p:cNvPr>
@@ -4131,20 +4470,19 @@
           <a:lstStyle/>
           <a:p>
             <a:r>
-              <a:rPr lang="fr-FR" dirty="0" err="1"/>
-              <a:t>Recall</a:t>
-            </a:r>
-            <a:r>
-              <a:rPr lang="fr-FR" dirty="0"/>
-              <a:t> of main ad</a:t>
-            </a:r>
+              <a:rPr lang="fr-FR" dirty="0"/>
+              <a:t>Produits dépendant de la culture</a:t>
+            </a:r>
+          </a:p>
+          <a:p>
+            <a:endParaRPr lang="fr-FR" dirty="0"/>
           </a:p>
         </p:txBody>
       </p:sp>
     </p:spTree>
     <p:extLst>
       <p:ext uri="{BB962C8B-B14F-4D97-AF65-F5344CB8AC3E}">
-        <p14:creationId xmlns:p14="http://schemas.microsoft.com/office/powerpoint/2010/main" val="687676604"/>
+        <p14:creationId xmlns:p14="http://schemas.microsoft.com/office/powerpoint/2010/main" val="3192538769"/>
       </p:ext>
     </p:extLst>
   </p:cSld>
@@ -4176,7 +4514,7 @@
           <p:cNvPr id="2" name="Titre 1">
             <a:extLst>
               <a:ext uri="{FF2B5EF4-FFF2-40B4-BE49-F238E27FC236}">
-                <a16:creationId xmlns:a16="http://schemas.microsoft.com/office/drawing/2014/main" id="{3AE29807-5EE9-D086-72BF-25583740A81F}"/>
+                <a16:creationId xmlns:a16="http://schemas.microsoft.com/office/drawing/2014/main" id="{906E8B0C-5C7E-5A15-2386-8BEC2D521FA1}"/>
               </a:ext>
             </a:extLst>
           </p:cNvPr>
@@ -4194,7 +4532,7 @@
           <a:p>
             <a:r>
               <a:rPr lang="fr-FR" dirty="0"/>
-              <a:t>Culture clash</a:t>
+              <a:t>Transition</a:t>
             </a:r>
           </a:p>
         </p:txBody>
@@ -4204,7 +4542,7 @@
           <p:cNvPr id="3" name="Espace réservé du contenu 2">
             <a:extLst>
               <a:ext uri="{FF2B5EF4-FFF2-40B4-BE49-F238E27FC236}">
-                <a16:creationId xmlns:a16="http://schemas.microsoft.com/office/drawing/2014/main" id="{F19D04C4-A8EC-B9EB-9047-9DA7E0C0E8A8}"/>
+                <a16:creationId xmlns:a16="http://schemas.microsoft.com/office/drawing/2014/main" id="{CEA83A4A-3018-9E87-5FCC-6FB174757F37}"/>
               </a:ext>
             </a:extLst>
           </p:cNvPr>
@@ -4221,86 +4559,12 @@
           <a:lstStyle/>
           <a:p>
             <a:r>
-              <a:rPr lang="fr-FR" dirty="0"/>
-              <a:t>Arg 1</a:t>
-            </a:r>
-          </a:p>
-          <a:p>
-            <a:pPr lvl="1"/>
-            <a:r>
               <a:rPr lang="fr-FR" dirty="0" err="1"/>
-              <a:t>Sub</a:t>
-            </a:r>
-            <a:r>
-              <a:rPr lang="fr-FR" dirty="0"/>
-              <a:t> arg 1</a:t>
-            </a:r>
-          </a:p>
-          <a:p>
-            <a:pPr lvl="1"/>
-            <a:r>
-              <a:rPr lang="fr-FR" dirty="0" err="1"/>
-              <a:t>Sub</a:t>
-            </a:r>
-            <a:r>
-              <a:rPr lang="fr-FR" dirty="0"/>
-              <a:t> arg 2</a:t>
-            </a:r>
-          </a:p>
-          <a:p>
-            <a:r>
-              <a:rPr lang="fr-FR" dirty="0"/>
-              <a:t>Arg 2</a:t>
-            </a:r>
-          </a:p>
-          <a:p>
-            <a:pPr lvl="1"/>
-            <a:r>
-              <a:rPr lang="fr-FR" dirty="0" err="1"/>
-              <a:t>Sub</a:t>
-            </a:r>
-            <a:r>
-              <a:rPr lang="fr-FR" dirty="0"/>
-              <a:t> arg 1</a:t>
-            </a:r>
-          </a:p>
-          <a:p>
-            <a:pPr lvl="1"/>
-            <a:r>
-              <a:rPr lang="fr-FR" dirty="0" err="1"/>
-              <a:t>Sub</a:t>
-            </a:r>
-            <a:r>
-              <a:rPr lang="fr-FR" dirty="0"/>
-              <a:t> arg 2</a:t>
-            </a:r>
-          </a:p>
-          <a:p>
-            <a:r>
-              <a:rPr lang="fr-FR" dirty="0"/>
-              <a:t>Arg 3</a:t>
-            </a:r>
-          </a:p>
-          <a:p>
-            <a:pPr lvl="1"/>
-            <a:r>
-              <a:rPr lang="fr-FR" dirty="0" err="1"/>
-              <a:t>Sub</a:t>
-            </a:r>
-            <a:r>
-              <a:rPr lang="fr-FR" dirty="0"/>
-              <a:t> arg 1</a:t>
-            </a:r>
-          </a:p>
-          <a:p>
-            <a:pPr lvl="1"/>
-            <a:r>
-              <a:rPr lang="fr-FR" dirty="0" err="1"/>
-              <a:t>Sub</a:t>
-            </a:r>
-            <a:r>
-              <a:rPr lang="fr-FR" dirty="0"/>
-              <a:t> arg 2</a:t>
+              <a:t>Recall</a:t>
+            </a:r>
+            <a:r>
+              <a:rPr lang="fr-FR" dirty="0"/>
+              <a:t> of main ad</a:t>
             </a:r>
           </a:p>
         </p:txBody>
@@ -4308,7 +4572,7 @@
     </p:spTree>
     <p:extLst>
       <p:ext uri="{BB962C8B-B14F-4D97-AF65-F5344CB8AC3E}">
-        <p14:creationId xmlns:p14="http://schemas.microsoft.com/office/powerpoint/2010/main" val="713119767"/>
+        <p14:creationId xmlns:p14="http://schemas.microsoft.com/office/powerpoint/2010/main" val="687676604"/>
       </p:ext>
     </p:extLst>
   </p:cSld>
@@ -4386,7 +4650,7 @@
           <a:p>
             <a:r>
               <a:rPr lang="fr-FR" dirty="0"/>
-              <a:t>Arg 4</a:t>
+              <a:t>Arg 1</a:t>
             </a:r>
           </a:p>
           <a:p>
@@ -4414,7 +4678,7 @@
           <a:p>
             <a:r>
               <a:rPr lang="fr-FR" dirty="0"/>
-              <a:t>Arg 5</a:t>
+              <a:t>Arg 2</a:t>
             </a:r>
           </a:p>
           <a:p>
@@ -4442,7 +4706,7 @@
           <a:p>
             <a:r>
               <a:rPr lang="fr-FR" dirty="0"/>
-              <a:t>Arg 6</a:t>
+              <a:t>Arg 3</a:t>
             </a:r>
           </a:p>
           <a:p>
@@ -4472,7 +4736,7 @@
     </p:spTree>
     <p:extLst>
       <p:ext uri="{BB962C8B-B14F-4D97-AF65-F5344CB8AC3E}">
-        <p14:creationId xmlns:p14="http://schemas.microsoft.com/office/powerpoint/2010/main" val="3683918389"/>
+        <p14:creationId xmlns:p14="http://schemas.microsoft.com/office/powerpoint/2010/main" val="713119767"/>
       </p:ext>
     </p:extLst>
   </p:cSld>

--- a/slides.pptx
+++ b/slides.pptx
@@ -8,16 +8,8 @@
     <p:sldId id="256" r:id="rId2"/>
     <p:sldId id="257" r:id="rId3"/>
     <p:sldId id="269" r:id="rId4"/>
-    <p:sldId id="258" r:id="rId5"/>
-    <p:sldId id="259" r:id="rId6"/>
-    <p:sldId id="260" r:id="rId7"/>
-    <p:sldId id="261" r:id="rId8"/>
-    <p:sldId id="263" r:id="rId9"/>
-    <p:sldId id="264" r:id="rId10"/>
-    <p:sldId id="265" r:id="rId11"/>
-    <p:sldId id="266" r:id="rId12"/>
-    <p:sldId id="267" r:id="rId13"/>
-    <p:sldId id="268" r:id="rId14"/>
+    <p:sldId id="261" r:id="rId5"/>
+    <p:sldId id="268" r:id="rId6"/>
   </p:sldIdLst>
   <p:sldSz cx="12192000" cy="6858000"/>
   <p:notesSz cx="6858000" cy="9144000"/>
@@ -3415,481 +3407,6 @@
 </p:sld>
 </file>
 
-<file path=ppt/slides/slide10.xml><?xml version="1.0" encoding="utf-8"?>
-<p:sld xmlns:a="http://schemas.openxmlformats.org/drawingml/2006/main" xmlns:r="http://schemas.openxmlformats.org/officeDocument/2006/relationships" xmlns:p="http://schemas.openxmlformats.org/presentationml/2006/main">
-  <p:cSld>
-    <p:spTree>
-      <p:nvGrpSpPr>
-        <p:cNvPr id="1" name=""/>
-        <p:cNvGrpSpPr/>
-        <p:nvPr/>
-      </p:nvGrpSpPr>
-      <p:grpSpPr>
-        <a:xfrm>
-          <a:off x="0" y="0"/>
-          <a:ext cx="0" cy="0"/>
-          <a:chOff x="0" y="0"/>
-          <a:chExt cx="0" cy="0"/>
-        </a:xfrm>
-      </p:grpSpPr>
-      <p:sp>
-        <p:nvSpPr>
-          <p:cNvPr id="2" name="Titre 1">
-            <a:extLst>
-              <a:ext uri="{FF2B5EF4-FFF2-40B4-BE49-F238E27FC236}">
-                <a16:creationId xmlns:a16="http://schemas.microsoft.com/office/drawing/2014/main" id="{3AE29807-5EE9-D086-72BF-25583740A81F}"/>
-              </a:ext>
-            </a:extLst>
-          </p:cNvPr>
-          <p:cNvSpPr>
-            <a:spLocks noGrp="1"/>
-          </p:cNvSpPr>
-          <p:nvPr>
-            <p:ph type="title"/>
-          </p:nvPr>
-        </p:nvSpPr>
-        <p:spPr/>
-        <p:txBody>
-          <a:bodyPr/>
-          <a:lstStyle/>
-          <a:p>
-            <a:r>
-              <a:rPr lang="fr-FR" dirty="0"/>
-              <a:t>Culture clash</a:t>
-            </a:r>
-          </a:p>
-        </p:txBody>
-      </p:sp>
-      <p:sp>
-        <p:nvSpPr>
-          <p:cNvPr id="3" name="Espace réservé du contenu 2">
-            <a:extLst>
-              <a:ext uri="{FF2B5EF4-FFF2-40B4-BE49-F238E27FC236}">
-                <a16:creationId xmlns:a16="http://schemas.microsoft.com/office/drawing/2014/main" id="{F19D04C4-A8EC-B9EB-9047-9DA7E0C0E8A8}"/>
-              </a:ext>
-            </a:extLst>
-          </p:cNvPr>
-          <p:cNvSpPr>
-            <a:spLocks noGrp="1"/>
-          </p:cNvSpPr>
-          <p:nvPr>
-            <p:ph idx="1"/>
-          </p:nvPr>
-        </p:nvSpPr>
-        <p:spPr/>
-        <p:txBody>
-          <a:bodyPr/>
-          <a:lstStyle/>
-          <a:p>
-            <a:r>
-              <a:rPr lang="fr-FR" dirty="0"/>
-              <a:t>Arg 4</a:t>
-            </a:r>
-          </a:p>
-          <a:p>
-            <a:pPr lvl="1"/>
-            <a:r>
-              <a:rPr lang="fr-FR" dirty="0" err="1"/>
-              <a:t>Sub</a:t>
-            </a:r>
-            <a:r>
-              <a:rPr lang="fr-FR" dirty="0"/>
-              <a:t> arg 1</a:t>
-            </a:r>
-          </a:p>
-          <a:p>
-            <a:pPr lvl="1"/>
-            <a:r>
-              <a:rPr lang="fr-FR" dirty="0" err="1"/>
-              <a:t>Sub</a:t>
-            </a:r>
-            <a:r>
-              <a:rPr lang="fr-FR" dirty="0"/>
-              <a:t> arg 2</a:t>
-            </a:r>
-          </a:p>
-          <a:p>
-            <a:r>
-              <a:rPr lang="fr-FR" dirty="0"/>
-              <a:t>Arg 5</a:t>
-            </a:r>
-          </a:p>
-          <a:p>
-            <a:pPr lvl="1"/>
-            <a:r>
-              <a:rPr lang="fr-FR" dirty="0" err="1"/>
-              <a:t>Sub</a:t>
-            </a:r>
-            <a:r>
-              <a:rPr lang="fr-FR" dirty="0"/>
-              <a:t> arg 1</a:t>
-            </a:r>
-          </a:p>
-          <a:p>
-            <a:pPr lvl="1"/>
-            <a:r>
-              <a:rPr lang="fr-FR" dirty="0" err="1"/>
-              <a:t>Sub</a:t>
-            </a:r>
-            <a:r>
-              <a:rPr lang="fr-FR" dirty="0"/>
-              <a:t> arg 2</a:t>
-            </a:r>
-          </a:p>
-          <a:p>
-            <a:r>
-              <a:rPr lang="fr-FR" dirty="0"/>
-              <a:t>Arg 6</a:t>
-            </a:r>
-          </a:p>
-          <a:p>
-            <a:pPr lvl="1"/>
-            <a:r>
-              <a:rPr lang="fr-FR" dirty="0" err="1"/>
-              <a:t>Sub</a:t>
-            </a:r>
-            <a:r>
-              <a:rPr lang="fr-FR" dirty="0"/>
-              <a:t> arg 1</a:t>
-            </a:r>
-          </a:p>
-          <a:p>
-            <a:pPr lvl="1"/>
-            <a:r>
-              <a:rPr lang="fr-FR" dirty="0" err="1"/>
-              <a:t>Sub</a:t>
-            </a:r>
-            <a:r>
-              <a:rPr lang="fr-FR" dirty="0"/>
-              <a:t> arg 2</a:t>
-            </a:r>
-          </a:p>
-        </p:txBody>
-      </p:sp>
-    </p:spTree>
-    <p:extLst>
-      <p:ext uri="{BB962C8B-B14F-4D97-AF65-F5344CB8AC3E}">
-        <p14:creationId xmlns:p14="http://schemas.microsoft.com/office/powerpoint/2010/main" val="3683918389"/>
-      </p:ext>
-    </p:extLst>
-  </p:cSld>
-  <p:clrMapOvr>
-    <a:masterClrMapping/>
-  </p:clrMapOvr>
-</p:sld>
-</file>
-
-<file path=ppt/slides/slide11.xml><?xml version="1.0" encoding="utf-8"?>
-<p:sld xmlns:a="http://schemas.openxmlformats.org/drawingml/2006/main" xmlns:r="http://schemas.openxmlformats.org/officeDocument/2006/relationships" xmlns:p="http://schemas.openxmlformats.org/presentationml/2006/main">
-  <p:cSld>
-    <p:spTree>
-      <p:nvGrpSpPr>
-        <p:cNvPr id="1" name=""/>
-        <p:cNvGrpSpPr/>
-        <p:nvPr/>
-      </p:nvGrpSpPr>
-      <p:grpSpPr>
-        <a:xfrm>
-          <a:off x="0" y="0"/>
-          <a:ext cx="0" cy="0"/>
-          <a:chOff x="0" y="0"/>
-          <a:chExt cx="0" cy="0"/>
-        </a:xfrm>
-      </p:grpSpPr>
-      <p:sp>
-        <p:nvSpPr>
-          <p:cNvPr id="2" name="Titre 1">
-            <a:extLst>
-              <a:ext uri="{FF2B5EF4-FFF2-40B4-BE49-F238E27FC236}">
-                <a16:creationId xmlns:a16="http://schemas.microsoft.com/office/drawing/2014/main" id="{3AE29807-5EE9-D086-72BF-25583740A81F}"/>
-              </a:ext>
-            </a:extLst>
-          </p:cNvPr>
-          <p:cNvSpPr>
-            <a:spLocks noGrp="1"/>
-          </p:cNvSpPr>
-          <p:nvPr>
-            <p:ph type="title"/>
-          </p:nvPr>
-        </p:nvSpPr>
-        <p:spPr/>
-        <p:txBody>
-          <a:bodyPr/>
-          <a:lstStyle/>
-          <a:p>
-            <a:r>
-              <a:rPr lang="fr-FR" dirty="0"/>
-              <a:t>Culture clash</a:t>
-            </a:r>
-          </a:p>
-        </p:txBody>
-      </p:sp>
-      <p:sp>
-        <p:nvSpPr>
-          <p:cNvPr id="3" name="Espace réservé du contenu 2">
-            <a:extLst>
-              <a:ext uri="{FF2B5EF4-FFF2-40B4-BE49-F238E27FC236}">
-                <a16:creationId xmlns:a16="http://schemas.microsoft.com/office/drawing/2014/main" id="{F19D04C4-A8EC-B9EB-9047-9DA7E0C0E8A8}"/>
-              </a:ext>
-            </a:extLst>
-          </p:cNvPr>
-          <p:cNvSpPr>
-            <a:spLocks noGrp="1"/>
-          </p:cNvSpPr>
-          <p:nvPr>
-            <p:ph idx="1"/>
-          </p:nvPr>
-        </p:nvSpPr>
-        <p:spPr/>
-        <p:txBody>
-          <a:bodyPr/>
-          <a:lstStyle/>
-          <a:p>
-            <a:r>
-              <a:rPr lang="fr-FR" dirty="0"/>
-              <a:t>Arg 7</a:t>
-            </a:r>
-          </a:p>
-          <a:p>
-            <a:pPr lvl="1"/>
-            <a:r>
-              <a:rPr lang="fr-FR" dirty="0" err="1"/>
-              <a:t>Sub</a:t>
-            </a:r>
-            <a:r>
-              <a:rPr lang="fr-FR" dirty="0"/>
-              <a:t> arg 1</a:t>
-            </a:r>
-          </a:p>
-          <a:p>
-            <a:pPr lvl="1"/>
-            <a:r>
-              <a:rPr lang="fr-FR" dirty="0" err="1"/>
-              <a:t>Sub</a:t>
-            </a:r>
-            <a:r>
-              <a:rPr lang="fr-FR" dirty="0"/>
-              <a:t> arg 2</a:t>
-            </a:r>
-          </a:p>
-          <a:p>
-            <a:r>
-              <a:rPr lang="fr-FR" dirty="0"/>
-              <a:t>Transition</a:t>
-            </a:r>
-          </a:p>
-        </p:txBody>
-      </p:sp>
-    </p:spTree>
-    <p:extLst>
-      <p:ext uri="{BB962C8B-B14F-4D97-AF65-F5344CB8AC3E}">
-        <p14:creationId xmlns:p14="http://schemas.microsoft.com/office/powerpoint/2010/main" val="1448163421"/>
-      </p:ext>
-    </p:extLst>
-  </p:cSld>
-  <p:clrMapOvr>
-    <a:masterClrMapping/>
-  </p:clrMapOvr>
-</p:sld>
-</file>
-
-<file path=ppt/slides/slide12.xml><?xml version="1.0" encoding="utf-8"?>
-<p:sld xmlns:a="http://schemas.openxmlformats.org/drawingml/2006/main" xmlns:r="http://schemas.openxmlformats.org/officeDocument/2006/relationships" xmlns:p="http://schemas.openxmlformats.org/presentationml/2006/main">
-  <p:cSld>
-    <p:spTree>
-      <p:nvGrpSpPr>
-        <p:cNvPr id="1" name=""/>
-        <p:cNvGrpSpPr/>
-        <p:nvPr/>
-      </p:nvGrpSpPr>
-      <p:grpSpPr>
-        <a:xfrm>
-          <a:off x="0" y="0"/>
-          <a:ext cx="0" cy="0"/>
-          <a:chOff x="0" y="0"/>
-          <a:chExt cx="0" cy="0"/>
-        </a:xfrm>
-      </p:grpSpPr>
-      <p:sp>
-        <p:nvSpPr>
-          <p:cNvPr id="2" name="Titre 1">
-            <a:extLst>
-              <a:ext uri="{FF2B5EF4-FFF2-40B4-BE49-F238E27FC236}">
-                <a16:creationId xmlns:a16="http://schemas.microsoft.com/office/drawing/2014/main" id="{3AE29807-5EE9-D086-72BF-25583740A81F}"/>
-              </a:ext>
-            </a:extLst>
-          </p:cNvPr>
-          <p:cNvSpPr>
-            <a:spLocks noGrp="1"/>
-          </p:cNvSpPr>
-          <p:nvPr>
-            <p:ph type="title"/>
-          </p:nvPr>
-        </p:nvSpPr>
-        <p:spPr/>
-        <p:txBody>
-          <a:bodyPr/>
-          <a:lstStyle/>
-          <a:p>
-            <a:r>
-              <a:rPr lang="fr-FR" dirty="0"/>
-              <a:t>Culture clash</a:t>
-            </a:r>
-          </a:p>
-        </p:txBody>
-      </p:sp>
-      <p:sp>
-        <p:nvSpPr>
-          <p:cNvPr id="3" name="Espace réservé du contenu 2">
-            <a:extLst>
-              <a:ext uri="{FF2B5EF4-FFF2-40B4-BE49-F238E27FC236}">
-                <a16:creationId xmlns:a16="http://schemas.microsoft.com/office/drawing/2014/main" id="{F19D04C4-A8EC-B9EB-9047-9DA7E0C0E8A8}"/>
-              </a:ext>
-            </a:extLst>
-          </p:cNvPr>
-          <p:cNvSpPr>
-            <a:spLocks noGrp="1"/>
-          </p:cNvSpPr>
-          <p:nvPr>
-            <p:ph idx="1"/>
-          </p:nvPr>
-        </p:nvSpPr>
-        <p:spPr/>
-        <p:txBody>
-          <a:bodyPr/>
-          <a:lstStyle/>
-          <a:p>
-            <a:r>
-              <a:rPr lang="fr-FR" dirty="0"/>
-              <a:t>Arg 7</a:t>
-            </a:r>
-          </a:p>
-          <a:p>
-            <a:pPr lvl="1"/>
-            <a:r>
-              <a:rPr lang="fr-FR" dirty="0" err="1"/>
-              <a:t>Sub</a:t>
-            </a:r>
-            <a:r>
-              <a:rPr lang="fr-FR" dirty="0"/>
-              <a:t> arg 1</a:t>
-            </a:r>
-          </a:p>
-          <a:p>
-            <a:pPr lvl="1"/>
-            <a:r>
-              <a:rPr lang="fr-FR" dirty="0" err="1"/>
-              <a:t>Sub</a:t>
-            </a:r>
-            <a:r>
-              <a:rPr lang="fr-FR" dirty="0"/>
-              <a:t> arg 2</a:t>
-            </a:r>
-          </a:p>
-          <a:p>
-            <a:r>
-              <a:rPr lang="fr-FR" dirty="0"/>
-              <a:t>Transition</a:t>
-            </a:r>
-          </a:p>
-        </p:txBody>
-      </p:sp>
-    </p:spTree>
-    <p:extLst>
-      <p:ext uri="{BB962C8B-B14F-4D97-AF65-F5344CB8AC3E}">
-        <p14:creationId xmlns:p14="http://schemas.microsoft.com/office/powerpoint/2010/main" val="1661682614"/>
-      </p:ext>
-    </p:extLst>
-  </p:cSld>
-  <p:clrMapOvr>
-    <a:masterClrMapping/>
-  </p:clrMapOvr>
-</p:sld>
-</file>
-
-<file path=ppt/slides/slide13.xml><?xml version="1.0" encoding="utf-8"?>
-<p:sld xmlns:a="http://schemas.openxmlformats.org/drawingml/2006/main" xmlns:r="http://schemas.openxmlformats.org/officeDocument/2006/relationships" xmlns:p="http://schemas.openxmlformats.org/presentationml/2006/main">
-  <p:cSld>
-    <p:spTree>
-      <p:nvGrpSpPr>
-        <p:cNvPr id="1" name=""/>
-        <p:cNvGrpSpPr/>
-        <p:nvPr/>
-      </p:nvGrpSpPr>
-      <p:grpSpPr>
-        <a:xfrm>
-          <a:off x="0" y="0"/>
-          <a:ext cx="0" cy="0"/>
-          <a:chOff x="0" y="0"/>
-          <a:chExt cx="0" cy="0"/>
-        </a:xfrm>
-      </p:grpSpPr>
-      <p:sp>
-        <p:nvSpPr>
-          <p:cNvPr id="2" name="Titre 1">
-            <a:extLst>
-              <a:ext uri="{FF2B5EF4-FFF2-40B4-BE49-F238E27FC236}">
-                <a16:creationId xmlns:a16="http://schemas.microsoft.com/office/drawing/2014/main" id="{6710236A-F3E1-EA14-729B-0F5E7974B2C5}"/>
-              </a:ext>
-            </a:extLst>
-          </p:cNvPr>
-          <p:cNvSpPr>
-            <a:spLocks noGrp="1"/>
-          </p:cNvSpPr>
-          <p:nvPr>
-            <p:ph type="title"/>
-          </p:nvPr>
-        </p:nvSpPr>
-        <p:spPr/>
-        <p:txBody>
-          <a:bodyPr/>
-          <a:lstStyle/>
-          <a:p>
-            <a:r>
-              <a:rPr lang="fr-FR" dirty="0"/>
-              <a:t>Conclusion</a:t>
-            </a:r>
-          </a:p>
-        </p:txBody>
-      </p:sp>
-      <p:sp>
-        <p:nvSpPr>
-          <p:cNvPr id="3" name="Espace réservé du contenu 2">
-            <a:extLst>
-              <a:ext uri="{FF2B5EF4-FFF2-40B4-BE49-F238E27FC236}">
-                <a16:creationId xmlns:a16="http://schemas.microsoft.com/office/drawing/2014/main" id="{07EA5922-9EC5-668F-39FE-BC7092D75F2C}"/>
-              </a:ext>
-            </a:extLst>
-          </p:cNvPr>
-          <p:cNvSpPr>
-            <a:spLocks noGrp="1"/>
-          </p:cNvSpPr>
-          <p:nvPr>
-            <p:ph idx="1"/>
-          </p:nvPr>
-        </p:nvSpPr>
-        <p:spPr/>
-        <p:txBody>
-          <a:bodyPr/>
-          <a:lstStyle/>
-          <a:p>
-            <a:endParaRPr lang="fr-FR"/>
-          </a:p>
-        </p:txBody>
-      </p:sp>
-    </p:spTree>
-    <p:extLst>
-      <p:ext uri="{BB962C8B-B14F-4D97-AF65-F5344CB8AC3E}">
-        <p14:creationId xmlns:p14="http://schemas.microsoft.com/office/powerpoint/2010/main" val="2628198356"/>
-      </p:ext>
-    </p:extLst>
-  </p:cSld>
-  <p:clrMapOvr>
-    <a:masterClrMapping/>
-  </p:clrMapOvr>
-</p:sld>
-</file>
-
 <file path=ppt/slides/slide2.xml><?xml version="1.0" encoding="utf-8"?>
 <p:sld xmlns:a="http://schemas.openxmlformats.org/drawingml/2006/main" xmlns:r="http://schemas.openxmlformats.org/officeDocument/2006/relationships" xmlns:p="http://schemas.openxmlformats.org/presentationml/2006/main">
   <p:cSld>
@@ -3951,7 +3468,12 @@
             <p:ph idx="1"/>
           </p:nvPr>
         </p:nvSpPr>
-        <p:spPr/>
+        <p:spPr>
+          <a:xfrm>
+            <a:off x="838200" y="1825625"/>
+            <a:ext cx="10515600" cy="4894152"/>
+          </a:xfrm>
+        </p:spPr>
         <p:txBody>
           <a:bodyPr/>
           <a:lstStyle/>
@@ -3972,14 +3494,14 @@
             <a:pPr lvl="1"/>
             <a:r>
               <a:rPr lang="fr-FR" dirty="0"/>
-              <a:t>Pas de visage</a:t>
+              <a:t>Pas de visage =&gt; individualisme</a:t>
             </a:r>
           </a:p>
           <a:p>
             <a:pPr lvl="1"/>
             <a:r>
               <a:rPr lang="fr-FR" dirty="0"/>
-              <a:t>Réseaux sociaux</a:t>
+              <a:t>Réseaux sociaux =&gt; reconnaissance</a:t>
             </a:r>
           </a:p>
           <a:p>
@@ -4006,28 +3528,28 @@
             <a:pPr lvl="1"/>
             <a:r>
               <a:rPr lang="fr-FR" dirty="0"/>
-              <a:t>Récompense</a:t>
+              <a:t>Récompense =&gt; ??</a:t>
             </a:r>
           </a:p>
           <a:p>
             <a:pPr lvl="1"/>
             <a:r>
               <a:rPr lang="fr-FR" dirty="0"/>
-              <a:t>Visuel (couleurs chaudes), musique douce</a:t>
+              <a:t>Visuel (couleurs chaudes), musique douce =&gt; « collectivisme »</a:t>
             </a:r>
           </a:p>
           <a:p>
             <a:pPr lvl="1"/>
             <a:r>
               <a:rPr lang="fr-FR" dirty="0"/>
-              <a:t>Vêtements locaux</a:t>
+              <a:t>Vêtements locaux =&gt; adaptation à la culture</a:t>
             </a:r>
           </a:p>
           <a:p>
             <a:pPr lvl="1"/>
             <a:r>
               <a:rPr lang="fr-FR" dirty="0"/>
-              <a:t>Marque inclusive</a:t>
+              <a:t>Marque inclusive =&gt; idée des valeurs forte</a:t>
             </a:r>
           </a:p>
         </p:txBody>
@@ -4128,12 +3650,37 @@
             <a:pPr lvl="1"/>
             <a:r>
               <a:rPr lang="fr-FR" dirty="0"/>
-              <a:t>Égalité des places / égalité des chances </a:t>
-            </a:r>
-            <a:r>
-              <a:rPr lang="fr-FR"/>
-              <a:t>(François Dubet)</a:t>
-            </a:r>
+              <a:t>Égalité des places / égalité des chances (François Dubet)</a:t>
+            </a:r>
+          </a:p>
+          <a:p>
+            <a:pPr lvl="1"/>
+            <a:r>
+              <a:rPr lang="fr-FR" dirty="0"/>
+              <a:t>Lien avec la pub US</a:t>
+            </a:r>
+          </a:p>
+          <a:p>
+            <a:r>
+              <a:rPr lang="fr-FR" dirty="0"/>
+              <a:t>US (main): </a:t>
+            </a:r>
+            <a:r>
+              <a:rPr lang="fr-FR" dirty="0">
+                <a:hlinkClick r:id="rId3"/>
+              </a:rPr>
+              <a:t>https://www.youtube.com/watch?v=Aq1f2PiSXrU</a:t>
+            </a:r>
+            <a:endParaRPr lang="fr-FR" dirty="0"/>
+          </a:p>
+          <a:p>
+            <a:pPr lvl="1"/>
+            <a:r>
+              <a:rPr lang="fr-FR"/>
+              <a:t>TODO</a:t>
+            </a:r>
+          </a:p>
+          <a:p>
             <a:endParaRPr lang="fr-FR" dirty="0"/>
           </a:p>
           <a:p>
@@ -4176,7 +3723,7 @@
           <p:cNvPr id="2" name="Titre 1">
             <a:extLst>
               <a:ext uri="{FF2B5EF4-FFF2-40B4-BE49-F238E27FC236}">
-                <a16:creationId xmlns:a16="http://schemas.microsoft.com/office/drawing/2014/main" id="{2397AC9A-E99F-A092-7C65-95625EDBCF55}"/>
+                <a16:creationId xmlns:a16="http://schemas.microsoft.com/office/drawing/2014/main" id="{0BF80959-2A11-13D9-66AC-A51389286477}"/>
               </a:ext>
             </a:extLst>
           </p:cNvPr>
@@ -4194,7 +3741,7 @@
           <a:p>
             <a:r>
               <a:rPr lang="fr-FR" dirty="0"/>
-              <a:t>Ad 1</a:t>
+              <a:t>Arguments</a:t>
             </a:r>
           </a:p>
         </p:txBody>
@@ -4204,7 +3751,7 @@
           <p:cNvPr id="3" name="Espace réservé du contenu 2">
             <a:extLst>
               <a:ext uri="{FF2B5EF4-FFF2-40B4-BE49-F238E27FC236}">
-                <a16:creationId xmlns:a16="http://schemas.microsoft.com/office/drawing/2014/main" id="{B21100F3-583F-E11F-7F37-7C29B4903101}"/>
+                <a16:creationId xmlns:a16="http://schemas.microsoft.com/office/drawing/2014/main" id="{E3E53974-D937-72BD-CFEA-05BB1F17F976}"/>
               </a:ext>
             </a:extLst>
           </p:cNvPr>
@@ -4220,14 +3767,29 @@
           <a:bodyPr/>
           <a:lstStyle/>
           <a:p>
-            <a:endParaRPr lang="fr-FR"/>
+            <a:r>
+              <a:rPr lang="fr-FR" dirty="0"/>
+              <a:t>Produits dépendant de la culture</a:t>
+            </a:r>
+          </a:p>
+          <a:p>
+            <a:r>
+              <a:rPr lang="fr-FR" dirty="0"/>
+              <a:t>Égalité des places / égalité des chances =&gt; impact sur la culture</a:t>
+            </a:r>
+          </a:p>
+          <a:p>
+            <a:endParaRPr lang="fr-FR" dirty="0"/>
+          </a:p>
+          <a:p>
+            <a:endParaRPr lang="fr-FR" dirty="0"/>
           </a:p>
         </p:txBody>
       </p:sp>
     </p:spTree>
     <p:extLst>
       <p:ext uri="{BB962C8B-B14F-4D97-AF65-F5344CB8AC3E}">
-        <p14:creationId xmlns:p14="http://schemas.microsoft.com/office/powerpoint/2010/main" val="1266644878"/>
+        <p14:creationId xmlns:p14="http://schemas.microsoft.com/office/powerpoint/2010/main" val="3192538769"/>
       </p:ext>
     </p:extLst>
   </p:cSld>
@@ -4259,7 +3821,7 @@
           <p:cNvPr id="2" name="Titre 1">
             <a:extLst>
               <a:ext uri="{FF2B5EF4-FFF2-40B4-BE49-F238E27FC236}">
-                <a16:creationId xmlns:a16="http://schemas.microsoft.com/office/drawing/2014/main" id="{522C4C2C-527E-C1FC-1097-F738F90238DF}"/>
+                <a16:creationId xmlns:a16="http://schemas.microsoft.com/office/drawing/2014/main" id="{6710236A-F3E1-EA14-729B-0F5E7974B2C5}"/>
               </a:ext>
             </a:extLst>
           </p:cNvPr>
@@ -4277,7 +3839,7 @@
           <a:p>
             <a:r>
               <a:rPr lang="fr-FR" dirty="0"/>
-              <a:t>Ad 2</a:t>
+              <a:t>Conclusion</a:t>
             </a:r>
           </a:p>
         </p:txBody>
@@ -4287,7 +3849,7 @@
           <p:cNvPr id="3" name="Espace réservé du contenu 2">
             <a:extLst>
               <a:ext uri="{FF2B5EF4-FFF2-40B4-BE49-F238E27FC236}">
-                <a16:creationId xmlns:a16="http://schemas.microsoft.com/office/drawing/2014/main" id="{F5C57BE3-D20B-B668-EFE6-E68FB43507B3}"/>
+                <a16:creationId xmlns:a16="http://schemas.microsoft.com/office/drawing/2014/main" id="{07EA5922-9EC5-668F-39FE-BC7092D75F2C}"/>
               </a:ext>
             </a:extLst>
           </p:cNvPr>
@@ -4310,433 +3872,7 @@
     </p:spTree>
     <p:extLst>
       <p:ext uri="{BB962C8B-B14F-4D97-AF65-F5344CB8AC3E}">
-        <p14:creationId xmlns:p14="http://schemas.microsoft.com/office/powerpoint/2010/main" val="3117585510"/>
-      </p:ext>
-    </p:extLst>
-  </p:cSld>
-  <p:clrMapOvr>
-    <a:masterClrMapping/>
-  </p:clrMapOvr>
-</p:sld>
-</file>
-
-<file path=ppt/slides/slide6.xml><?xml version="1.0" encoding="utf-8"?>
-<p:sld xmlns:a="http://schemas.openxmlformats.org/drawingml/2006/main" xmlns:r="http://schemas.openxmlformats.org/officeDocument/2006/relationships" xmlns:p="http://schemas.openxmlformats.org/presentationml/2006/main">
-  <p:cSld>
-    <p:spTree>
-      <p:nvGrpSpPr>
-        <p:cNvPr id="1" name=""/>
-        <p:cNvGrpSpPr/>
-        <p:nvPr/>
-      </p:nvGrpSpPr>
-      <p:grpSpPr>
-        <a:xfrm>
-          <a:off x="0" y="0"/>
-          <a:ext cx="0" cy="0"/>
-          <a:chOff x="0" y="0"/>
-          <a:chExt cx="0" cy="0"/>
-        </a:xfrm>
-      </p:grpSpPr>
-      <p:sp>
-        <p:nvSpPr>
-          <p:cNvPr id="2" name="Titre 1">
-            <a:extLst>
-              <a:ext uri="{FF2B5EF4-FFF2-40B4-BE49-F238E27FC236}">
-                <a16:creationId xmlns:a16="http://schemas.microsoft.com/office/drawing/2014/main" id="{D2BF8FFB-A9F5-2903-8159-B3C8E9C09669}"/>
-              </a:ext>
-            </a:extLst>
-          </p:cNvPr>
-          <p:cNvSpPr>
-            <a:spLocks noGrp="1"/>
-          </p:cNvSpPr>
-          <p:nvPr>
-            <p:ph type="title"/>
-          </p:nvPr>
-        </p:nvSpPr>
-        <p:spPr/>
-        <p:txBody>
-          <a:bodyPr/>
-          <a:lstStyle/>
-          <a:p>
-            <a:r>
-              <a:rPr lang="fr-FR" dirty="0"/>
-              <a:t>Ad 3</a:t>
-            </a:r>
-          </a:p>
-        </p:txBody>
-      </p:sp>
-      <p:sp>
-        <p:nvSpPr>
-          <p:cNvPr id="3" name="Espace réservé du contenu 2">
-            <a:extLst>
-              <a:ext uri="{FF2B5EF4-FFF2-40B4-BE49-F238E27FC236}">
-                <a16:creationId xmlns:a16="http://schemas.microsoft.com/office/drawing/2014/main" id="{90D45A24-6C33-6841-D450-E17292BA9BE3}"/>
-              </a:ext>
-            </a:extLst>
-          </p:cNvPr>
-          <p:cNvSpPr>
-            <a:spLocks noGrp="1"/>
-          </p:cNvSpPr>
-          <p:nvPr>
-            <p:ph idx="1"/>
-          </p:nvPr>
-        </p:nvSpPr>
-        <p:spPr/>
-        <p:txBody>
-          <a:bodyPr/>
-          <a:lstStyle/>
-          <a:p>
-            <a:endParaRPr lang="fr-FR"/>
-          </a:p>
-        </p:txBody>
-      </p:sp>
-    </p:spTree>
-    <p:extLst>
-      <p:ext uri="{BB962C8B-B14F-4D97-AF65-F5344CB8AC3E}">
-        <p14:creationId xmlns:p14="http://schemas.microsoft.com/office/powerpoint/2010/main" val="3045138478"/>
-      </p:ext>
-    </p:extLst>
-  </p:cSld>
-  <p:clrMapOvr>
-    <a:masterClrMapping/>
-  </p:clrMapOvr>
-</p:sld>
-</file>
-
-<file path=ppt/slides/slide7.xml><?xml version="1.0" encoding="utf-8"?>
-<p:sld xmlns:a="http://schemas.openxmlformats.org/drawingml/2006/main" xmlns:r="http://schemas.openxmlformats.org/officeDocument/2006/relationships" xmlns:p="http://schemas.openxmlformats.org/presentationml/2006/main">
-  <p:cSld>
-    <p:spTree>
-      <p:nvGrpSpPr>
-        <p:cNvPr id="1" name=""/>
-        <p:cNvGrpSpPr/>
-        <p:nvPr/>
-      </p:nvGrpSpPr>
-      <p:grpSpPr>
-        <a:xfrm>
-          <a:off x="0" y="0"/>
-          <a:ext cx="0" cy="0"/>
-          <a:chOff x="0" y="0"/>
-          <a:chExt cx="0" cy="0"/>
-        </a:xfrm>
-      </p:grpSpPr>
-      <p:sp>
-        <p:nvSpPr>
-          <p:cNvPr id="2" name="Titre 1">
-            <a:extLst>
-              <a:ext uri="{FF2B5EF4-FFF2-40B4-BE49-F238E27FC236}">
-                <a16:creationId xmlns:a16="http://schemas.microsoft.com/office/drawing/2014/main" id="{0BF80959-2A11-13D9-66AC-A51389286477}"/>
-              </a:ext>
-            </a:extLst>
-          </p:cNvPr>
-          <p:cNvSpPr>
-            <a:spLocks noGrp="1"/>
-          </p:cNvSpPr>
-          <p:nvPr>
-            <p:ph type="title"/>
-          </p:nvPr>
-        </p:nvSpPr>
-        <p:spPr/>
-        <p:txBody>
-          <a:bodyPr/>
-          <a:lstStyle/>
-          <a:p>
-            <a:r>
-              <a:rPr lang="fr-FR" dirty="0"/>
-              <a:t>Arguments</a:t>
-            </a:r>
-          </a:p>
-        </p:txBody>
-      </p:sp>
-      <p:sp>
-        <p:nvSpPr>
-          <p:cNvPr id="3" name="Espace réservé du contenu 2">
-            <a:extLst>
-              <a:ext uri="{FF2B5EF4-FFF2-40B4-BE49-F238E27FC236}">
-                <a16:creationId xmlns:a16="http://schemas.microsoft.com/office/drawing/2014/main" id="{E3E53974-D937-72BD-CFEA-05BB1F17F976}"/>
-              </a:ext>
-            </a:extLst>
-          </p:cNvPr>
-          <p:cNvSpPr>
-            <a:spLocks noGrp="1"/>
-          </p:cNvSpPr>
-          <p:nvPr>
-            <p:ph idx="1"/>
-          </p:nvPr>
-        </p:nvSpPr>
-        <p:spPr/>
-        <p:txBody>
-          <a:bodyPr/>
-          <a:lstStyle/>
-          <a:p>
-            <a:r>
-              <a:rPr lang="fr-FR" dirty="0"/>
-              <a:t>Produits dépendant de la culture</a:t>
-            </a:r>
-          </a:p>
-          <a:p>
-            <a:endParaRPr lang="fr-FR" dirty="0"/>
-          </a:p>
-        </p:txBody>
-      </p:sp>
-    </p:spTree>
-    <p:extLst>
-      <p:ext uri="{BB962C8B-B14F-4D97-AF65-F5344CB8AC3E}">
-        <p14:creationId xmlns:p14="http://schemas.microsoft.com/office/powerpoint/2010/main" val="3192538769"/>
-      </p:ext>
-    </p:extLst>
-  </p:cSld>
-  <p:clrMapOvr>
-    <a:masterClrMapping/>
-  </p:clrMapOvr>
-</p:sld>
-</file>
-
-<file path=ppt/slides/slide8.xml><?xml version="1.0" encoding="utf-8"?>
-<p:sld xmlns:a="http://schemas.openxmlformats.org/drawingml/2006/main" xmlns:r="http://schemas.openxmlformats.org/officeDocument/2006/relationships" xmlns:p="http://schemas.openxmlformats.org/presentationml/2006/main">
-  <p:cSld>
-    <p:spTree>
-      <p:nvGrpSpPr>
-        <p:cNvPr id="1" name=""/>
-        <p:cNvGrpSpPr/>
-        <p:nvPr/>
-      </p:nvGrpSpPr>
-      <p:grpSpPr>
-        <a:xfrm>
-          <a:off x="0" y="0"/>
-          <a:ext cx="0" cy="0"/>
-          <a:chOff x="0" y="0"/>
-          <a:chExt cx="0" cy="0"/>
-        </a:xfrm>
-      </p:grpSpPr>
-      <p:sp>
-        <p:nvSpPr>
-          <p:cNvPr id="2" name="Titre 1">
-            <a:extLst>
-              <a:ext uri="{FF2B5EF4-FFF2-40B4-BE49-F238E27FC236}">
-                <a16:creationId xmlns:a16="http://schemas.microsoft.com/office/drawing/2014/main" id="{906E8B0C-5C7E-5A15-2386-8BEC2D521FA1}"/>
-              </a:ext>
-            </a:extLst>
-          </p:cNvPr>
-          <p:cNvSpPr>
-            <a:spLocks noGrp="1"/>
-          </p:cNvSpPr>
-          <p:nvPr>
-            <p:ph type="title"/>
-          </p:nvPr>
-        </p:nvSpPr>
-        <p:spPr/>
-        <p:txBody>
-          <a:bodyPr/>
-          <a:lstStyle/>
-          <a:p>
-            <a:r>
-              <a:rPr lang="fr-FR" dirty="0"/>
-              <a:t>Transition</a:t>
-            </a:r>
-          </a:p>
-        </p:txBody>
-      </p:sp>
-      <p:sp>
-        <p:nvSpPr>
-          <p:cNvPr id="3" name="Espace réservé du contenu 2">
-            <a:extLst>
-              <a:ext uri="{FF2B5EF4-FFF2-40B4-BE49-F238E27FC236}">
-                <a16:creationId xmlns:a16="http://schemas.microsoft.com/office/drawing/2014/main" id="{CEA83A4A-3018-9E87-5FCC-6FB174757F37}"/>
-              </a:ext>
-            </a:extLst>
-          </p:cNvPr>
-          <p:cNvSpPr>
-            <a:spLocks noGrp="1"/>
-          </p:cNvSpPr>
-          <p:nvPr>
-            <p:ph idx="1"/>
-          </p:nvPr>
-        </p:nvSpPr>
-        <p:spPr/>
-        <p:txBody>
-          <a:bodyPr/>
-          <a:lstStyle/>
-          <a:p>
-            <a:r>
-              <a:rPr lang="fr-FR" dirty="0" err="1"/>
-              <a:t>Recall</a:t>
-            </a:r>
-            <a:r>
-              <a:rPr lang="fr-FR" dirty="0"/>
-              <a:t> of main ad</a:t>
-            </a:r>
-          </a:p>
-        </p:txBody>
-      </p:sp>
-    </p:spTree>
-    <p:extLst>
-      <p:ext uri="{BB962C8B-B14F-4D97-AF65-F5344CB8AC3E}">
-        <p14:creationId xmlns:p14="http://schemas.microsoft.com/office/powerpoint/2010/main" val="687676604"/>
-      </p:ext>
-    </p:extLst>
-  </p:cSld>
-  <p:clrMapOvr>
-    <a:masterClrMapping/>
-  </p:clrMapOvr>
-</p:sld>
-</file>
-
-<file path=ppt/slides/slide9.xml><?xml version="1.0" encoding="utf-8"?>
-<p:sld xmlns:a="http://schemas.openxmlformats.org/drawingml/2006/main" xmlns:r="http://schemas.openxmlformats.org/officeDocument/2006/relationships" xmlns:p="http://schemas.openxmlformats.org/presentationml/2006/main">
-  <p:cSld>
-    <p:spTree>
-      <p:nvGrpSpPr>
-        <p:cNvPr id="1" name=""/>
-        <p:cNvGrpSpPr/>
-        <p:nvPr/>
-      </p:nvGrpSpPr>
-      <p:grpSpPr>
-        <a:xfrm>
-          <a:off x="0" y="0"/>
-          <a:ext cx="0" cy="0"/>
-          <a:chOff x="0" y="0"/>
-          <a:chExt cx="0" cy="0"/>
-        </a:xfrm>
-      </p:grpSpPr>
-      <p:sp>
-        <p:nvSpPr>
-          <p:cNvPr id="2" name="Titre 1">
-            <a:extLst>
-              <a:ext uri="{FF2B5EF4-FFF2-40B4-BE49-F238E27FC236}">
-                <a16:creationId xmlns:a16="http://schemas.microsoft.com/office/drawing/2014/main" id="{3AE29807-5EE9-D086-72BF-25583740A81F}"/>
-              </a:ext>
-            </a:extLst>
-          </p:cNvPr>
-          <p:cNvSpPr>
-            <a:spLocks noGrp="1"/>
-          </p:cNvSpPr>
-          <p:nvPr>
-            <p:ph type="title"/>
-          </p:nvPr>
-        </p:nvSpPr>
-        <p:spPr/>
-        <p:txBody>
-          <a:bodyPr/>
-          <a:lstStyle/>
-          <a:p>
-            <a:r>
-              <a:rPr lang="fr-FR" dirty="0"/>
-              <a:t>Culture clash</a:t>
-            </a:r>
-          </a:p>
-        </p:txBody>
-      </p:sp>
-      <p:sp>
-        <p:nvSpPr>
-          <p:cNvPr id="3" name="Espace réservé du contenu 2">
-            <a:extLst>
-              <a:ext uri="{FF2B5EF4-FFF2-40B4-BE49-F238E27FC236}">
-                <a16:creationId xmlns:a16="http://schemas.microsoft.com/office/drawing/2014/main" id="{F19D04C4-A8EC-B9EB-9047-9DA7E0C0E8A8}"/>
-              </a:ext>
-            </a:extLst>
-          </p:cNvPr>
-          <p:cNvSpPr>
-            <a:spLocks noGrp="1"/>
-          </p:cNvSpPr>
-          <p:nvPr>
-            <p:ph idx="1"/>
-          </p:nvPr>
-        </p:nvSpPr>
-        <p:spPr/>
-        <p:txBody>
-          <a:bodyPr/>
-          <a:lstStyle/>
-          <a:p>
-            <a:r>
-              <a:rPr lang="fr-FR" dirty="0"/>
-              <a:t>Arg 1</a:t>
-            </a:r>
-          </a:p>
-          <a:p>
-            <a:pPr lvl="1"/>
-            <a:r>
-              <a:rPr lang="fr-FR" dirty="0" err="1"/>
-              <a:t>Sub</a:t>
-            </a:r>
-            <a:r>
-              <a:rPr lang="fr-FR" dirty="0"/>
-              <a:t> arg 1</a:t>
-            </a:r>
-          </a:p>
-          <a:p>
-            <a:pPr lvl="1"/>
-            <a:r>
-              <a:rPr lang="fr-FR" dirty="0" err="1"/>
-              <a:t>Sub</a:t>
-            </a:r>
-            <a:r>
-              <a:rPr lang="fr-FR" dirty="0"/>
-              <a:t> arg 2</a:t>
-            </a:r>
-          </a:p>
-          <a:p>
-            <a:r>
-              <a:rPr lang="fr-FR" dirty="0"/>
-              <a:t>Arg 2</a:t>
-            </a:r>
-          </a:p>
-          <a:p>
-            <a:pPr lvl="1"/>
-            <a:r>
-              <a:rPr lang="fr-FR" dirty="0" err="1"/>
-              <a:t>Sub</a:t>
-            </a:r>
-            <a:r>
-              <a:rPr lang="fr-FR" dirty="0"/>
-              <a:t> arg 1</a:t>
-            </a:r>
-          </a:p>
-          <a:p>
-            <a:pPr lvl="1"/>
-            <a:r>
-              <a:rPr lang="fr-FR" dirty="0" err="1"/>
-              <a:t>Sub</a:t>
-            </a:r>
-            <a:r>
-              <a:rPr lang="fr-FR" dirty="0"/>
-              <a:t> arg 2</a:t>
-            </a:r>
-          </a:p>
-          <a:p>
-            <a:r>
-              <a:rPr lang="fr-FR" dirty="0"/>
-              <a:t>Arg 3</a:t>
-            </a:r>
-          </a:p>
-          <a:p>
-            <a:pPr lvl="1"/>
-            <a:r>
-              <a:rPr lang="fr-FR" dirty="0" err="1"/>
-              <a:t>Sub</a:t>
-            </a:r>
-            <a:r>
-              <a:rPr lang="fr-FR" dirty="0"/>
-              <a:t> arg 1</a:t>
-            </a:r>
-          </a:p>
-          <a:p>
-            <a:pPr lvl="1"/>
-            <a:r>
-              <a:rPr lang="fr-FR" dirty="0" err="1"/>
-              <a:t>Sub</a:t>
-            </a:r>
-            <a:r>
-              <a:rPr lang="fr-FR" dirty="0"/>
-              <a:t> arg 2</a:t>
-            </a:r>
-          </a:p>
-        </p:txBody>
-      </p:sp>
-    </p:spTree>
-    <p:extLst>
-      <p:ext uri="{BB962C8B-B14F-4D97-AF65-F5344CB8AC3E}">
-        <p14:creationId xmlns:p14="http://schemas.microsoft.com/office/powerpoint/2010/main" val="713119767"/>
+        <p14:creationId xmlns:p14="http://schemas.microsoft.com/office/powerpoint/2010/main" val="2628198356"/>
       </p:ext>
     </p:extLst>
   </p:cSld>

--- a/slides.pptx
+++ b/slides.pptx
@@ -8,8 +8,10 @@
     <p:sldId id="256" r:id="rId2"/>
     <p:sldId id="257" r:id="rId3"/>
     <p:sldId id="269" r:id="rId4"/>
-    <p:sldId id="261" r:id="rId5"/>
-    <p:sldId id="268" r:id="rId6"/>
+    <p:sldId id="270" r:id="rId5"/>
+    <p:sldId id="271" r:id="rId6"/>
+    <p:sldId id="272" r:id="rId7"/>
+    <p:sldId id="261" r:id="rId8"/>
   </p:sldIdLst>
   <p:sldSz cx="12192000" cy="6858000"/>
   <p:notesSz cx="6858000" cy="9144000"/>
@@ -3480,7 +3482,7 @@
           <a:p>
             <a:r>
               <a:rPr lang="fr-FR" dirty="0"/>
-              <a:t>US: </a:t>
+              <a:t>US (4): </a:t>
             </a:r>
             <a:r>
               <a:rPr lang="fr-FR" dirty="0">
@@ -3507,7 +3509,7 @@
           <a:p>
             <a:r>
               <a:rPr lang="fr-FR" dirty="0"/>
-              <a:t>Singapour: </a:t>
+              <a:t>Singapour (2): </a:t>
             </a:r>
             <a:r>
               <a:rPr lang="fr-FR" dirty="0">
@@ -3606,10 +3608,9 @@
           <a:lstStyle/>
           <a:p>
             <a:r>
-              <a:rPr lang="fr-FR"/>
+              <a:rPr lang="fr-FR" dirty="0"/>
               <a:t>Pubs</a:t>
             </a:r>
-            <a:endParaRPr lang="fr-FR" dirty="0"/>
           </a:p>
         </p:txBody>
       </p:sp>
@@ -3636,7 +3637,7 @@
           <a:p>
             <a:r>
               <a:rPr lang="fr-FR" dirty="0"/>
-              <a:t>France: </a:t>
+              <a:t>France (3): </a:t>
             </a:r>
             <a:r>
               <a:rPr lang="fr-FR" dirty="0">
@@ -3676,7 +3677,7 @@
           <a:p>
             <a:pPr lvl="1"/>
             <a:r>
-              <a:rPr lang="fr-FR"/>
+              <a:rPr lang="fr-FR" dirty="0"/>
               <a:t>TODO</a:t>
             </a:r>
           </a:p>
@@ -3723,7 +3724,7 @@
           <p:cNvPr id="2" name="Titre 1">
             <a:extLst>
               <a:ext uri="{FF2B5EF4-FFF2-40B4-BE49-F238E27FC236}">
-                <a16:creationId xmlns:a16="http://schemas.microsoft.com/office/drawing/2014/main" id="{0BF80959-2A11-13D9-66AC-A51389286477}"/>
+                <a16:creationId xmlns:a16="http://schemas.microsoft.com/office/drawing/2014/main" id="{CC0E7C85-8FBB-74E6-55A1-AEA3C6CCEBBD}"/>
               </a:ext>
             </a:extLst>
           </p:cNvPr>
@@ -3741,7 +3742,7 @@
           <a:p>
             <a:r>
               <a:rPr lang="fr-FR" dirty="0"/>
-              <a:t>Arguments</a:t>
+              <a:t>France - Singapour</a:t>
             </a:r>
           </a:p>
         </p:txBody>
@@ -3751,7 +3752,7 @@
           <p:cNvPr id="3" name="Espace réservé du contenu 2">
             <a:extLst>
               <a:ext uri="{FF2B5EF4-FFF2-40B4-BE49-F238E27FC236}">
-                <a16:creationId xmlns:a16="http://schemas.microsoft.com/office/drawing/2014/main" id="{E3E53974-D937-72BD-CFEA-05BB1F17F976}"/>
+                <a16:creationId xmlns:a16="http://schemas.microsoft.com/office/drawing/2014/main" id="{24B784E7-CB64-C94F-242D-19ECB15EC1F5}"/>
               </a:ext>
             </a:extLst>
           </p:cNvPr>
@@ -3767,29 +3768,14 @@
           <a:bodyPr/>
           <a:lstStyle/>
           <a:p>
-            <a:r>
-              <a:rPr lang="fr-FR" dirty="0"/>
-              <a:t>Produits dépendant de la culture</a:t>
-            </a:r>
-          </a:p>
-          <a:p>
-            <a:r>
-              <a:rPr lang="fr-FR" dirty="0"/>
-              <a:t>Égalité des places / égalité des chances =&gt; impact sur la culture</a:t>
-            </a:r>
-          </a:p>
-          <a:p>
-            <a:endParaRPr lang="fr-FR" dirty="0"/>
-          </a:p>
-          <a:p>
-            <a:endParaRPr lang="fr-FR" dirty="0"/>
+            <a:endParaRPr lang="fr-FR"/>
           </a:p>
         </p:txBody>
       </p:sp>
     </p:spTree>
     <p:extLst>
       <p:ext uri="{BB962C8B-B14F-4D97-AF65-F5344CB8AC3E}">
-        <p14:creationId xmlns:p14="http://schemas.microsoft.com/office/powerpoint/2010/main" val="3192538769"/>
+        <p14:creationId xmlns:p14="http://schemas.microsoft.com/office/powerpoint/2010/main" val="1742494252"/>
       </p:ext>
     </p:extLst>
   </p:cSld>
@@ -3821,7 +3807,7 @@
           <p:cNvPr id="2" name="Titre 1">
             <a:extLst>
               <a:ext uri="{FF2B5EF4-FFF2-40B4-BE49-F238E27FC236}">
-                <a16:creationId xmlns:a16="http://schemas.microsoft.com/office/drawing/2014/main" id="{6710236A-F3E1-EA14-729B-0F5E7974B2C5}"/>
+                <a16:creationId xmlns:a16="http://schemas.microsoft.com/office/drawing/2014/main" id="{144C5F93-918E-280F-0BB2-988DB0FC4364}"/>
               </a:ext>
             </a:extLst>
           </p:cNvPr>
@@ -3839,7 +3825,7 @@
           <a:p>
             <a:r>
               <a:rPr lang="fr-FR" dirty="0"/>
-              <a:t>Conclusion</a:t>
+              <a:t>US - Singapour</a:t>
             </a:r>
           </a:p>
         </p:txBody>
@@ -3849,7 +3835,7 @@
           <p:cNvPr id="3" name="Espace réservé du contenu 2">
             <a:extLst>
               <a:ext uri="{FF2B5EF4-FFF2-40B4-BE49-F238E27FC236}">
-                <a16:creationId xmlns:a16="http://schemas.microsoft.com/office/drawing/2014/main" id="{07EA5922-9EC5-668F-39FE-BC7092D75F2C}"/>
+                <a16:creationId xmlns:a16="http://schemas.microsoft.com/office/drawing/2014/main" id="{D35B7BD2-C30E-081F-185C-F51F7E6AD670}"/>
               </a:ext>
             </a:extLst>
           </p:cNvPr>
@@ -3872,7 +3858,188 @@
     </p:spTree>
     <p:extLst>
       <p:ext uri="{BB962C8B-B14F-4D97-AF65-F5344CB8AC3E}">
-        <p14:creationId xmlns:p14="http://schemas.microsoft.com/office/powerpoint/2010/main" val="2628198356"/>
+        <p14:creationId xmlns:p14="http://schemas.microsoft.com/office/powerpoint/2010/main" val="294238949"/>
+      </p:ext>
+    </p:extLst>
+  </p:cSld>
+  <p:clrMapOvr>
+    <a:masterClrMapping/>
+  </p:clrMapOvr>
+</p:sld>
+</file>
+
+<file path=ppt/slides/slide6.xml><?xml version="1.0" encoding="utf-8"?>
+<p:sld xmlns:a="http://schemas.openxmlformats.org/drawingml/2006/main" xmlns:r="http://schemas.openxmlformats.org/officeDocument/2006/relationships" xmlns:p="http://schemas.openxmlformats.org/presentationml/2006/main">
+  <p:cSld>
+    <p:spTree>
+      <p:nvGrpSpPr>
+        <p:cNvPr id="1" name=""/>
+        <p:cNvGrpSpPr/>
+        <p:nvPr/>
+      </p:nvGrpSpPr>
+      <p:grpSpPr>
+        <a:xfrm>
+          <a:off x="0" y="0"/>
+          <a:ext cx="0" cy="0"/>
+          <a:chOff x="0" y="0"/>
+          <a:chExt cx="0" cy="0"/>
+        </a:xfrm>
+      </p:grpSpPr>
+      <p:sp>
+        <p:nvSpPr>
+          <p:cNvPr id="2" name="Titre 1">
+            <a:extLst>
+              <a:ext uri="{FF2B5EF4-FFF2-40B4-BE49-F238E27FC236}">
+                <a16:creationId xmlns:a16="http://schemas.microsoft.com/office/drawing/2014/main" id="{7FEC6E2D-ED91-AEE4-C338-4460CA2291D3}"/>
+              </a:ext>
+            </a:extLst>
+          </p:cNvPr>
+          <p:cNvSpPr>
+            <a:spLocks noGrp="1"/>
+          </p:cNvSpPr>
+          <p:nvPr>
+            <p:ph type="title"/>
+          </p:nvPr>
+        </p:nvSpPr>
+        <p:spPr/>
+        <p:txBody>
+          <a:bodyPr/>
+          <a:lstStyle/>
+          <a:p>
+            <a:r>
+              <a:rPr lang="fr-FR" dirty="0"/>
+              <a:t>Senna</a:t>
+            </a:r>
+          </a:p>
+        </p:txBody>
+      </p:sp>
+      <p:sp>
+        <p:nvSpPr>
+          <p:cNvPr id="3" name="Espace réservé du contenu 2">
+            <a:extLst>
+              <a:ext uri="{FF2B5EF4-FFF2-40B4-BE49-F238E27FC236}">
+                <a16:creationId xmlns:a16="http://schemas.microsoft.com/office/drawing/2014/main" id="{CAC15384-2CA7-68BC-98CE-8170FF6CEDC2}"/>
+              </a:ext>
+            </a:extLst>
+          </p:cNvPr>
+          <p:cNvSpPr>
+            <a:spLocks noGrp="1"/>
+          </p:cNvSpPr>
+          <p:nvPr>
+            <p:ph idx="1"/>
+          </p:nvPr>
+        </p:nvSpPr>
+        <p:spPr/>
+        <p:txBody>
+          <a:bodyPr/>
+          <a:lstStyle/>
+          <a:p>
+            <a:endParaRPr lang="fr-FR"/>
+          </a:p>
+        </p:txBody>
+      </p:sp>
+    </p:spTree>
+    <p:extLst>
+      <p:ext uri="{BB962C8B-B14F-4D97-AF65-F5344CB8AC3E}">
+        <p14:creationId xmlns:p14="http://schemas.microsoft.com/office/powerpoint/2010/main" val="3730663924"/>
+      </p:ext>
+    </p:extLst>
+  </p:cSld>
+  <p:clrMapOvr>
+    <a:masterClrMapping/>
+  </p:clrMapOvr>
+</p:sld>
+</file>
+
+<file path=ppt/slides/slide7.xml><?xml version="1.0" encoding="utf-8"?>
+<p:sld xmlns:a="http://schemas.openxmlformats.org/drawingml/2006/main" xmlns:r="http://schemas.openxmlformats.org/officeDocument/2006/relationships" xmlns:p="http://schemas.openxmlformats.org/presentationml/2006/main">
+  <p:cSld>
+    <p:spTree>
+      <p:nvGrpSpPr>
+        <p:cNvPr id="1" name=""/>
+        <p:cNvGrpSpPr/>
+        <p:nvPr/>
+      </p:nvGrpSpPr>
+      <p:grpSpPr>
+        <a:xfrm>
+          <a:off x="0" y="0"/>
+          <a:ext cx="0" cy="0"/>
+          <a:chOff x="0" y="0"/>
+          <a:chExt cx="0" cy="0"/>
+        </a:xfrm>
+      </p:grpSpPr>
+      <p:sp>
+        <p:nvSpPr>
+          <p:cNvPr id="2" name="Titre 1">
+            <a:extLst>
+              <a:ext uri="{FF2B5EF4-FFF2-40B4-BE49-F238E27FC236}">
+                <a16:creationId xmlns:a16="http://schemas.microsoft.com/office/drawing/2014/main" id="{0BF80959-2A11-13D9-66AC-A51389286477}"/>
+              </a:ext>
+            </a:extLst>
+          </p:cNvPr>
+          <p:cNvSpPr>
+            <a:spLocks noGrp="1"/>
+          </p:cNvSpPr>
+          <p:nvPr>
+            <p:ph type="title"/>
+          </p:nvPr>
+        </p:nvSpPr>
+        <p:spPr/>
+        <p:txBody>
+          <a:bodyPr/>
+          <a:lstStyle/>
+          <a:p>
+            <a:r>
+              <a:rPr lang="fr-FR" dirty="0"/>
+              <a:t>Arguments</a:t>
+            </a:r>
+          </a:p>
+        </p:txBody>
+      </p:sp>
+      <p:sp>
+        <p:nvSpPr>
+          <p:cNvPr id="3" name="Espace réservé du contenu 2">
+            <a:extLst>
+              <a:ext uri="{FF2B5EF4-FFF2-40B4-BE49-F238E27FC236}">
+                <a16:creationId xmlns:a16="http://schemas.microsoft.com/office/drawing/2014/main" id="{E3E53974-D937-72BD-CFEA-05BB1F17F976}"/>
+              </a:ext>
+            </a:extLst>
+          </p:cNvPr>
+          <p:cNvSpPr>
+            <a:spLocks noGrp="1"/>
+          </p:cNvSpPr>
+          <p:nvPr>
+            <p:ph idx="1"/>
+          </p:nvPr>
+        </p:nvSpPr>
+        <p:spPr/>
+        <p:txBody>
+          <a:bodyPr/>
+          <a:lstStyle/>
+          <a:p>
+            <a:r>
+              <a:rPr lang="fr-FR" dirty="0"/>
+              <a:t>Produits dépendant de la culture</a:t>
+            </a:r>
+          </a:p>
+          <a:p>
+            <a:r>
+              <a:rPr lang="fr-FR" dirty="0"/>
+              <a:t>Égalité des places / égalité des chances =&gt; impact sur la culture</a:t>
+            </a:r>
+          </a:p>
+          <a:p>
+            <a:endParaRPr lang="fr-FR" dirty="0"/>
+          </a:p>
+          <a:p>
+            <a:endParaRPr lang="fr-FR" dirty="0"/>
+          </a:p>
+        </p:txBody>
+      </p:sp>
+    </p:spTree>
+    <p:extLst>
+      <p:ext uri="{BB962C8B-B14F-4D97-AF65-F5344CB8AC3E}">
+        <p14:creationId xmlns:p14="http://schemas.microsoft.com/office/powerpoint/2010/main" val="3192538769"/>
       </p:ext>
     </p:extLst>
   </p:cSld>

--- a/slides.pptx
+++ b/slides.pptx
@@ -12,6 +12,7 @@
     <p:sldId id="271" r:id="rId6"/>
     <p:sldId id="272" r:id="rId7"/>
     <p:sldId id="261" r:id="rId8"/>
+    <p:sldId id="273" r:id="rId9"/>
   </p:sldIdLst>
   <p:sldSz cx="12192000" cy="6858000"/>
   <p:notesSz cx="6858000" cy="9144000"/>
@@ -4040,6 +4041,141 @@
     <p:extLst>
       <p:ext uri="{BB962C8B-B14F-4D97-AF65-F5344CB8AC3E}">
         <p14:creationId xmlns:p14="http://schemas.microsoft.com/office/powerpoint/2010/main" val="3192538769"/>
+      </p:ext>
+    </p:extLst>
+  </p:cSld>
+  <p:clrMapOvr>
+    <a:masterClrMapping/>
+  </p:clrMapOvr>
+</p:sld>
+</file>
+
+<file path=ppt/slides/slide8.xml><?xml version="1.0" encoding="utf-8"?>
+<p:sld xmlns:a="http://schemas.openxmlformats.org/drawingml/2006/main" xmlns:r="http://schemas.openxmlformats.org/officeDocument/2006/relationships" xmlns:p="http://schemas.openxmlformats.org/presentationml/2006/main">
+  <p:cSld>
+    <p:spTree>
+      <p:nvGrpSpPr>
+        <p:cNvPr id="1" name=""/>
+        <p:cNvGrpSpPr/>
+        <p:nvPr/>
+      </p:nvGrpSpPr>
+      <p:grpSpPr>
+        <a:xfrm>
+          <a:off x="0" y="0"/>
+          <a:ext cx="0" cy="0"/>
+          <a:chOff x="0" y="0"/>
+          <a:chExt cx="0" cy="0"/>
+        </a:xfrm>
+      </p:grpSpPr>
+      <p:sp>
+        <p:nvSpPr>
+          <p:cNvPr id="2" name="Titre 1">
+            <a:extLst>
+              <a:ext uri="{FF2B5EF4-FFF2-40B4-BE49-F238E27FC236}">
+                <a16:creationId xmlns:a16="http://schemas.microsoft.com/office/drawing/2014/main" id="{39180A09-17F7-EC01-2CB5-BB8E875F010D}"/>
+              </a:ext>
+            </a:extLst>
+          </p:cNvPr>
+          <p:cNvSpPr>
+            <a:spLocks noGrp="1"/>
+          </p:cNvSpPr>
+          <p:nvPr>
+            <p:ph type="title"/>
+          </p:nvPr>
+        </p:nvSpPr>
+        <p:spPr/>
+        <p:txBody>
+          <a:bodyPr/>
+          <a:lstStyle/>
+          <a:p>
+            <a:r>
+              <a:rPr lang="fr-FR" dirty="0"/>
+              <a:t>Comparaison interculturelle</a:t>
+            </a:r>
+          </a:p>
+        </p:txBody>
+      </p:sp>
+      <p:sp>
+        <p:nvSpPr>
+          <p:cNvPr id="3" name="Espace réservé du contenu 2">
+            <a:extLst>
+              <a:ext uri="{FF2B5EF4-FFF2-40B4-BE49-F238E27FC236}">
+                <a16:creationId xmlns:a16="http://schemas.microsoft.com/office/drawing/2014/main" id="{164757C8-4E60-4BB6-3AE3-5BB9C863F047}"/>
+              </a:ext>
+            </a:extLst>
+          </p:cNvPr>
+          <p:cNvSpPr>
+            <a:spLocks noGrp="1"/>
+          </p:cNvSpPr>
+          <p:nvPr>
+            <p:ph idx="1"/>
+          </p:nvPr>
+        </p:nvSpPr>
+        <p:spPr/>
+        <p:txBody>
+          <a:bodyPr/>
+          <a:lstStyle/>
+          <a:p>
+            <a:r>
+              <a:rPr lang="fr-FR" dirty="0"/>
+              <a:t>Power distance</a:t>
+            </a:r>
+          </a:p>
+          <a:p>
+            <a:r>
+              <a:rPr lang="fr-FR" dirty="0" err="1"/>
+              <a:t>Individualism</a:t>
+            </a:r>
+            <a:endParaRPr lang="fr-FR" dirty="0"/>
+          </a:p>
+          <a:p>
+            <a:r>
+              <a:rPr lang="fr-FR" dirty="0"/>
+              <a:t>Long-</a:t>
+            </a:r>
+            <a:r>
+              <a:rPr lang="fr-FR" dirty="0" err="1"/>
+              <a:t>term</a:t>
+            </a:r>
+            <a:r>
+              <a:rPr lang="fr-FR" dirty="0"/>
+              <a:t> orientation</a:t>
+            </a:r>
+          </a:p>
+          <a:p>
+            <a:r>
+              <a:rPr lang="fr-FR" dirty="0" err="1"/>
+              <a:t>Masculinity</a:t>
+            </a:r>
+            <a:endParaRPr lang="fr-FR" dirty="0"/>
+          </a:p>
+          <a:p>
+            <a:r>
+              <a:rPr lang="fr-FR" dirty="0" err="1"/>
+              <a:t>Uncertainity</a:t>
+            </a:r>
+            <a:r>
+              <a:rPr lang="fr-FR" dirty="0"/>
+              <a:t> </a:t>
+            </a:r>
+            <a:r>
+              <a:rPr lang="fr-FR" dirty="0" err="1"/>
+              <a:t>avoidance</a:t>
+            </a:r>
+            <a:endParaRPr lang="fr-FR" dirty="0"/>
+          </a:p>
+          <a:p>
+            <a:r>
+              <a:rPr lang="fr-FR"/>
+              <a:t>Indulgence</a:t>
+            </a:r>
+          </a:p>
+        </p:txBody>
+      </p:sp>
+    </p:spTree>
+    <p:extLst>
+      <p:ext uri="{BB962C8B-B14F-4D97-AF65-F5344CB8AC3E}">
+        <p14:creationId xmlns:p14="http://schemas.microsoft.com/office/powerpoint/2010/main" val="4192007191"/>
       </p:ext>
     </p:extLst>
   </p:cSld>

--- a/slides.pptx
+++ b/slides.pptx
@@ -4166,7 +4166,7 @@
           </a:p>
           <a:p>
             <a:r>
-              <a:rPr lang="fr-FR"/>
+              <a:rPr lang="fr-FR" dirty="0"/>
               <a:t>Indulgence</a:t>
             </a:r>
           </a:p>

--- a/slides.pptx
+++ b/slides.pptx
@@ -8,11 +8,13 @@
     <p:sldId id="256" r:id="rId2"/>
     <p:sldId id="257" r:id="rId3"/>
     <p:sldId id="269" r:id="rId4"/>
-    <p:sldId id="270" r:id="rId5"/>
-    <p:sldId id="271" r:id="rId6"/>
-    <p:sldId id="272" r:id="rId7"/>
-    <p:sldId id="261" r:id="rId8"/>
+    <p:sldId id="274" r:id="rId5"/>
+    <p:sldId id="272" r:id="rId6"/>
+    <p:sldId id="270" r:id="rId7"/>
+    <p:sldId id="271" r:id="rId8"/>
     <p:sldId id="273" r:id="rId9"/>
+    <p:sldId id="275" r:id="rId10"/>
+    <p:sldId id="261" r:id="rId11"/>
   </p:sldIdLst>
   <p:sldSz cx="12192000" cy="6858000"/>
   <p:notesSz cx="6858000" cy="9144000"/>
@@ -3410,6 +3412,105 @@
 </p:sld>
 </file>
 
+<file path=ppt/slides/slide10.xml><?xml version="1.0" encoding="utf-8"?>
+<p:sld xmlns:a="http://schemas.openxmlformats.org/drawingml/2006/main" xmlns:r="http://schemas.openxmlformats.org/officeDocument/2006/relationships" xmlns:p="http://schemas.openxmlformats.org/presentationml/2006/main">
+  <p:cSld>
+    <p:spTree>
+      <p:nvGrpSpPr>
+        <p:cNvPr id="1" name=""/>
+        <p:cNvGrpSpPr/>
+        <p:nvPr/>
+      </p:nvGrpSpPr>
+      <p:grpSpPr>
+        <a:xfrm>
+          <a:off x="0" y="0"/>
+          <a:ext cx="0" cy="0"/>
+          <a:chOff x="0" y="0"/>
+          <a:chExt cx="0" cy="0"/>
+        </a:xfrm>
+      </p:grpSpPr>
+      <p:sp>
+        <p:nvSpPr>
+          <p:cNvPr id="2" name="Titre 1">
+            <a:extLst>
+              <a:ext uri="{FF2B5EF4-FFF2-40B4-BE49-F238E27FC236}">
+                <a16:creationId xmlns:a16="http://schemas.microsoft.com/office/drawing/2014/main" id="{0BF80959-2A11-13D9-66AC-A51389286477}"/>
+              </a:ext>
+            </a:extLst>
+          </p:cNvPr>
+          <p:cNvSpPr>
+            <a:spLocks noGrp="1"/>
+          </p:cNvSpPr>
+          <p:nvPr>
+            <p:ph type="title"/>
+          </p:nvPr>
+        </p:nvSpPr>
+        <p:spPr/>
+        <p:txBody>
+          <a:bodyPr/>
+          <a:lstStyle/>
+          <a:p>
+            <a:r>
+              <a:rPr lang="fr-FR"/>
+              <a:t>*</a:t>
+            </a:r>
+            <a:endParaRPr lang="fr-FR" dirty="0"/>
+          </a:p>
+        </p:txBody>
+      </p:sp>
+      <p:sp>
+        <p:nvSpPr>
+          <p:cNvPr id="3" name="Espace réservé du contenu 2">
+            <a:extLst>
+              <a:ext uri="{FF2B5EF4-FFF2-40B4-BE49-F238E27FC236}">
+                <a16:creationId xmlns:a16="http://schemas.microsoft.com/office/drawing/2014/main" id="{E3E53974-D937-72BD-CFEA-05BB1F17F976}"/>
+              </a:ext>
+            </a:extLst>
+          </p:cNvPr>
+          <p:cNvSpPr>
+            <a:spLocks noGrp="1"/>
+          </p:cNvSpPr>
+          <p:nvPr>
+            <p:ph idx="1"/>
+          </p:nvPr>
+        </p:nvSpPr>
+        <p:spPr/>
+        <p:txBody>
+          <a:bodyPr/>
+          <a:lstStyle/>
+          <a:p>
+            <a:r>
+              <a:rPr lang="fr-FR" dirty="0"/>
+              <a:t>Produits dépendant de la culture</a:t>
+            </a:r>
+          </a:p>
+          <a:p>
+            <a:r>
+              <a:rPr lang="fr-FR" dirty="0"/>
+              <a:t>Égalité des places / égalité des chances =&gt; impact sur la culture</a:t>
+            </a:r>
+          </a:p>
+          <a:p>
+            <a:endParaRPr lang="fr-FR" dirty="0"/>
+          </a:p>
+          <a:p>
+            <a:endParaRPr lang="fr-FR" dirty="0"/>
+          </a:p>
+        </p:txBody>
+      </p:sp>
+    </p:spTree>
+    <p:extLst>
+      <p:ext uri="{BB962C8B-B14F-4D97-AF65-F5344CB8AC3E}">
+        <p14:creationId xmlns:p14="http://schemas.microsoft.com/office/powerpoint/2010/main" val="3192538769"/>
+      </p:ext>
+    </p:extLst>
+  </p:cSld>
+  <p:clrMapOvr>
+    <a:masterClrMapping/>
+  </p:clrMapOvr>
+</p:sld>
+</file>
+
 <file path=ppt/slides/slide2.xml><?xml version="1.0" encoding="utf-8"?>
 <p:sld xmlns:a="http://schemas.openxmlformats.org/drawingml/2006/main" xmlns:r="http://schemas.openxmlformats.org/officeDocument/2006/relationships" xmlns:p="http://schemas.openxmlformats.org/presentationml/2006/main">
   <p:cSld>
@@ -3450,7 +3551,7 @@
           <a:p>
             <a:r>
               <a:rPr lang="fr-FR" dirty="0"/>
-              <a:t>Pubs</a:t>
+              <a:t>Pubs (Tom)</a:t>
             </a:r>
           </a:p>
         </p:txBody>
@@ -3610,7 +3711,7 @@
           <a:p>
             <a:r>
               <a:rPr lang="fr-FR" dirty="0"/>
-              <a:t>Pubs</a:t>
+              <a:t>Pubs (Timéo)</a:t>
             </a:r>
           </a:p>
         </p:txBody>
@@ -3725,7 +3826,7 @@
           <p:cNvPr id="2" name="Titre 1">
             <a:extLst>
               <a:ext uri="{FF2B5EF4-FFF2-40B4-BE49-F238E27FC236}">
-                <a16:creationId xmlns:a16="http://schemas.microsoft.com/office/drawing/2014/main" id="{CC0E7C85-8FBB-74E6-55A1-AEA3C6CCEBBD}"/>
+                <a16:creationId xmlns:a16="http://schemas.microsoft.com/office/drawing/2014/main" id="{DB799F8F-6FBF-D68D-CDBE-CEE3965EF3C3}"/>
               </a:ext>
             </a:extLst>
           </p:cNvPr>
@@ -3743,7 +3844,7 @@
           <a:p>
             <a:r>
               <a:rPr lang="fr-FR" dirty="0"/>
-              <a:t>France - Singapour</a:t>
+              <a:t>Comparaison (pubs)</a:t>
             </a:r>
           </a:p>
         </p:txBody>
@@ -3753,7 +3854,7 @@
           <p:cNvPr id="3" name="Espace réservé du contenu 2">
             <a:extLst>
               <a:ext uri="{FF2B5EF4-FFF2-40B4-BE49-F238E27FC236}">
-                <a16:creationId xmlns:a16="http://schemas.microsoft.com/office/drawing/2014/main" id="{24B784E7-CB64-C94F-242D-19ECB15EC1F5}"/>
+                <a16:creationId xmlns:a16="http://schemas.microsoft.com/office/drawing/2014/main" id="{F103A5B5-1366-9F90-ADA1-41D92EBBE54A}"/>
               </a:ext>
             </a:extLst>
           </p:cNvPr>
@@ -3776,7 +3877,7 @@
     </p:spTree>
     <p:extLst>
       <p:ext uri="{BB962C8B-B14F-4D97-AF65-F5344CB8AC3E}">
-        <p14:creationId xmlns:p14="http://schemas.microsoft.com/office/powerpoint/2010/main" val="1742494252"/>
+        <p14:creationId xmlns:p14="http://schemas.microsoft.com/office/powerpoint/2010/main" val="3064155293"/>
       </p:ext>
     </p:extLst>
   </p:cSld>
@@ -3808,7 +3909,7 @@
           <p:cNvPr id="2" name="Titre 1">
             <a:extLst>
               <a:ext uri="{FF2B5EF4-FFF2-40B4-BE49-F238E27FC236}">
-                <a16:creationId xmlns:a16="http://schemas.microsoft.com/office/drawing/2014/main" id="{144C5F93-918E-280F-0BB2-988DB0FC4364}"/>
+                <a16:creationId xmlns:a16="http://schemas.microsoft.com/office/drawing/2014/main" id="{7FEC6E2D-ED91-AEE4-C338-4460CA2291D3}"/>
               </a:ext>
             </a:extLst>
           </p:cNvPr>
@@ -3826,7 +3927,7 @@
           <a:p>
             <a:r>
               <a:rPr lang="fr-FR" dirty="0"/>
-              <a:t>US - Singapour</a:t>
+              <a:t>Senna</a:t>
             </a:r>
           </a:p>
         </p:txBody>
@@ -3836,7 +3937,7 @@
           <p:cNvPr id="3" name="Espace réservé du contenu 2">
             <a:extLst>
               <a:ext uri="{FF2B5EF4-FFF2-40B4-BE49-F238E27FC236}">
-                <a16:creationId xmlns:a16="http://schemas.microsoft.com/office/drawing/2014/main" id="{D35B7BD2-C30E-081F-185C-F51F7E6AD670}"/>
+                <a16:creationId xmlns:a16="http://schemas.microsoft.com/office/drawing/2014/main" id="{CAC15384-2CA7-68BC-98CE-8170FF6CEDC2}"/>
               </a:ext>
             </a:extLst>
           </p:cNvPr>
@@ -3852,14 +3953,17 @@
           <a:bodyPr/>
           <a:lstStyle/>
           <a:p>
-            <a:endParaRPr lang="fr-FR"/>
+            <a:r>
+              <a:rPr lang="fr-FR" dirty="0"/>
+              <a:t>Timéo</a:t>
+            </a:r>
           </a:p>
         </p:txBody>
       </p:sp>
     </p:spTree>
     <p:extLst>
       <p:ext uri="{BB962C8B-B14F-4D97-AF65-F5344CB8AC3E}">
-        <p14:creationId xmlns:p14="http://schemas.microsoft.com/office/powerpoint/2010/main" val="294238949"/>
+        <p14:creationId xmlns:p14="http://schemas.microsoft.com/office/powerpoint/2010/main" val="3730663924"/>
       </p:ext>
     </p:extLst>
   </p:cSld>
@@ -3891,7 +3995,7 @@
           <p:cNvPr id="2" name="Titre 1">
             <a:extLst>
               <a:ext uri="{FF2B5EF4-FFF2-40B4-BE49-F238E27FC236}">
-                <a16:creationId xmlns:a16="http://schemas.microsoft.com/office/drawing/2014/main" id="{7FEC6E2D-ED91-AEE4-C338-4460CA2291D3}"/>
+                <a16:creationId xmlns:a16="http://schemas.microsoft.com/office/drawing/2014/main" id="{CC0E7C85-8FBB-74E6-55A1-AEA3C6CCEBBD}"/>
               </a:ext>
             </a:extLst>
           </p:cNvPr>
@@ -3909,7 +4013,7 @@
           <a:p>
             <a:r>
               <a:rPr lang="fr-FR" dirty="0"/>
-              <a:t>Senna</a:t>
+              <a:t>France – {Singapour, US}</a:t>
             </a:r>
           </a:p>
         </p:txBody>
@@ -3919,7 +4023,7 @@
           <p:cNvPr id="3" name="Espace réservé du contenu 2">
             <a:extLst>
               <a:ext uri="{FF2B5EF4-FFF2-40B4-BE49-F238E27FC236}">
-                <a16:creationId xmlns:a16="http://schemas.microsoft.com/office/drawing/2014/main" id="{CAC15384-2CA7-68BC-98CE-8170FF6CEDC2}"/>
+                <a16:creationId xmlns:a16="http://schemas.microsoft.com/office/drawing/2014/main" id="{24B784E7-CB64-C94F-242D-19ECB15EC1F5}"/>
               </a:ext>
             </a:extLst>
           </p:cNvPr>
@@ -3935,14 +4039,39 @@
           <a:bodyPr/>
           <a:lstStyle/>
           <a:p>
-            <a:endParaRPr lang="fr-FR"/>
+            <a:r>
+              <a:rPr lang="fr-FR" dirty="0"/>
+              <a:t>Tom (1</a:t>
+            </a:r>
+            <a:r>
+              <a:rPr lang="fr-FR" baseline="30000" dirty="0"/>
+              <a:t>er</a:t>
+            </a:r>
+            <a:r>
+              <a:rPr lang="fr-FR" dirty="0"/>
+              <a:t>): France – Singapour</a:t>
+            </a:r>
+          </a:p>
+          <a:p>
+            <a:r>
+              <a:rPr lang="fr-FR" dirty="0"/>
+              <a:t>Timéo (2</a:t>
+            </a:r>
+            <a:r>
+              <a:rPr lang="fr-FR" baseline="30000" dirty="0"/>
+              <a:t>e</a:t>
+            </a:r>
+            <a:r>
+              <a:rPr lang="fr-FR" dirty="0"/>
+              <a:t>): France – US</a:t>
+            </a:r>
           </a:p>
         </p:txBody>
       </p:sp>
     </p:spTree>
     <p:extLst>
       <p:ext uri="{BB962C8B-B14F-4D97-AF65-F5344CB8AC3E}">
-        <p14:creationId xmlns:p14="http://schemas.microsoft.com/office/powerpoint/2010/main" val="3730663924"/>
+        <p14:creationId xmlns:p14="http://schemas.microsoft.com/office/powerpoint/2010/main" val="1742494252"/>
       </p:ext>
     </p:extLst>
   </p:cSld>
@@ -3974,7 +4103,7 @@
           <p:cNvPr id="2" name="Titre 1">
             <a:extLst>
               <a:ext uri="{FF2B5EF4-FFF2-40B4-BE49-F238E27FC236}">
-                <a16:creationId xmlns:a16="http://schemas.microsoft.com/office/drawing/2014/main" id="{0BF80959-2A11-13D9-66AC-A51389286477}"/>
+                <a16:creationId xmlns:a16="http://schemas.microsoft.com/office/drawing/2014/main" id="{144C5F93-918E-280F-0BB2-988DB0FC4364}"/>
               </a:ext>
             </a:extLst>
           </p:cNvPr>
@@ -3992,7 +4121,7 @@
           <a:p>
             <a:r>
               <a:rPr lang="fr-FR" dirty="0"/>
-              <a:t>Arguments</a:t>
+              <a:t>US – Singapour </a:t>
             </a:r>
           </a:p>
         </p:txBody>
@@ -4002,7 +4131,7 @@
           <p:cNvPr id="3" name="Espace réservé du contenu 2">
             <a:extLst>
               <a:ext uri="{FF2B5EF4-FFF2-40B4-BE49-F238E27FC236}">
-                <a16:creationId xmlns:a16="http://schemas.microsoft.com/office/drawing/2014/main" id="{E3E53974-D937-72BD-CFEA-05BB1F17F976}"/>
+                <a16:creationId xmlns:a16="http://schemas.microsoft.com/office/drawing/2014/main" id="{D35B7BD2-C30E-081F-185C-F51F7E6AD670}"/>
               </a:ext>
             </a:extLst>
           </p:cNvPr>
@@ -4020,27 +4149,15 @@
           <a:p>
             <a:r>
               <a:rPr lang="fr-FR" dirty="0"/>
-              <a:t>Produits dépendant de la culture</a:t>
-            </a:r>
-          </a:p>
-          <a:p>
-            <a:r>
-              <a:rPr lang="fr-FR" dirty="0"/>
-              <a:t>Égalité des places / égalité des chances =&gt; impact sur la culture</a:t>
-            </a:r>
-          </a:p>
-          <a:p>
-            <a:endParaRPr lang="fr-FR" dirty="0"/>
-          </a:p>
-          <a:p>
-            <a:endParaRPr lang="fr-FR" dirty="0"/>
+              <a:t>Tom</a:t>
+            </a:r>
           </a:p>
         </p:txBody>
       </p:sp>
     </p:spTree>
     <p:extLst>
       <p:ext uri="{BB962C8B-B14F-4D97-AF65-F5344CB8AC3E}">
-        <p14:creationId xmlns:p14="http://schemas.microsoft.com/office/powerpoint/2010/main" val="3192538769"/>
+        <p14:creationId xmlns:p14="http://schemas.microsoft.com/office/powerpoint/2010/main" val="294238949"/>
       </p:ext>
     </p:extLst>
   </p:cSld>
@@ -4176,6 +4293,89 @@
     <p:extLst>
       <p:ext uri="{BB962C8B-B14F-4D97-AF65-F5344CB8AC3E}">
         <p14:creationId xmlns:p14="http://schemas.microsoft.com/office/powerpoint/2010/main" val="4192007191"/>
+      </p:ext>
+    </p:extLst>
+  </p:cSld>
+  <p:clrMapOvr>
+    <a:masterClrMapping/>
+  </p:clrMapOvr>
+</p:sld>
+</file>
+
+<file path=ppt/slides/slide9.xml><?xml version="1.0" encoding="utf-8"?>
+<p:sld xmlns:a="http://schemas.openxmlformats.org/drawingml/2006/main" xmlns:r="http://schemas.openxmlformats.org/officeDocument/2006/relationships" xmlns:p="http://schemas.openxmlformats.org/presentationml/2006/main">
+  <p:cSld>
+    <p:spTree>
+      <p:nvGrpSpPr>
+        <p:cNvPr id="1" name=""/>
+        <p:cNvGrpSpPr/>
+        <p:nvPr/>
+      </p:nvGrpSpPr>
+      <p:grpSpPr>
+        <a:xfrm>
+          <a:off x="0" y="0"/>
+          <a:ext cx="0" cy="0"/>
+          <a:chOff x="0" y="0"/>
+          <a:chExt cx="0" cy="0"/>
+        </a:xfrm>
+      </p:grpSpPr>
+      <p:sp>
+        <p:nvSpPr>
+          <p:cNvPr id="2" name="Titre 1">
+            <a:extLst>
+              <a:ext uri="{FF2B5EF4-FFF2-40B4-BE49-F238E27FC236}">
+                <a16:creationId xmlns:a16="http://schemas.microsoft.com/office/drawing/2014/main" id="{BA730823-2D45-8E11-2375-93830CC83B17}"/>
+              </a:ext>
+            </a:extLst>
+          </p:cNvPr>
+          <p:cNvSpPr>
+            <a:spLocks noGrp="1"/>
+          </p:cNvSpPr>
+          <p:nvPr>
+            <p:ph type="title"/>
+          </p:nvPr>
+        </p:nvSpPr>
+        <p:spPr/>
+        <p:txBody>
+          <a:bodyPr/>
+          <a:lstStyle/>
+          <a:p>
+            <a:r>
+              <a:rPr lang="fr-FR" dirty="0"/>
+              <a:t>Conclusion</a:t>
+            </a:r>
+          </a:p>
+        </p:txBody>
+      </p:sp>
+      <p:sp>
+        <p:nvSpPr>
+          <p:cNvPr id="3" name="Espace réservé du contenu 2">
+            <a:extLst>
+              <a:ext uri="{FF2B5EF4-FFF2-40B4-BE49-F238E27FC236}">
+                <a16:creationId xmlns:a16="http://schemas.microsoft.com/office/drawing/2014/main" id="{FA025220-DDB7-117D-889A-A79580F44B23}"/>
+              </a:ext>
+            </a:extLst>
+          </p:cNvPr>
+          <p:cNvSpPr>
+            <a:spLocks noGrp="1"/>
+          </p:cNvSpPr>
+          <p:nvPr>
+            <p:ph idx="1"/>
+          </p:nvPr>
+        </p:nvSpPr>
+        <p:spPr/>
+        <p:txBody>
+          <a:bodyPr/>
+          <a:lstStyle/>
+          <a:p>
+            <a:endParaRPr lang="fr-FR"/>
+          </a:p>
+        </p:txBody>
+      </p:sp>
+    </p:spTree>
+    <p:extLst>
+      <p:ext uri="{BB962C8B-B14F-4D97-AF65-F5344CB8AC3E}">
+        <p14:creationId xmlns:p14="http://schemas.microsoft.com/office/powerpoint/2010/main" val="2410141948"/>
       </p:ext>
     </p:extLst>
   </p:cSld>

--- a/slides.pptx
+++ b/slides.pptx
@@ -3842,6 +3842,7 @@
           <a:bodyPr/>
           <a:lstStyle/>
           <a:p>
+            <a:pPr algn="ctr"/>
             <a:r>
               <a:rPr lang="fr-FR" dirty="0"/>
               <a:t>Comparaison (pubs)</a:t>
@@ -3870,7 +3871,7 @@
           <a:bodyPr/>
           <a:lstStyle/>
           <a:p>
-            <a:endParaRPr lang="fr-FR"/>
+            <a:endParaRPr lang="fr-FR" dirty="0"/>
           </a:p>
         </p:txBody>
       </p:sp>
@@ -4119,6 +4120,7 @@
           <a:bodyPr/>
           <a:lstStyle/>
           <a:p>
+            <a:pPr algn="ctr"/>
             <a:r>
               <a:rPr lang="fr-FR" dirty="0"/>
               <a:t>US – Singapour </a:t>
@@ -4148,9 +4150,63 @@
           <a:lstStyle/>
           <a:p>
             <a:r>
+              <a:rPr lang="fr-FR" dirty="0" err="1"/>
+              <a:t>Individualism</a:t>
+            </a:r>
+            <a:r>
               <a:rPr lang="fr-FR" dirty="0"/>
-              <a:t>Tom</a:t>
-            </a:r>
+              <a:t> vs </a:t>
+            </a:r>
+            <a:r>
+              <a:rPr lang="fr-FR" dirty="0" err="1"/>
+              <a:t>collectivism</a:t>
+            </a:r>
+            <a:endParaRPr lang="fr-FR" dirty="0"/>
+          </a:p>
+          <a:p>
+            <a:endParaRPr lang="fr-FR" dirty="0"/>
+          </a:p>
+          <a:p>
+            <a:r>
+              <a:rPr lang="fr-FR" dirty="0"/>
+              <a:t>Food perception</a:t>
+            </a:r>
+          </a:p>
+          <a:p>
+            <a:endParaRPr lang="fr-FR" dirty="0"/>
+          </a:p>
+          <a:p>
+            <a:r>
+              <a:rPr lang="fr-FR" dirty="0" err="1"/>
+              <a:t>Overconsumption</a:t>
+            </a:r>
+            <a:endParaRPr lang="fr-FR" dirty="0"/>
+          </a:p>
+          <a:p>
+            <a:endParaRPr lang="fr-FR" dirty="0"/>
+          </a:p>
+          <a:p>
+            <a:r>
+              <a:rPr lang="fr-FR" dirty="0" err="1"/>
+              <a:t>Sell</a:t>
+            </a:r>
+            <a:r>
+              <a:rPr lang="fr-FR" dirty="0"/>
+              <a:t> fast vs building a </a:t>
+            </a:r>
+            <a:r>
+              <a:rPr lang="fr-FR" dirty="0" err="1"/>
+              <a:t>trusting</a:t>
+            </a:r>
+            <a:r>
+              <a:rPr lang="fr-FR" dirty="0"/>
+              <a:t> </a:t>
+            </a:r>
+            <a:r>
+              <a:rPr lang="fr-FR" dirty="0" err="1"/>
+              <a:t>relationship</a:t>
+            </a:r>
+            <a:endParaRPr lang="fr-FR" dirty="0"/>
           </a:p>
         </p:txBody>
       </p:sp>

--- a/slides.pptx
+++ b/slides.pptx
@@ -4,17 +4,16 @@
   <p:sldMasterIdLst>
     <p:sldMasterId id="2147483648" r:id="rId1"/>
   </p:sldMasterIdLst>
+  <p:notesMasterIdLst>
+    <p:notesMasterId r:id="rId8"/>
+  </p:notesMasterIdLst>
   <p:sldIdLst>
     <p:sldId id="256" r:id="rId2"/>
-    <p:sldId id="257" r:id="rId3"/>
-    <p:sldId id="269" r:id="rId4"/>
-    <p:sldId id="274" r:id="rId5"/>
-    <p:sldId id="272" r:id="rId6"/>
-    <p:sldId id="270" r:id="rId7"/>
-    <p:sldId id="271" r:id="rId8"/>
-    <p:sldId id="273" r:id="rId9"/>
-    <p:sldId id="275" r:id="rId10"/>
-    <p:sldId id="261" r:id="rId11"/>
+    <p:sldId id="276" r:id="rId3"/>
+    <p:sldId id="277" r:id="rId4"/>
+    <p:sldId id="271" r:id="rId5"/>
+    <p:sldId id="273" r:id="rId6"/>
+    <p:sldId id="275" r:id="rId7"/>
   </p:sldIdLst>
   <p:sldSz cx="12192000" cy="6858000"/>
   <p:notesSz cx="6858000" cy="9144000"/>
@@ -121,6 +120,439 @@
 </p:presentation>
 </file>
 
+<file path=ppt/notesMasters/notesMaster1.xml><?xml version="1.0" encoding="utf-8"?>
+<p:notesMaster xmlns:a="http://schemas.openxmlformats.org/drawingml/2006/main" xmlns:r="http://schemas.openxmlformats.org/officeDocument/2006/relationships" xmlns:p="http://schemas.openxmlformats.org/presentationml/2006/main">
+  <p:cSld>
+    <p:bg>
+      <p:bgRef idx="1001">
+        <a:schemeClr val="bg1"/>
+      </p:bgRef>
+    </p:bg>
+    <p:spTree>
+      <p:nvGrpSpPr>
+        <p:cNvPr id="1" name=""/>
+        <p:cNvGrpSpPr/>
+        <p:nvPr/>
+      </p:nvGrpSpPr>
+      <p:grpSpPr>
+        <a:xfrm>
+          <a:off x="0" y="0"/>
+          <a:ext cx="0" cy="0"/>
+          <a:chOff x="0" y="0"/>
+          <a:chExt cx="0" cy="0"/>
+        </a:xfrm>
+      </p:grpSpPr>
+      <p:sp>
+        <p:nvSpPr>
+          <p:cNvPr id="2" name="Espace réservé de l'en-tête 1"/>
+          <p:cNvSpPr>
+            <a:spLocks noGrp="1"/>
+          </p:cNvSpPr>
+          <p:nvPr>
+            <p:ph type="hdr" sz="quarter"/>
+          </p:nvPr>
+        </p:nvSpPr>
+        <p:spPr>
+          <a:xfrm>
+            <a:off x="0" y="0"/>
+            <a:ext cx="2971800" cy="458788"/>
+          </a:xfrm>
+          <a:prstGeom prst="rect">
+            <a:avLst/>
+          </a:prstGeom>
+        </p:spPr>
+        <p:txBody>
+          <a:bodyPr vert="horz" lIns="91440" tIns="45720" rIns="91440" bIns="45720" rtlCol="0"/>
+          <a:lstStyle>
+            <a:lvl1pPr algn="l">
+              <a:defRPr sz="1200"/>
+            </a:lvl1pPr>
+          </a:lstStyle>
+          <a:p>
+            <a:endParaRPr lang="fr-FR"/>
+          </a:p>
+        </p:txBody>
+      </p:sp>
+      <p:sp>
+        <p:nvSpPr>
+          <p:cNvPr id="3" name="Espace réservé de la date 2"/>
+          <p:cNvSpPr>
+            <a:spLocks noGrp="1"/>
+          </p:cNvSpPr>
+          <p:nvPr>
+            <p:ph type="dt" idx="1"/>
+          </p:nvPr>
+        </p:nvSpPr>
+        <p:spPr>
+          <a:xfrm>
+            <a:off x="3884613" y="0"/>
+            <a:ext cx="2971800" cy="458788"/>
+          </a:xfrm>
+          <a:prstGeom prst="rect">
+            <a:avLst/>
+          </a:prstGeom>
+        </p:spPr>
+        <p:txBody>
+          <a:bodyPr vert="horz" lIns="91440" tIns="45720" rIns="91440" bIns="45720" rtlCol="0"/>
+          <a:lstStyle>
+            <a:lvl1pPr algn="r">
+              <a:defRPr sz="1200"/>
+            </a:lvl1pPr>
+          </a:lstStyle>
+          <a:p>
+            <a:fld id="{591D859B-4BBC-AE41-A4EC-515FFED3ECA0}" type="datetimeFigureOut">
+              <a:rPr lang="fr-FR" smtClean="0"/>
+              <a:t>10/02/2025</a:t>
+            </a:fld>
+            <a:endParaRPr lang="fr-FR"/>
+          </a:p>
+        </p:txBody>
+      </p:sp>
+      <p:sp>
+        <p:nvSpPr>
+          <p:cNvPr id="4" name="Espace réservé de l'image des diapositives 3"/>
+          <p:cNvSpPr>
+            <a:spLocks noGrp="1" noRot="1" noChangeAspect="1"/>
+          </p:cNvSpPr>
+          <p:nvPr>
+            <p:ph type="sldImg" idx="2"/>
+          </p:nvPr>
+        </p:nvSpPr>
+        <p:spPr>
+          <a:xfrm>
+            <a:off x="685800" y="1143000"/>
+            <a:ext cx="5486400" cy="3086100"/>
+          </a:xfrm>
+          <a:prstGeom prst="rect">
+            <a:avLst/>
+          </a:prstGeom>
+          <a:noFill/>
+          <a:ln w="12700">
+            <a:solidFill>
+              <a:prstClr val="black"/>
+            </a:solidFill>
+          </a:ln>
+        </p:spPr>
+        <p:txBody>
+          <a:bodyPr vert="horz" lIns="91440" tIns="45720" rIns="91440" bIns="45720" rtlCol="0" anchor="ctr"/>
+          <a:lstStyle/>
+          <a:p>
+            <a:endParaRPr lang="fr-FR"/>
+          </a:p>
+        </p:txBody>
+      </p:sp>
+      <p:sp>
+        <p:nvSpPr>
+          <p:cNvPr id="5" name="Espace réservé des notes 4"/>
+          <p:cNvSpPr>
+            <a:spLocks noGrp="1"/>
+          </p:cNvSpPr>
+          <p:nvPr>
+            <p:ph type="body" sz="quarter" idx="3"/>
+          </p:nvPr>
+        </p:nvSpPr>
+        <p:spPr>
+          <a:xfrm>
+            <a:off x="685800" y="4400550"/>
+            <a:ext cx="5486400" cy="3600450"/>
+          </a:xfrm>
+          <a:prstGeom prst="rect">
+            <a:avLst/>
+          </a:prstGeom>
+        </p:spPr>
+        <p:txBody>
+          <a:bodyPr vert="horz" lIns="91440" tIns="45720" rIns="91440" bIns="45720" rtlCol="0"/>
+          <a:lstStyle/>
+          <a:p>
+            <a:pPr lvl="0"/>
+            <a:r>
+              <a:rPr lang="fr-FR"/>
+              <a:t>Cliquez pour modifier les styles du texte du masque</a:t>
+            </a:r>
+          </a:p>
+          <a:p>
+            <a:pPr lvl="1"/>
+            <a:r>
+              <a:rPr lang="fr-FR"/>
+              <a:t>Deuxième niveau</a:t>
+            </a:r>
+          </a:p>
+          <a:p>
+            <a:pPr lvl="2"/>
+            <a:r>
+              <a:rPr lang="fr-FR"/>
+              <a:t>Troisième niveau</a:t>
+            </a:r>
+          </a:p>
+          <a:p>
+            <a:pPr lvl="3"/>
+            <a:r>
+              <a:rPr lang="fr-FR"/>
+              <a:t>Quatrième niveau</a:t>
+            </a:r>
+          </a:p>
+          <a:p>
+            <a:pPr lvl="4"/>
+            <a:r>
+              <a:rPr lang="fr-FR"/>
+              <a:t>Cinquième niveau</a:t>
+            </a:r>
+          </a:p>
+        </p:txBody>
+      </p:sp>
+      <p:sp>
+        <p:nvSpPr>
+          <p:cNvPr id="6" name="Espace réservé du pied de page 5"/>
+          <p:cNvSpPr>
+            <a:spLocks noGrp="1"/>
+          </p:cNvSpPr>
+          <p:nvPr>
+            <p:ph type="ftr" sz="quarter" idx="4"/>
+          </p:nvPr>
+        </p:nvSpPr>
+        <p:spPr>
+          <a:xfrm>
+            <a:off x="0" y="8685213"/>
+            <a:ext cx="2971800" cy="458787"/>
+          </a:xfrm>
+          <a:prstGeom prst="rect">
+            <a:avLst/>
+          </a:prstGeom>
+        </p:spPr>
+        <p:txBody>
+          <a:bodyPr vert="horz" lIns="91440" tIns="45720" rIns="91440" bIns="45720" rtlCol="0" anchor="b"/>
+          <a:lstStyle>
+            <a:lvl1pPr algn="l">
+              <a:defRPr sz="1200"/>
+            </a:lvl1pPr>
+          </a:lstStyle>
+          <a:p>
+            <a:endParaRPr lang="fr-FR"/>
+          </a:p>
+        </p:txBody>
+      </p:sp>
+      <p:sp>
+        <p:nvSpPr>
+          <p:cNvPr id="7" name="Espace réservé du numéro de diapositive 6"/>
+          <p:cNvSpPr>
+            <a:spLocks noGrp="1"/>
+          </p:cNvSpPr>
+          <p:nvPr>
+            <p:ph type="sldNum" sz="quarter" idx="5"/>
+          </p:nvPr>
+        </p:nvSpPr>
+        <p:spPr>
+          <a:xfrm>
+            <a:off x="3884613" y="8685213"/>
+            <a:ext cx="2971800" cy="458787"/>
+          </a:xfrm>
+          <a:prstGeom prst="rect">
+            <a:avLst/>
+          </a:prstGeom>
+        </p:spPr>
+        <p:txBody>
+          <a:bodyPr vert="horz" lIns="91440" tIns="45720" rIns="91440" bIns="45720" rtlCol="0" anchor="b"/>
+          <a:lstStyle>
+            <a:lvl1pPr algn="r">
+              <a:defRPr sz="1200"/>
+            </a:lvl1pPr>
+          </a:lstStyle>
+          <a:p>
+            <a:fld id="{9993E83C-CF0B-B64C-B37E-447BB4319D6F}" type="slidenum">
+              <a:rPr lang="fr-FR" smtClean="0"/>
+              <a:t>‹N°›</a:t>
+            </a:fld>
+            <a:endParaRPr lang="fr-FR"/>
+          </a:p>
+        </p:txBody>
+      </p:sp>
+    </p:spTree>
+    <p:extLst>
+      <p:ext uri="{BB962C8B-B14F-4D97-AF65-F5344CB8AC3E}">
+        <p14:creationId xmlns:p14="http://schemas.microsoft.com/office/powerpoint/2010/main" val="2402547049"/>
+      </p:ext>
+    </p:extLst>
+  </p:cSld>
+  <p:clrMap bg1="lt1" tx1="dk1" bg2="lt2" tx2="dk2" accent1="accent1" accent2="accent2" accent3="accent3" accent4="accent4" accent5="accent5" accent6="accent6" hlink="hlink" folHlink="folHlink"/>
+  <p:notesStyle>
+    <a:lvl1pPr marL="0" algn="l" defTabSz="914400" rtl="0" eaLnBrk="1" latinLnBrk="0" hangingPunct="1">
+      <a:defRPr sz="1200" kern="1200">
+        <a:solidFill>
+          <a:schemeClr val="tx1"/>
+        </a:solidFill>
+        <a:latin typeface="+mn-lt"/>
+        <a:ea typeface="+mn-ea"/>
+        <a:cs typeface="+mn-cs"/>
+      </a:defRPr>
+    </a:lvl1pPr>
+    <a:lvl2pPr marL="457200" algn="l" defTabSz="914400" rtl="0" eaLnBrk="1" latinLnBrk="0" hangingPunct="1">
+      <a:defRPr sz="1200" kern="1200">
+        <a:solidFill>
+          <a:schemeClr val="tx1"/>
+        </a:solidFill>
+        <a:latin typeface="+mn-lt"/>
+        <a:ea typeface="+mn-ea"/>
+        <a:cs typeface="+mn-cs"/>
+      </a:defRPr>
+    </a:lvl2pPr>
+    <a:lvl3pPr marL="914400" algn="l" defTabSz="914400" rtl="0" eaLnBrk="1" latinLnBrk="0" hangingPunct="1">
+      <a:defRPr sz="1200" kern="1200">
+        <a:solidFill>
+          <a:schemeClr val="tx1"/>
+        </a:solidFill>
+        <a:latin typeface="+mn-lt"/>
+        <a:ea typeface="+mn-ea"/>
+        <a:cs typeface="+mn-cs"/>
+      </a:defRPr>
+    </a:lvl3pPr>
+    <a:lvl4pPr marL="1371600" algn="l" defTabSz="914400" rtl="0" eaLnBrk="1" latinLnBrk="0" hangingPunct="1">
+      <a:defRPr sz="1200" kern="1200">
+        <a:solidFill>
+          <a:schemeClr val="tx1"/>
+        </a:solidFill>
+        <a:latin typeface="+mn-lt"/>
+        <a:ea typeface="+mn-ea"/>
+        <a:cs typeface="+mn-cs"/>
+      </a:defRPr>
+    </a:lvl4pPr>
+    <a:lvl5pPr marL="1828800" algn="l" defTabSz="914400" rtl="0" eaLnBrk="1" latinLnBrk="0" hangingPunct="1">
+      <a:defRPr sz="1200" kern="1200">
+        <a:solidFill>
+          <a:schemeClr val="tx1"/>
+        </a:solidFill>
+        <a:latin typeface="+mn-lt"/>
+        <a:ea typeface="+mn-ea"/>
+        <a:cs typeface="+mn-cs"/>
+      </a:defRPr>
+    </a:lvl5pPr>
+    <a:lvl6pPr marL="2286000" algn="l" defTabSz="914400" rtl="0" eaLnBrk="1" latinLnBrk="0" hangingPunct="1">
+      <a:defRPr sz="1200" kern="1200">
+        <a:solidFill>
+          <a:schemeClr val="tx1"/>
+        </a:solidFill>
+        <a:latin typeface="+mn-lt"/>
+        <a:ea typeface="+mn-ea"/>
+        <a:cs typeface="+mn-cs"/>
+      </a:defRPr>
+    </a:lvl6pPr>
+    <a:lvl7pPr marL="2743200" algn="l" defTabSz="914400" rtl="0" eaLnBrk="1" latinLnBrk="0" hangingPunct="1">
+      <a:defRPr sz="1200" kern="1200">
+        <a:solidFill>
+          <a:schemeClr val="tx1"/>
+        </a:solidFill>
+        <a:latin typeface="+mn-lt"/>
+        <a:ea typeface="+mn-ea"/>
+        <a:cs typeface="+mn-cs"/>
+      </a:defRPr>
+    </a:lvl7pPr>
+    <a:lvl8pPr marL="3200400" algn="l" defTabSz="914400" rtl="0" eaLnBrk="1" latinLnBrk="0" hangingPunct="1">
+      <a:defRPr sz="1200" kern="1200">
+        <a:solidFill>
+          <a:schemeClr val="tx1"/>
+        </a:solidFill>
+        <a:latin typeface="+mn-lt"/>
+        <a:ea typeface="+mn-ea"/>
+        <a:cs typeface="+mn-cs"/>
+      </a:defRPr>
+    </a:lvl8pPr>
+    <a:lvl9pPr marL="3657600" algn="l" defTabSz="914400" rtl="0" eaLnBrk="1" latinLnBrk="0" hangingPunct="1">
+      <a:defRPr sz="1200" kern="1200">
+        <a:solidFill>
+          <a:schemeClr val="tx1"/>
+        </a:solidFill>
+        <a:latin typeface="+mn-lt"/>
+        <a:ea typeface="+mn-ea"/>
+        <a:cs typeface="+mn-cs"/>
+      </a:defRPr>
+    </a:lvl9pPr>
+  </p:notesStyle>
+</p:notesMaster>
+</file>
+
+<file path=ppt/notesSlides/notesSlide1.xml><?xml version="1.0" encoding="utf-8"?>
+<p:notes xmlns:a="http://schemas.openxmlformats.org/drawingml/2006/main" xmlns:r="http://schemas.openxmlformats.org/officeDocument/2006/relationships" xmlns:p="http://schemas.openxmlformats.org/presentationml/2006/main">
+  <p:cSld>
+    <p:spTree>
+      <p:nvGrpSpPr>
+        <p:cNvPr id="1" name=""/>
+        <p:cNvGrpSpPr/>
+        <p:nvPr/>
+      </p:nvGrpSpPr>
+      <p:grpSpPr>
+        <a:xfrm>
+          <a:off x="0" y="0"/>
+          <a:ext cx="0" cy="0"/>
+          <a:chOff x="0" y="0"/>
+          <a:chExt cx="0" cy="0"/>
+        </a:xfrm>
+      </p:grpSpPr>
+      <p:sp>
+        <p:nvSpPr>
+          <p:cNvPr id="2" name="Espace réservé de l'image des diapositives 1"/>
+          <p:cNvSpPr>
+            <a:spLocks noGrp="1" noRot="1" noChangeAspect="1"/>
+          </p:cNvSpPr>
+          <p:nvPr>
+            <p:ph type="sldImg"/>
+          </p:nvPr>
+        </p:nvSpPr>
+        <p:spPr/>
+      </p:sp>
+      <p:sp>
+        <p:nvSpPr>
+          <p:cNvPr id="3" name="Espace réservé des notes 2"/>
+          <p:cNvSpPr>
+            <a:spLocks noGrp="1"/>
+          </p:cNvSpPr>
+          <p:nvPr>
+            <p:ph type="body" idx="1"/>
+          </p:nvPr>
+        </p:nvSpPr>
+        <p:spPr/>
+        <p:txBody>
+          <a:bodyPr/>
+          <a:lstStyle/>
+          <a:p>
+            <a:endParaRPr lang="fr-FR" dirty="0"/>
+          </a:p>
+        </p:txBody>
+      </p:sp>
+      <p:sp>
+        <p:nvSpPr>
+          <p:cNvPr id="4" name="Espace réservé du numéro de diapositive 3"/>
+          <p:cNvSpPr>
+            <a:spLocks noGrp="1"/>
+          </p:cNvSpPr>
+          <p:nvPr>
+            <p:ph type="sldNum" sz="quarter" idx="5"/>
+          </p:nvPr>
+        </p:nvSpPr>
+        <p:spPr/>
+        <p:txBody>
+          <a:bodyPr/>
+          <a:lstStyle/>
+          <a:p>
+            <a:fld id="{9993E83C-CF0B-B64C-B37E-447BB4319D6F}" type="slidenum">
+              <a:rPr lang="fr-FR" smtClean="0"/>
+              <a:t>2</a:t>
+            </a:fld>
+            <a:endParaRPr lang="fr-FR"/>
+          </a:p>
+        </p:txBody>
+      </p:sp>
+    </p:spTree>
+    <p:extLst>
+      <p:ext uri="{BB962C8B-B14F-4D97-AF65-F5344CB8AC3E}">
+        <p14:creationId xmlns:p14="http://schemas.microsoft.com/office/powerpoint/2010/main" val="263829188"/>
+      </p:ext>
+    </p:extLst>
+  </p:cSld>
+  <p:clrMapOvr>
+    <a:masterClrMapping/>
+  </p:clrMapOvr>
+</p:notes>
+</file>
+
 <file path=ppt/slideLayouts/slideLayout1.xml><?xml version="1.0" encoding="utf-8"?>
 <p:sldLayout xmlns:a="http://schemas.openxmlformats.org/drawingml/2006/main" xmlns:r="http://schemas.openxmlformats.org/officeDocument/2006/relationships" xmlns:p="http://schemas.openxmlformats.org/presentationml/2006/main" type="title" preserve="1">
   <p:cSld name="Diapositive de titre">
@@ -268,7 +700,7 @@
           <a:p>
             <a:fld id="{02B4917C-6850-D543-9CDA-2935ED37DAAD}" type="datetimeFigureOut">
               <a:rPr lang="fr-FR" smtClean="0"/>
-              <a:t>09/02/2025</a:t>
+              <a:t>10/02/2025</a:t>
             </a:fld>
             <a:endParaRPr lang="fr-FR"/>
           </a:p>
@@ -466,7 +898,7 @@
           <a:p>
             <a:fld id="{02B4917C-6850-D543-9CDA-2935ED37DAAD}" type="datetimeFigureOut">
               <a:rPr lang="fr-FR" smtClean="0"/>
-              <a:t>09/02/2025</a:t>
+              <a:t>10/02/2025</a:t>
             </a:fld>
             <a:endParaRPr lang="fr-FR"/>
           </a:p>
@@ -674,7 +1106,7 @@
           <a:p>
             <a:fld id="{02B4917C-6850-D543-9CDA-2935ED37DAAD}" type="datetimeFigureOut">
               <a:rPr lang="fr-FR" smtClean="0"/>
-              <a:t>09/02/2025</a:t>
+              <a:t>10/02/2025</a:t>
             </a:fld>
             <a:endParaRPr lang="fr-FR"/>
           </a:p>
@@ -872,7 +1304,7 @@
           <a:p>
             <a:fld id="{02B4917C-6850-D543-9CDA-2935ED37DAAD}" type="datetimeFigureOut">
               <a:rPr lang="fr-FR" smtClean="0"/>
-              <a:t>09/02/2025</a:t>
+              <a:t>10/02/2025</a:t>
             </a:fld>
             <a:endParaRPr lang="fr-FR"/>
           </a:p>
@@ -1147,7 +1579,7 @@
           <a:p>
             <a:fld id="{02B4917C-6850-D543-9CDA-2935ED37DAAD}" type="datetimeFigureOut">
               <a:rPr lang="fr-FR" smtClean="0"/>
-              <a:t>09/02/2025</a:t>
+              <a:t>10/02/2025</a:t>
             </a:fld>
             <a:endParaRPr lang="fr-FR"/>
           </a:p>
@@ -1412,7 +1844,7 @@
           <a:p>
             <a:fld id="{02B4917C-6850-D543-9CDA-2935ED37DAAD}" type="datetimeFigureOut">
               <a:rPr lang="fr-FR" smtClean="0"/>
-              <a:t>09/02/2025</a:t>
+              <a:t>10/02/2025</a:t>
             </a:fld>
             <a:endParaRPr lang="fr-FR"/>
           </a:p>
@@ -1824,7 +2256,7 @@
           <a:p>
             <a:fld id="{02B4917C-6850-D543-9CDA-2935ED37DAAD}" type="datetimeFigureOut">
               <a:rPr lang="fr-FR" smtClean="0"/>
-              <a:t>09/02/2025</a:t>
+              <a:t>10/02/2025</a:t>
             </a:fld>
             <a:endParaRPr lang="fr-FR"/>
           </a:p>
@@ -1965,7 +2397,7 @@
           <a:p>
             <a:fld id="{02B4917C-6850-D543-9CDA-2935ED37DAAD}" type="datetimeFigureOut">
               <a:rPr lang="fr-FR" smtClean="0"/>
-              <a:t>09/02/2025</a:t>
+              <a:t>10/02/2025</a:t>
             </a:fld>
             <a:endParaRPr lang="fr-FR"/>
           </a:p>
@@ -2078,7 +2510,7 @@
           <a:p>
             <a:fld id="{02B4917C-6850-D543-9CDA-2935ED37DAAD}" type="datetimeFigureOut">
               <a:rPr lang="fr-FR" smtClean="0"/>
-              <a:t>09/02/2025</a:t>
+              <a:t>10/02/2025</a:t>
             </a:fld>
             <a:endParaRPr lang="fr-FR"/>
           </a:p>
@@ -2389,7 +2821,7 @@
           <a:p>
             <a:fld id="{02B4917C-6850-D543-9CDA-2935ED37DAAD}" type="datetimeFigureOut">
               <a:rPr lang="fr-FR" smtClean="0"/>
-              <a:t>09/02/2025</a:t>
+              <a:t>10/02/2025</a:t>
             </a:fld>
             <a:endParaRPr lang="fr-FR"/>
           </a:p>
@@ -2677,7 +3109,7 @@
           <a:p>
             <a:fld id="{02B4917C-6850-D543-9CDA-2935ED37DAAD}" type="datetimeFigureOut">
               <a:rPr lang="fr-FR" smtClean="0"/>
-              <a:t>09/02/2025</a:t>
+              <a:t>10/02/2025</a:t>
             </a:fld>
             <a:endParaRPr lang="fr-FR"/>
           </a:p>
@@ -2918,7 +3350,7 @@
           <a:p>
             <a:fld id="{02B4917C-6850-D543-9CDA-2935ED37DAAD}" type="datetimeFigureOut">
               <a:rPr lang="fr-FR" smtClean="0"/>
-              <a:t>09/02/2025</a:t>
+              <a:t>10/02/2025</a:t>
             </a:fld>
             <a:endParaRPr lang="fr-FR"/>
           </a:p>
@@ -3412,105 +3844,6 @@
 </p:sld>
 </file>
 
-<file path=ppt/slides/slide10.xml><?xml version="1.0" encoding="utf-8"?>
-<p:sld xmlns:a="http://schemas.openxmlformats.org/drawingml/2006/main" xmlns:r="http://schemas.openxmlformats.org/officeDocument/2006/relationships" xmlns:p="http://schemas.openxmlformats.org/presentationml/2006/main">
-  <p:cSld>
-    <p:spTree>
-      <p:nvGrpSpPr>
-        <p:cNvPr id="1" name=""/>
-        <p:cNvGrpSpPr/>
-        <p:nvPr/>
-      </p:nvGrpSpPr>
-      <p:grpSpPr>
-        <a:xfrm>
-          <a:off x="0" y="0"/>
-          <a:ext cx="0" cy="0"/>
-          <a:chOff x="0" y="0"/>
-          <a:chExt cx="0" cy="0"/>
-        </a:xfrm>
-      </p:grpSpPr>
-      <p:sp>
-        <p:nvSpPr>
-          <p:cNvPr id="2" name="Titre 1">
-            <a:extLst>
-              <a:ext uri="{FF2B5EF4-FFF2-40B4-BE49-F238E27FC236}">
-                <a16:creationId xmlns:a16="http://schemas.microsoft.com/office/drawing/2014/main" id="{0BF80959-2A11-13D9-66AC-A51389286477}"/>
-              </a:ext>
-            </a:extLst>
-          </p:cNvPr>
-          <p:cNvSpPr>
-            <a:spLocks noGrp="1"/>
-          </p:cNvSpPr>
-          <p:nvPr>
-            <p:ph type="title"/>
-          </p:nvPr>
-        </p:nvSpPr>
-        <p:spPr/>
-        <p:txBody>
-          <a:bodyPr/>
-          <a:lstStyle/>
-          <a:p>
-            <a:r>
-              <a:rPr lang="fr-FR"/>
-              <a:t>*</a:t>
-            </a:r>
-            <a:endParaRPr lang="fr-FR" dirty="0"/>
-          </a:p>
-        </p:txBody>
-      </p:sp>
-      <p:sp>
-        <p:nvSpPr>
-          <p:cNvPr id="3" name="Espace réservé du contenu 2">
-            <a:extLst>
-              <a:ext uri="{FF2B5EF4-FFF2-40B4-BE49-F238E27FC236}">
-                <a16:creationId xmlns:a16="http://schemas.microsoft.com/office/drawing/2014/main" id="{E3E53974-D937-72BD-CFEA-05BB1F17F976}"/>
-              </a:ext>
-            </a:extLst>
-          </p:cNvPr>
-          <p:cNvSpPr>
-            <a:spLocks noGrp="1"/>
-          </p:cNvSpPr>
-          <p:nvPr>
-            <p:ph idx="1"/>
-          </p:nvPr>
-        </p:nvSpPr>
-        <p:spPr/>
-        <p:txBody>
-          <a:bodyPr/>
-          <a:lstStyle/>
-          <a:p>
-            <a:r>
-              <a:rPr lang="fr-FR" dirty="0"/>
-              <a:t>Produits dépendant de la culture</a:t>
-            </a:r>
-          </a:p>
-          <a:p>
-            <a:r>
-              <a:rPr lang="fr-FR" dirty="0"/>
-              <a:t>Égalité des places / égalité des chances =&gt; impact sur la culture</a:t>
-            </a:r>
-          </a:p>
-          <a:p>
-            <a:endParaRPr lang="fr-FR" dirty="0"/>
-          </a:p>
-          <a:p>
-            <a:endParaRPr lang="fr-FR" dirty="0"/>
-          </a:p>
-        </p:txBody>
-      </p:sp>
-    </p:spTree>
-    <p:extLst>
-      <p:ext uri="{BB962C8B-B14F-4D97-AF65-F5344CB8AC3E}">
-        <p14:creationId xmlns:p14="http://schemas.microsoft.com/office/powerpoint/2010/main" val="3192538769"/>
-      </p:ext>
-    </p:extLst>
-  </p:cSld>
-  <p:clrMapOvr>
-    <a:masterClrMapping/>
-  </p:clrMapOvr>
-</p:sld>
-</file>
-
 <file path=ppt/slides/slide2.xml><?xml version="1.0" encoding="utf-8"?>
 <p:sld xmlns:a="http://schemas.openxmlformats.org/drawingml/2006/main" xmlns:r="http://schemas.openxmlformats.org/officeDocument/2006/relationships" xmlns:p="http://schemas.openxmlformats.org/presentationml/2006/main">
   <p:cSld>
@@ -3533,7 +3866,7 @@
           <p:cNvPr id="2" name="Titre 1">
             <a:extLst>
               <a:ext uri="{FF2B5EF4-FFF2-40B4-BE49-F238E27FC236}">
-                <a16:creationId xmlns:a16="http://schemas.microsoft.com/office/drawing/2014/main" id="{76C75DD8-94C8-07EE-F736-20EF16313A64}"/>
+                <a16:creationId xmlns:a16="http://schemas.microsoft.com/office/drawing/2014/main" id="{F8580995-DD59-6E02-3340-55C230798E30}"/>
               </a:ext>
             </a:extLst>
           </p:cNvPr>
@@ -3550,118 +3883,91 @@
           <a:lstStyle/>
           <a:p>
             <a:r>
+              <a:rPr lang="fr-FR" dirty="0" err="1"/>
+              <a:t>Ads</a:t>
+            </a:r>
+            <a:endParaRPr lang="fr-FR" dirty="0"/>
+          </a:p>
+        </p:txBody>
+      </p:sp>
+      <p:sp>
+        <p:nvSpPr>
+          <p:cNvPr id="3" name="Espace réservé du contenu 2">
+            <a:extLst>
+              <a:ext uri="{FF2B5EF4-FFF2-40B4-BE49-F238E27FC236}">
+                <a16:creationId xmlns:a16="http://schemas.microsoft.com/office/drawing/2014/main" id="{A9F690AD-CE1F-E696-3209-91E2F92C3FFD}"/>
+              </a:ext>
+            </a:extLst>
+          </p:cNvPr>
+          <p:cNvSpPr>
+            <a:spLocks noGrp="1"/>
+          </p:cNvSpPr>
+          <p:nvPr>
+            <p:ph idx="1"/>
+          </p:nvPr>
+        </p:nvSpPr>
+        <p:spPr/>
+        <p:txBody>
+          <a:bodyPr/>
+          <a:lstStyle/>
+          <a:p>
+            <a:r>
               <a:rPr lang="fr-FR" dirty="0"/>
-              <a:t>Pubs (Tom)</a:t>
-            </a:r>
-          </a:p>
-        </p:txBody>
-      </p:sp>
-      <p:sp>
-        <p:nvSpPr>
-          <p:cNvPr id="3" name="Espace réservé du contenu 2">
-            <a:extLst>
-              <a:ext uri="{FF2B5EF4-FFF2-40B4-BE49-F238E27FC236}">
-                <a16:creationId xmlns:a16="http://schemas.microsoft.com/office/drawing/2014/main" id="{FA7FEAB5-4E10-2CC9-0A3A-4840FD8D70D7}"/>
-              </a:ext>
-            </a:extLst>
-          </p:cNvPr>
-          <p:cNvSpPr>
-            <a:spLocks noGrp="1"/>
-          </p:cNvSpPr>
-          <p:nvPr>
-            <p:ph idx="1"/>
-          </p:nvPr>
-        </p:nvSpPr>
-        <p:spPr>
-          <a:xfrm>
-            <a:off x="838200" y="1825625"/>
-            <a:ext cx="10515600" cy="4894152"/>
-          </a:xfrm>
-        </p:spPr>
-        <p:txBody>
-          <a:bodyPr/>
-          <a:lstStyle/>
-          <a:p>
-            <a:r>
-              <a:rPr lang="fr-FR" dirty="0"/>
-              <a:t>US (4): </a:t>
-            </a:r>
-            <a:r>
-              <a:rPr lang="fr-FR" dirty="0">
-                <a:hlinkClick r:id="rId2"/>
-              </a:rPr>
-              <a:t>https://www.youtube.com/watch?v=6mx0t0ex7y8</a:t>
-            </a:r>
-            <a:endParaRPr lang="fr-FR" dirty="0"/>
-          </a:p>
-          <a:p>
-            <a:pPr lvl="1"/>
-            <a:r>
-              <a:rPr lang="fr-FR" dirty="0"/>
-              <a:t>Pas de visage =&gt; individualisme</a:t>
-            </a:r>
-          </a:p>
-          <a:p>
-            <a:pPr lvl="1"/>
-            <a:r>
-              <a:rPr lang="fr-FR" dirty="0"/>
-              <a:t>Réseaux sociaux =&gt; reconnaissance</a:t>
-            </a:r>
-          </a:p>
-          <a:p>
-            <a:r>
-              <a:rPr lang="fr-FR" dirty="0"/>
-              <a:t>Singapour (2): </a:t>
+              <a:t>Main ad (US): </a:t>
             </a:r>
             <a:r>
               <a:rPr lang="fr-FR" dirty="0">
                 <a:hlinkClick r:id="rId3"/>
               </a:rPr>
+              <a:t>https://www.youtube.com/watch?v=Aq1f2PiSXrU</a:t>
+            </a:r>
+            <a:endParaRPr lang="fr-FR" dirty="0"/>
+          </a:p>
+          <a:p>
+            <a:r>
+              <a:rPr lang="fr-FR" dirty="0"/>
+              <a:t>Ad 1 (SG): </a:t>
+            </a:r>
+            <a:r>
+              <a:rPr lang="fr-FR" dirty="0">
+                <a:hlinkClick r:id="rId4"/>
+              </a:rPr>
               <a:t>https://www.youtube.com/watch?v=taOdaf_nw3U</a:t>
             </a:r>
             <a:endParaRPr lang="fr-FR" dirty="0"/>
           </a:p>
           <a:p>
-            <a:pPr lvl="1"/>
             <a:r>
               <a:rPr lang="fr-FR" dirty="0"/>
-              <a:t>Valeurs de famille, spiritualité (religion: 15% de musulmans)</a:t>
-            </a:r>
-          </a:p>
-          <a:p>
-            <a:pPr lvl="1"/>
+              <a:t>Ad 2 (FR): </a:t>
+            </a:r>
+            <a:r>
+              <a:rPr lang="fr-FR" dirty="0">
+                <a:hlinkClick r:id="rId5"/>
+              </a:rPr>
+              <a:t>https://www.youtube.com/watch?v=q1gfefGeUZI</a:t>
+            </a:r>
+            <a:endParaRPr lang="fr-FR" dirty="0"/>
+          </a:p>
+          <a:p>
             <a:r>
               <a:rPr lang="fr-FR" dirty="0"/>
-              <a:t>Récompense =&gt; ??</a:t>
-            </a:r>
-          </a:p>
-          <a:p>
-            <a:pPr lvl="1"/>
-            <a:r>
-              <a:rPr lang="fr-FR" dirty="0"/>
-              <a:t>Visuel (couleurs chaudes), musique douce =&gt; « collectivisme »</a:t>
-            </a:r>
-          </a:p>
-          <a:p>
-            <a:pPr lvl="1"/>
-            <a:r>
-              <a:rPr lang="fr-FR" dirty="0"/>
-              <a:t>Vêtements locaux =&gt; adaptation à la culture</a:t>
-            </a:r>
-          </a:p>
-          <a:p>
-            <a:pPr lvl="1"/>
-            <a:r>
-              <a:rPr lang="fr-FR" dirty="0"/>
-              <a:t>Marque inclusive =&gt; idée des valeurs forte</a:t>
-            </a:r>
+              <a:t>Ad 3 (US): </a:t>
+            </a:r>
+            <a:r>
+              <a:rPr lang="fr-FR" dirty="0">
+                <a:hlinkClick r:id="rId6"/>
+              </a:rPr>
+              <a:t>https://www.youtube.com/watch?v=6mx0t0ex7y8</a:t>
+            </a:r>
+            <a:endParaRPr lang="fr-FR" dirty="0"/>
           </a:p>
         </p:txBody>
       </p:sp>
     </p:spTree>
     <p:extLst>
       <p:ext uri="{BB962C8B-B14F-4D97-AF65-F5344CB8AC3E}">
-        <p14:creationId xmlns:p14="http://schemas.microsoft.com/office/powerpoint/2010/main" val="1001235938"/>
+        <p14:creationId xmlns:p14="http://schemas.microsoft.com/office/powerpoint/2010/main" val="3862822944"/>
       </p:ext>
     </p:extLst>
   </p:cSld>
@@ -3693,7 +3999,7 @@
           <p:cNvPr id="2" name="Titre 1">
             <a:extLst>
               <a:ext uri="{FF2B5EF4-FFF2-40B4-BE49-F238E27FC236}">
-                <a16:creationId xmlns:a16="http://schemas.microsoft.com/office/drawing/2014/main" id="{76C75DD8-94C8-07EE-F736-20EF16313A64}"/>
+                <a16:creationId xmlns:a16="http://schemas.microsoft.com/office/drawing/2014/main" id="{0E314FE4-1232-9C13-B979-ED136263805B}"/>
               </a:ext>
             </a:extLst>
           </p:cNvPr>
@@ -3709,9 +4015,10 @@
           <a:bodyPr/>
           <a:lstStyle/>
           <a:p>
+            <a:pPr algn="ctr"/>
             <a:r>
               <a:rPr lang="fr-FR" dirty="0"/>
-              <a:t>Pubs (Timéo)</a:t>
+              <a:t>France — Singapore, USA</a:t>
             </a:r>
           </a:p>
         </p:txBody>
@@ -3721,7 +4028,7 @@
           <p:cNvPr id="3" name="Espace réservé du contenu 2">
             <a:extLst>
               <a:ext uri="{FF2B5EF4-FFF2-40B4-BE49-F238E27FC236}">
-                <a16:creationId xmlns:a16="http://schemas.microsoft.com/office/drawing/2014/main" id="{FA7FEAB5-4E10-2CC9-0A3A-4840FD8D70D7}"/>
+                <a16:creationId xmlns:a16="http://schemas.microsoft.com/office/drawing/2014/main" id="{AA4E9A7D-ABD8-942B-601A-483A4F94E628}"/>
               </a:ext>
             </a:extLst>
           </p:cNvPr>
@@ -3739,62 +4046,15 @@
           <a:p>
             <a:r>
               <a:rPr lang="fr-FR" dirty="0"/>
-              <a:t>France (3): </a:t>
-            </a:r>
-            <a:r>
-              <a:rPr lang="fr-FR" dirty="0">
-                <a:hlinkClick r:id="rId2"/>
-              </a:rPr>
-              <a:t>https://www.youtube.com/watch?v=q1gfefGeUZI</a:t>
-            </a:r>
-            <a:endParaRPr lang="fr-FR" dirty="0"/>
-          </a:p>
-          <a:p>
-            <a:pPr lvl="1"/>
-            <a:r>
-              <a:rPr lang="fr-FR" dirty="0"/>
-              <a:t>Égalité des places / égalité des chances (François Dubet)</a:t>
-            </a:r>
-          </a:p>
-          <a:p>
-            <a:pPr lvl="1"/>
-            <a:r>
-              <a:rPr lang="fr-FR" dirty="0"/>
-              <a:t>Lien avec la pub US</a:t>
-            </a:r>
-          </a:p>
-          <a:p>
-            <a:r>
-              <a:rPr lang="fr-FR" dirty="0"/>
-              <a:t>US (main): </a:t>
-            </a:r>
-            <a:r>
-              <a:rPr lang="fr-FR" dirty="0">
-                <a:hlinkClick r:id="rId3"/>
-              </a:rPr>
-              <a:t>https://www.youtube.com/watch?v=Aq1f2PiSXrU</a:t>
-            </a:r>
-            <a:endParaRPr lang="fr-FR" dirty="0"/>
-          </a:p>
-          <a:p>
-            <a:pPr lvl="1"/>
-            <a:r>
-              <a:rPr lang="fr-FR" dirty="0"/>
-              <a:t>TODO</a:t>
-            </a:r>
-          </a:p>
-          <a:p>
-            <a:endParaRPr lang="fr-FR" dirty="0"/>
-          </a:p>
-          <a:p>
-            <a:endParaRPr lang="fr-FR" dirty="0"/>
+              <a:t>François Dubet</a:t>
+            </a:r>
           </a:p>
         </p:txBody>
       </p:sp>
     </p:spTree>
     <p:extLst>
       <p:ext uri="{BB962C8B-B14F-4D97-AF65-F5344CB8AC3E}">
-        <p14:creationId xmlns:p14="http://schemas.microsoft.com/office/powerpoint/2010/main" val="3666044198"/>
+        <p14:creationId xmlns:p14="http://schemas.microsoft.com/office/powerpoint/2010/main" val="3627352996"/>
       </p:ext>
     </p:extLst>
   </p:cSld>
@@ -3826,7 +4086,7 @@
           <p:cNvPr id="2" name="Titre 1">
             <a:extLst>
               <a:ext uri="{FF2B5EF4-FFF2-40B4-BE49-F238E27FC236}">
-                <a16:creationId xmlns:a16="http://schemas.microsoft.com/office/drawing/2014/main" id="{DB799F8F-6FBF-D68D-CDBE-CEE3965EF3C3}"/>
+                <a16:creationId xmlns:a16="http://schemas.microsoft.com/office/drawing/2014/main" id="{144C5F93-918E-280F-0BB2-988DB0FC4364}"/>
               </a:ext>
             </a:extLst>
           </p:cNvPr>
@@ -3845,7 +4105,7 @@
             <a:pPr algn="ctr"/>
             <a:r>
               <a:rPr lang="fr-FR" dirty="0"/>
-              <a:t>Comparaison (pubs)</a:t>
+              <a:t>US – Singapore </a:t>
             </a:r>
           </a:p>
         </p:txBody>
@@ -3855,7 +4115,7 @@
           <p:cNvPr id="3" name="Espace réservé du contenu 2">
             <a:extLst>
               <a:ext uri="{FF2B5EF4-FFF2-40B4-BE49-F238E27FC236}">
-                <a16:creationId xmlns:a16="http://schemas.microsoft.com/office/drawing/2014/main" id="{F103A5B5-1366-9F90-ADA1-41D92EBBE54A}"/>
+                <a16:creationId xmlns:a16="http://schemas.microsoft.com/office/drawing/2014/main" id="{D35B7BD2-C30E-081F-185C-F51F7E6AD670}"/>
               </a:ext>
             </a:extLst>
           </p:cNvPr>
@@ -3871,6 +4131,43 @@
           <a:bodyPr/>
           <a:lstStyle/>
           <a:p>
+            <a:r>
+              <a:rPr lang="fr-FR" dirty="0" err="1"/>
+              <a:t>Individualism</a:t>
+            </a:r>
+            <a:endParaRPr lang="fr-FR" dirty="0"/>
+          </a:p>
+          <a:p>
+            <a:endParaRPr lang="fr-FR" dirty="0"/>
+          </a:p>
+          <a:p>
+            <a:r>
+              <a:rPr lang="fr-FR" dirty="0"/>
+              <a:t>Food perception</a:t>
+            </a:r>
+          </a:p>
+          <a:p>
+            <a:endParaRPr lang="fr-FR" dirty="0"/>
+          </a:p>
+          <a:p>
+            <a:r>
+              <a:rPr lang="fr-FR" dirty="0" err="1"/>
+              <a:t>Overconsumption</a:t>
+            </a:r>
+            <a:endParaRPr lang="fr-FR" dirty="0"/>
+          </a:p>
+          <a:p>
+            <a:endParaRPr lang="fr-FR" dirty="0"/>
+          </a:p>
+          <a:p>
+            <a:r>
+              <a:rPr lang="fr-FR" dirty="0"/>
+              <a:t>Profit vs </a:t>
+            </a:r>
+            <a:r>
+              <a:rPr lang="fr-FR" dirty="0" err="1"/>
+              <a:t>relationship</a:t>
+            </a:r>
             <a:endParaRPr lang="fr-FR" dirty="0"/>
           </a:p>
         </p:txBody>
@@ -3878,7 +4175,7 @@
     </p:spTree>
     <p:extLst>
       <p:ext uri="{BB962C8B-B14F-4D97-AF65-F5344CB8AC3E}">
-        <p14:creationId xmlns:p14="http://schemas.microsoft.com/office/powerpoint/2010/main" val="3064155293"/>
+        <p14:creationId xmlns:p14="http://schemas.microsoft.com/office/powerpoint/2010/main" val="294238949"/>
       </p:ext>
     </p:extLst>
   </p:cSld>
@@ -3910,7 +4207,7 @@
           <p:cNvPr id="2" name="Titre 1">
             <a:extLst>
               <a:ext uri="{FF2B5EF4-FFF2-40B4-BE49-F238E27FC236}">
-                <a16:creationId xmlns:a16="http://schemas.microsoft.com/office/drawing/2014/main" id="{7FEC6E2D-ED91-AEE4-C338-4460CA2291D3}"/>
+                <a16:creationId xmlns:a16="http://schemas.microsoft.com/office/drawing/2014/main" id="{39180A09-17F7-EC01-2CB5-BB8E875F010D}"/>
               </a:ext>
             </a:extLst>
           </p:cNvPr>
@@ -3926,344 +4223,14 @@
           <a:bodyPr/>
           <a:lstStyle/>
           <a:p>
+            <a:pPr algn="ctr"/>
+            <a:r>
+              <a:rPr lang="fr-FR" dirty="0" err="1"/>
+              <a:t>Intercultural</a:t>
+            </a:r>
             <a:r>
               <a:rPr lang="fr-FR" dirty="0"/>
-              <a:t>Senna</a:t>
-            </a:r>
-          </a:p>
-        </p:txBody>
-      </p:sp>
-      <p:sp>
-        <p:nvSpPr>
-          <p:cNvPr id="3" name="Espace réservé du contenu 2">
-            <a:extLst>
-              <a:ext uri="{FF2B5EF4-FFF2-40B4-BE49-F238E27FC236}">
-                <a16:creationId xmlns:a16="http://schemas.microsoft.com/office/drawing/2014/main" id="{CAC15384-2CA7-68BC-98CE-8170FF6CEDC2}"/>
-              </a:ext>
-            </a:extLst>
-          </p:cNvPr>
-          <p:cNvSpPr>
-            <a:spLocks noGrp="1"/>
-          </p:cNvSpPr>
-          <p:nvPr>
-            <p:ph idx="1"/>
-          </p:nvPr>
-        </p:nvSpPr>
-        <p:spPr/>
-        <p:txBody>
-          <a:bodyPr/>
-          <a:lstStyle/>
-          <a:p>
-            <a:r>
-              <a:rPr lang="fr-FR" dirty="0"/>
-              <a:t>Timéo</a:t>
-            </a:r>
-          </a:p>
-        </p:txBody>
-      </p:sp>
-    </p:spTree>
-    <p:extLst>
-      <p:ext uri="{BB962C8B-B14F-4D97-AF65-F5344CB8AC3E}">
-        <p14:creationId xmlns:p14="http://schemas.microsoft.com/office/powerpoint/2010/main" val="3730663924"/>
-      </p:ext>
-    </p:extLst>
-  </p:cSld>
-  <p:clrMapOvr>
-    <a:masterClrMapping/>
-  </p:clrMapOvr>
-</p:sld>
-</file>
-
-<file path=ppt/slides/slide6.xml><?xml version="1.0" encoding="utf-8"?>
-<p:sld xmlns:a="http://schemas.openxmlformats.org/drawingml/2006/main" xmlns:r="http://schemas.openxmlformats.org/officeDocument/2006/relationships" xmlns:p="http://schemas.openxmlformats.org/presentationml/2006/main">
-  <p:cSld>
-    <p:spTree>
-      <p:nvGrpSpPr>
-        <p:cNvPr id="1" name=""/>
-        <p:cNvGrpSpPr/>
-        <p:nvPr/>
-      </p:nvGrpSpPr>
-      <p:grpSpPr>
-        <a:xfrm>
-          <a:off x="0" y="0"/>
-          <a:ext cx="0" cy="0"/>
-          <a:chOff x="0" y="0"/>
-          <a:chExt cx="0" cy="0"/>
-        </a:xfrm>
-      </p:grpSpPr>
-      <p:sp>
-        <p:nvSpPr>
-          <p:cNvPr id="2" name="Titre 1">
-            <a:extLst>
-              <a:ext uri="{FF2B5EF4-FFF2-40B4-BE49-F238E27FC236}">
-                <a16:creationId xmlns:a16="http://schemas.microsoft.com/office/drawing/2014/main" id="{CC0E7C85-8FBB-74E6-55A1-AEA3C6CCEBBD}"/>
-              </a:ext>
-            </a:extLst>
-          </p:cNvPr>
-          <p:cNvSpPr>
-            <a:spLocks noGrp="1"/>
-          </p:cNvSpPr>
-          <p:nvPr>
-            <p:ph type="title"/>
-          </p:nvPr>
-        </p:nvSpPr>
-        <p:spPr/>
-        <p:txBody>
-          <a:bodyPr/>
-          <a:lstStyle/>
-          <a:p>
-            <a:r>
-              <a:rPr lang="fr-FR" dirty="0"/>
-              <a:t>France – {Singapour, US}</a:t>
-            </a:r>
-          </a:p>
-        </p:txBody>
-      </p:sp>
-      <p:sp>
-        <p:nvSpPr>
-          <p:cNvPr id="3" name="Espace réservé du contenu 2">
-            <a:extLst>
-              <a:ext uri="{FF2B5EF4-FFF2-40B4-BE49-F238E27FC236}">
-                <a16:creationId xmlns:a16="http://schemas.microsoft.com/office/drawing/2014/main" id="{24B784E7-CB64-C94F-242D-19ECB15EC1F5}"/>
-              </a:ext>
-            </a:extLst>
-          </p:cNvPr>
-          <p:cNvSpPr>
-            <a:spLocks noGrp="1"/>
-          </p:cNvSpPr>
-          <p:nvPr>
-            <p:ph idx="1"/>
-          </p:nvPr>
-        </p:nvSpPr>
-        <p:spPr/>
-        <p:txBody>
-          <a:bodyPr/>
-          <a:lstStyle/>
-          <a:p>
-            <a:r>
-              <a:rPr lang="fr-FR" dirty="0"/>
-              <a:t>Tom (1</a:t>
-            </a:r>
-            <a:r>
-              <a:rPr lang="fr-FR" baseline="30000" dirty="0"/>
-              <a:t>er</a:t>
-            </a:r>
-            <a:r>
-              <a:rPr lang="fr-FR" dirty="0"/>
-              <a:t>): France – Singapour</a:t>
-            </a:r>
-          </a:p>
-          <a:p>
-            <a:r>
-              <a:rPr lang="fr-FR" dirty="0"/>
-              <a:t>Timéo (2</a:t>
-            </a:r>
-            <a:r>
-              <a:rPr lang="fr-FR" baseline="30000" dirty="0"/>
-              <a:t>e</a:t>
-            </a:r>
-            <a:r>
-              <a:rPr lang="fr-FR" dirty="0"/>
-              <a:t>): France – US</a:t>
-            </a:r>
-          </a:p>
-        </p:txBody>
-      </p:sp>
-    </p:spTree>
-    <p:extLst>
-      <p:ext uri="{BB962C8B-B14F-4D97-AF65-F5344CB8AC3E}">
-        <p14:creationId xmlns:p14="http://schemas.microsoft.com/office/powerpoint/2010/main" val="1742494252"/>
-      </p:ext>
-    </p:extLst>
-  </p:cSld>
-  <p:clrMapOvr>
-    <a:masterClrMapping/>
-  </p:clrMapOvr>
-</p:sld>
-</file>
-
-<file path=ppt/slides/slide7.xml><?xml version="1.0" encoding="utf-8"?>
-<p:sld xmlns:a="http://schemas.openxmlformats.org/drawingml/2006/main" xmlns:r="http://schemas.openxmlformats.org/officeDocument/2006/relationships" xmlns:p="http://schemas.openxmlformats.org/presentationml/2006/main">
-  <p:cSld>
-    <p:spTree>
-      <p:nvGrpSpPr>
-        <p:cNvPr id="1" name=""/>
-        <p:cNvGrpSpPr/>
-        <p:nvPr/>
-      </p:nvGrpSpPr>
-      <p:grpSpPr>
-        <a:xfrm>
-          <a:off x="0" y="0"/>
-          <a:ext cx="0" cy="0"/>
-          <a:chOff x="0" y="0"/>
-          <a:chExt cx="0" cy="0"/>
-        </a:xfrm>
-      </p:grpSpPr>
-      <p:sp>
-        <p:nvSpPr>
-          <p:cNvPr id="2" name="Titre 1">
-            <a:extLst>
-              <a:ext uri="{FF2B5EF4-FFF2-40B4-BE49-F238E27FC236}">
-                <a16:creationId xmlns:a16="http://schemas.microsoft.com/office/drawing/2014/main" id="{144C5F93-918E-280F-0BB2-988DB0FC4364}"/>
-              </a:ext>
-            </a:extLst>
-          </p:cNvPr>
-          <p:cNvSpPr>
-            <a:spLocks noGrp="1"/>
-          </p:cNvSpPr>
-          <p:nvPr>
-            <p:ph type="title"/>
-          </p:nvPr>
-        </p:nvSpPr>
-        <p:spPr/>
-        <p:txBody>
-          <a:bodyPr/>
-          <a:lstStyle/>
-          <a:p>
-            <a:pPr algn="ctr"/>
-            <a:r>
-              <a:rPr lang="fr-FR" dirty="0"/>
-              <a:t>US – Singapour </a:t>
-            </a:r>
-          </a:p>
-        </p:txBody>
-      </p:sp>
-      <p:sp>
-        <p:nvSpPr>
-          <p:cNvPr id="3" name="Espace réservé du contenu 2">
-            <a:extLst>
-              <a:ext uri="{FF2B5EF4-FFF2-40B4-BE49-F238E27FC236}">
-                <a16:creationId xmlns:a16="http://schemas.microsoft.com/office/drawing/2014/main" id="{D35B7BD2-C30E-081F-185C-F51F7E6AD670}"/>
-              </a:ext>
-            </a:extLst>
-          </p:cNvPr>
-          <p:cNvSpPr>
-            <a:spLocks noGrp="1"/>
-          </p:cNvSpPr>
-          <p:nvPr>
-            <p:ph idx="1"/>
-          </p:nvPr>
-        </p:nvSpPr>
-        <p:spPr/>
-        <p:txBody>
-          <a:bodyPr/>
-          <a:lstStyle/>
-          <a:p>
-            <a:r>
-              <a:rPr lang="fr-FR" dirty="0" err="1"/>
-              <a:t>Individualism</a:t>
-            </a:r>
-            <a:r>
-              <a:rPr lang="fr-FR" dirty="0"/>
-              <a:t> vs </a:t>
-            </a:r>
-            <a:r>
-              <a:rPr lang="fr-FR" dirty="0" err="1"/>
-              <a:t>collectivism</a:t>
-            </a:r>
-            <a:endParaRPr lang="fr-FR" dirty="0"/>
-          </a:p>
-          <a:p>
-            <a:endParaRPr lang="fr-FR" dirty="0"/>
-          </a:p>
-          <a:p>
-            <a:r>
-              <a:rPr lang="fr-FR" dirty="0"/>
-              <a:t>Food perception</a:t>
-            </a:r>
-          </a:p>
-          <a:p>
-            <a:endParaRPr lang="fr-FR" dirty="0"/>
-          </a:p>
-          <a:p>
-            <a:r>
-              <a:rPr lang="fr-FR" dirty="0" err="1"/>
-              <a:t>Overconsumption</a:t>
-            </a:r>
-            <a:endParaRPr lang="fr-FR" dirty="0"/>
-          </a:p>
-          <a:p>
-            <a:endParaRPr lang="fr-FR" dirty="0"/>
-          </a:p>
-          <a:p>
-            <a:r>
-              <a:rPr lang="fr-FR" dirty="0" err="1"/>
-              <a:t>Sell</a:t>
-            </a:r>
-            <a:r>
-              <a:rPr lang="fr-FR" dirty="0"/>
-              <a:t> fast vs building a </a:t>
-            </a:r>
-            <a:r>
-              <a:rPr lang="fr-FR" dirty="0" err="1"/>
-              <a:t>trusting</a:t>
-            </a:r>
-            <a:r>
-              <a:rPr lang="fr-FR" dirty="0"/>
-              <a:t> </a:t>
-            </a:r>
-            <a:r>
-              <a:rPr lang="fr-FR" dirty="0" err="1"/>
-              <a:t>relationship</a:t>
-            </a:r>
-            <a:endParaRPr lang="fr-FR" dirty="0"/>
-          </a:p>
-        </p:txBody>
-      </p:sp>
-    </p:spTree>
-    <p:extLst>
-      <p:ext uri="{BB962C8B-B14F-4D97-AF65-F5344CB8AC3E}">
-        <p14:creationId xmlns:p14="http://schemas.microsoft.com/office/powerpoint/2010/main" val="294238949"/>
-      </p:ext>
-    </p:extLst>
-  </p:cSld>
-  <p:clrMapOvr>
-    <a:masterClrMapping/>
-  </p:clrMapOvr>
-</p:sld>
-</file>
-
-<file path=ppt/slides/slide8.xml><?xml version="1.0" encoding="utf-8"?>
-<p:sld xmlns:a="http://schemas.openxmlformats.org/drawingml/2006/main" xmlns:r="http://schemas.openxmlformats.org/officeDocument/2006/relationships" xmlns:p="http://schemas.openxmlformats.org/presentationml/2006/main">
-  <p:cSld>
-    <p:spTree>
-      <p:nvGrpSpPr>
-        <p:cNvPr id="1" name=""/>
-        <p:cNvGrpSpPr/>
-        <p:nvPr/>
-      </p:nvGrpSpPr>
-      <p:grpSpPr>
-        <a:xfrm>
-          <a:off x="0" y="0"/>
-          <a:ext cx="0" cy="0"/>
-          <a:chOff x="0" y="0"/>
-          <a:chExt cx="0" cy="0"/>
-        </a:xfrm>
-      </p:grpSpPr>
-      <p:sp>
-        <p:nvSpPr>
-          <p:cNvPr id="2" name="Titre 1">
-            <a:extLst>
-              <a:ext uri="{FF2B5EF4-FFF2-40B4-BE49-F238E27FC236}">
-                <a16:creationId xmlns:a16="http://schemas.microsoft.com/office/drawing/2014/main" id="{39180A09-17F7-EC01-2CB5-BB8E875F010D}"/>
-              </a:ext>
-            </a:extLst>
-          </p:cNvPr>
-          <p:cNvSpPr>
-            <a:spLocks noGrp="1"/>
-          </p:cNvSpPr>
-          <p:nvPr>
-            <p:ph type="title"/>
-          </p:nvPr>
-        </p:nvSpPr>
-        <p:spPr/>
-        <p:txBody>
-          <a:bodyPr/>
-          <a:lstStyle/>
-          <a:p>
-            <a:r>
-              <a:rPr lang="fr-FR" dirty="0"/>
-              <a:t>Comparaison interculturelle</a:t>
+              <a:t> comparaison</a:t>
             </a:r>
           </a:p>
         </p:txBody>
@@ -4358,7 +4325,7 @@
 </p:sld>
 </file>
 
-<file path=ppt/slides/slide9.xml><?xml version="1.0" encoding="utf-8"?>
+<file path=ppt/slides/slide6.xml><?xml version="1.0" encoding="utf-8"?>
 <p:sld xmlns:a="http://schemas.openxmlformats.org/drawingml/2006/main" xmlns:r="http://schemas.openxmlformats.org/officeDocument/2006/relationships" xmlns:p="http://schemas.openxmlformats.org/presentationml/2006/main">
   <p:cSld>
     <p:spTree>
@@ -4754,4 +4721,319 @@
     </a:ext>
   </a:extLst>
 </a:theme>
+</file>
+
+<file path=ppt/theme/theme2.xml><?xml version="1.0" encoding="utf-8"?>
+<a:theme xmlns:a="http://schemas.openxmlformats.org/drawingml/2006/main" name="Thème Office">
+  <a:themeElements>
+    <a:clrScheme name="Office">
+      <a:dk1>
+        <a:sysClr val="windowText" lastClr="000000"/>
+      </a:dk1>
+      <a:lt1>
+        <a:sysClr val="window" lastClr="FFFFFF"/>
+      </a:lt1>
+      <a:dk2>
+        <a:srgbClr val="0E2841"/>
+      </a:dk2>
+      <a:lt2>
+        <a:srgbClr val="E8E8E8"/>
+      </a:lt2>
+      <a:accent1>
+        <a:srgbClr val="156082"/>
+      </a:accent1>
+      <a:accent2>
+        <a:srgbClr val="E97132"/>
+      </a:accent2>
+      <a:accent3>
+        <a:srgbClr val="196B24"/>
+      </a:accent3>
+      <a:accent4>
+        <a:srgbClr val="0F9ED5"/>
+      </a:accent4>
+      <a:accent5>
+        <a:srgbClr val="A02B93"/>
+      </a:accent5>
+      <a:accent6>
+        <a:srgbClr val="4EA72E"/>
+      </a:accent6>
+      <a:hlink>
+        <a:srgbClr val="467886"/>
+      </a:hlink>
+      <a:folHlink>
+        <a:srgbClr val="96607D"/>
+      </a:folHlink>
+    </a:clrScheme>
+    <a:fontScheme name="Office">
+      <a:majorFont>
+        <a:latin typeface="Aptos Display" panose="02110004020202020204"/>
+        <a:ea typeface=""/>
+        <a:cs typeface=""/>
+        <a:font script="Jpan" typeface="游ゴシック Light"/>
+        <a:font script="Hang" typeface="맑은 고딕"/>
+        <a:font script="Hans" typeface="等线 Light"/>
+        <a:font script="Hant" typeface="新細明體"/>
+        <a:font script="Arab" typeface="Times New Roman"/>
+        <a:font script="Hebr" typeface="Times New Roman"/>
+        <a:font script="Thai" typeface="Angsana New"/>
+        <a:font script="Ethi" typeface="Nyala"/>
+        <a:font script="Beng" typeface="Vrinda"/>
+        <a:font script="Gujr" typeface="Shruti"/>
+        <a:font script="Khmr" typeface="MoolBoran"/>
+        <a:font script="Knda" typeface="Tunga"/>
+        <a:font script="Guru" typeface="Raavi"/>
+        <a:font script="Cans" typeface="Euphemia"/>
+        <a:font script="Cher" typeface="Plantagenet Cherokee"/>
+        <a:font script="Yiii" typeface="Microsoft Yi Baiti"/>
+        <a:font script="Tibt" typeface="Microsoft Himalaya"/>
+        <a:font script="Thaa" typeface="MV Boli"/>
+        <a:font script="Deva" typeface="Mangal"/>
+        <a:font script="Telu" typeface="Gautami"/>
+        <a:font script="Taml" typeface="Latha"/>
+        <a:font script="Syrc" typeface="Estrangelo Edessa"/>
+        <a:font script="Orya" typeface="Kalinga"/>
+        <a:font script="Mlym" typeface="Kartika"/>
+        <a:font script="Laoo" typeface="DokChampa"/>
+        <a:font script="Sinh" typeface="Iskoola Pota"/>
+        <a:font script="Mong" typeface="Mongolian Baiti"/>
+        <a:font script="Viet" typeface="Times New Roman"/>
+        <a:font script="Uigh" typeface="Microsoft Uighur"/>
+        <a:font script="Geor" typeface="Sylfaen"/>
+        <a:font script="Armn" typeface="Arial"/>
+        <a:font script="Bugi" typeface="Leelawadee UI"/>
+        <a:font script="Bopo" typeface="Microsoft JhengHei"/>
+        <a:font script="Java" typeface="Javanese Text"/>
+        <a:font script="Lisu" typeface="Segoe UI"/>
+        <a:font script="Mymr" typeface="Myanmar Text"/>
+        <a:font script="Nkoo" typeface="Ebrima"/>
+        <a:font script="Olck" typeface="Nirmala UI"/>
+        <a:font script="Osma" typeface="Ebrima"/>
+        <a:font script="Phag" typeface="Phagspa"/>
+        <a:font script="Syrn" typeface="Estrangelo Edessa"/>
+        <a:font script="Syrj" typeface="Estrangelo Edessa"/>
+        <a:font script="Syre" typeface="Estrangelo Edessa"/>
+        <a:font script="Sora" typeface="Nirmala UI"/>
+        <a:font script="Tale" typeface="Microsoft Tai Le"/>
+        <a:font script="Talu" typeface="Microsoft New Tai Lue"/>
+        <a:font script="Tfng" typeface="Ebrima"/>
+      </a:majorFont>
+      <a:minorFont>
+        <a:latin typeface="Aptos" panose="02110004020202020204"/>
+        <a:ea typeface=""/>
+        <a:cs typeface=""/>
+        <a:font script="Jpan" typeface="游ゴシック"/>
+        <a:font script="Hang" typeface="맑은 고딕"/>
+        <a:font script="Hans" typeface="等线"/>
+        <a:font script="Hant" typeface="新細明體"/>
+        <a:font script="Arab" typeface="Arial"/>
+        <a:font script="Hebr" typeface="Arial"/>
+        <a:font script="Thai" typeface="Cordia New"/>
+        <a:font script="Ethi" typeface="Nyala"/>
+        <a:font script="Beng" typeface="Vrinda"/>
+        <a:font script="Gujr" typeface="Shruti"/>
+        <a:font script="Khmr" typeface="DaunPenh"/>
+        <a:font script="Knda" typeface="Tunga"/>
+        <a:font script="Guru" typeface="Raavi"/>
+        <a:font script="Cans" typeface="Euphemia"/>
+        <a:font script="Cher" typeface="Plantagenet Cherokee"/>
+        <a:font script="Yiii" typeface="Microsoft Yi Baiti"/>
+        <a:font script="Tibt" typeface="Microsoft Himalaya"/>
+        <a:font script="Thaa" typeface="MV Boli"/>
+        <a:font script="Deva" typeface="Mangal"/>
+        <a:font script="Telu" typeface="Gautami"/>
+        <a:font script="Taml" typeface="Latha"/>
+        <a:font script="Syrc" typeface="Estrangelo Edessa"/>
+        <a:font script="Orya" typeface="Kalinga"/>
+        <a:font script="Mlym" typeface="Kartika"/>
+        <a:font script="Laoo" typeface="DokChampa"/>
+        <a:font script="Sinh" typeface="Iskoola Pota"/>
+        <a:font script="Mong" typeface="Mongolian Baiti"/>
+        <a:font script="Viet" typeface="Arial"/>
+        <a:font script="Uigh" typeface="Microsoft Uighur"/>
+        <a:font script="Geor" typeface="Sylfaen"/>
+        <a:font script="Armn" typeface="Arial"/>
+        <a:font script="Bugi" typeface="Leelawadee UI"/>
+        <a:font script="Bopo" typeface="Microsoft JhengHei"/>
+        <a:font script="Java" typeface="Javanese Text"/>
+        <a:font script="Lisu" typeface="Segoe UI"/>
+        <a:font script="Mymr" typeface="Myanmar Text"/>
+        <a:font script="Nkoo" typeface="Ebrima"/>
+        <a:font script="Olck" typeface="Nirmala UI"/>
+        <a:font script="Osma" typeface="Ebrima"/>
+        <a:font script="Phag" typeface="Phagspa"/>
+        <a:font script="Syrn" typeface="Estrangelo Edessa"/>
+        <a:font script="Syrj" typeface="Estrangelo Edessa"/>
+        <a:font script="Syre" typeface="Estrangelo Edessa"/>
+        <a:font script="Sora" typeface="Nirmala UI"/>
+        <a:font script="Tale" typeface="Microsoft Tai Le"/>
+        <a:font script="Talu" typeface="Microsoft New Tai Lue"/>
+        <a:font script="Tfng" typeface="Ebrima"/>
+      </a:minorFont>
+    </a:fontScheme>
+    <a:fmtScheme name="Office">
+      <a:fillStyleLst>
+        <a:solidFill>
+          <a:schemeClr val="phClr"/>
+        </a:solidFill>
+        <a:gradFill rotWithShape="1">
+          <a:gsLst>
+            <a:gs pos="0">
+              <a:schemeClr val="phClr">
+                <a:lumMod val="110000"/>
+                <a:satMod val="105000"/>
+                <a:tint val="67000"/>
+              </a:schemeClr>
+            </a:gs>
+            <a:gs pos="50000">
+              <a:schemeClr val="phClr">
+                <a:lumMod val="105000"/>
+                <a:satMod val="103000"/>
+                <a:tint val="73000"/>
+              </a:schemeClr>
+            </a:gs>
+            <a:gs pos="100000">
+              <a:schemeClr val="phClr">
+                <a:lumMod val="105000"/>
+                <a:satMod val="109000"/>
+                <a:tint val="81000"/>
+              </a:schemeClr>
+            </a:gs>
+          </a:gsLst>
+          <a:lin ang="5400000" scaled="0"/>
+        </a:gradFill>
+        <a:gradFill rotWithShape="1">
+          <a:gsLst>
+            <a:gs pos="0">
+              <a:schemeClr val="phClr">
+                <a:satMod val="103000"/>
+                <a:lumMod val="102000"/>
+                <a:tint val="94000"/>
+              </a:schemeClr>
+            </a:gs>
+            <a:gs pos="50000">
+              <a:schemeClr val="phClr">
+                <a:satMod val="110000"/>
+                <a:lumMod val="100000"/>
+                <a:shade val="100000"/>
+              </a:schemeClr>
+            </a:gs>
+            <a:gs pos="100000">
+              <a:schemeClr val="phClr">
+                <a:lumMod val="99000"/>
+                <a:satMod val="120000"/>
+                <a:shade val="78000"/>
+              </a:schemeClr>
+            </a:gs>
+          </a:gsLst>
+          <a:lin ang="5400000" scaled="0"/>
+        </a:gradFill>
+      </a:fillStyleLst>
+      <a:lnStyleLst>
+        <a:ln w="12700" cap="flat" cmpd="sng" algn="ctr">
+          <a:solidFill>
+            <a:schemeClr val="phClr"/>
+          </a:solidFill>
+          <a:prstDash val="solid"/>
+          <a:miter lim="800000"/>
+        </a:ln>
+        <a:ln w="19050" cap="flat" cmpd="sng" algn="ctr">
+          <a:solidFill>
+            <a:schemeClr val="phClr"/>
+          </a:solidFill>
+          <a:prstDash val="solid"/>
+          <a:miter lim="800000"/>
+        </a:ln>
+        <a:ln w="25400" cap="flat" cmpd="sng" algn="ctr">
+          <a:solidFill>
+            <a:schemeClr val="phClr"/>
+          </a:solidFill>
+          <a:prstDash val="solid"/>
+          <a:miter lim="800000"/>
+        </a:ln>
+      </a:lnStyleLst>
+      <a:effectStyleLst>
+        <a:effectStyle>
+          <a:effectLst/>
+        </a:effectStyle>
+        <a:effectStyle>
+          <a:effectLst/>
+        </a:effectStyle>
+        <a:effectStyle>
+          <a:effectLst>
+            <a:outerShdw blurRad="57150" dist="19050" dir="5400000" algn="ctr" rotWithShape="0">
+              <a:srgbClr val="000000">
+                <a:alpha val="63000"/>
+              </a:srgbClr>
+            </a:outerShdw>
+          </a:effectLst>
+        </a:effectStyle>
+      </a:effectStyleLst>
+      <a:bgFillStyleLst>
+        <a:solidFill>
+          <a:schemeClr val="phClr"/>
+        </a:solidFill>
+        <a:solidFill>
+          <a:schemeClr val="phClr">
+            <a:tint val="95000"/>
+            <a:satMod val="170000"/>
+          </a:schemeClr>
+        </a:solidFill>
+        <a:gradFill rotWithShape="1">
+          <a:gsLst>
+            <a:gs pos="0">
+              <a:schemeClr val="phClr">
+                <a:tint val="93000"/>
+                <a:satMod val="150000"/>
+                <a:shade val="98000"/>
+                <a:lumMod val="102000"/>
+              </a:schemeClr>
+            </a:gs>
+            <a:gs pos="50000">
+              <a:schemeClr val="phClr">
+                <a:tint val="98000"/>
+                <a:satMod val="130000"/>
+                <a:shade val="90000"/>
+                <a:lumMod val="103000"/>
+              </a:schemeClr>
+            </a:gs>
+            <a:gs pos="100000">
+              <a:schemeClr val="phClr">
+                <a:shade val="63000"/>
+                <a:satMod val="120000"/>
+              </a:schemeClr>
+            </a:gs>
+          </a:gsLst>
+          <a:lin ang="5400000" scaled="0"/>
+        </a:gradFill>
+      </a:bgFillStyleLst>
+    </a:fmtScheme>
+  </a:themeElements>
+  <a:objectDefaults>
+    <a:lnDef>
+      <a:spPr/>
+      <a:bodyPr/>
+      <a:lstStyle/>
+      <a:style>
+        <a:lnRef idx="2">
+          <a:schemeClr val="accent1"/>
+        </a:lnRef>
+        <a:fillRef idx="0">
+          <a:schemeClr val="accent1"/>
+        </a:fillRef>
+        <a:effectRef idx="1">
+          <a:schemeClr val="accent1"/>
+        </a:effectRef>
+        <a:fontRef idx="minor">
+          <a:schemeClr val="tx1"/>
+        </a:fontRef>
+      </a:style>
+    </a:lnDef>
+  </a:objectDefaults>
+  <a:extraClrSchemeLst/>
+  <a:extLst>
+    <a:ext uri="{05A4C25C-085E-4340-85A3-A5531E510DB2}">
+      <thm15:themeFamily xmlns:thm15="http://schemas.microsoft.com/office/thememl/2012/main" name="Office Theme" id="{2E142A2C-CD16-42D6-873A-C26D2A0506FA}" vid="{1BDDFF52-6CD6-40A5-AB3C-68EB2F1E4D0A}"/>
+    </a:ext>
+  </a:extLst>
+</a:theme>
 </file>
--- a/slides.pptx
+++ b/slides.pptx
@@ -118,6 +118,1006 @@
     </p:ext>
   </p:extLst>
 </p:presentation>
+</file>
+
+<file path=ppt/charts/chart1.xml><?xml version="1.0" encoding="utf-8"?>
+<c:chartSpace xmlns:c="http://schemas.openxmlformats.org/drawingml/2006/chart" xmlns:a="http://schemas.openxmlformats.org/drawingml/2006/main" xmlns:r="http://schemas.openxmlformats.org/officeDocument/2006/relationships" xmlns:c16r2="http://schemas.microsoft.com/office/drawing/2015/06/chart">
+  <c:date1904 val="0"/>
+  <c:lang val="fr-FR"/>
+  <c:roundedCorners val="0"/>
+  <mc:AlternateContent xmlns:mc="http://schemas.openxmlformats.org/markup-compatibility/2006">
+    <mc:Choice xmlns:c14="http://schemas.microsoft.com/office/drawing/2007/8/2/chart" Requires="c14">
+      <c14:style val="102"/>
+    </mc:Choice>
+    <mc:Fallback>
+      <c:style val="2"/>
+    </mc:Fallback>
+  </mc:AlternateContent>
+  <c:chart>
+    <c:title>
+      <c:overlay val="0"/>
+      <c:spPr>
+        <a:noFill/>
+        <a:ln>
+          <a:noFill/>
+        </a:ln>
+        <a:effectLst/>
+      </c:spPr>
+      <c:txPr>
+        <a:bodyPr rot="0" spcFirstLastPara="1" vertOverflow="ellipsis" vert="horz" wrap="square" anchor="ctr" anchorCtr="1"/>
+        <a:lstStyle/>
+        <a:p>
+          <a:pPr>
+            <a:defRPr sz="1862" b="0" i="0" u="none" strike="noStrike" kern="1200" spc="0" baseline="0">
+              <a:solidFill>
+                <a:schemeClr val="tx1">
+                  <a:lumMod val="65000"/>
+                  <a:lumOff val="35000"/>
+                </a:schemeClr>
+              </a:solidFill>
+              <a:latin typeface="+mn-lt"/>
+              <a:ea typeface="+mn-ea"/>
+              <a:cs typeface="+mn-cs"/>
+            </a:defRPr>
+          </a:pPr>
+          <a:endParaRPr lang="fr-FR"/>
+        </a:p>
+      </c:txPr>
+    </c:title>
+    <c:autoTitleDeleted val="0"/>
+    <c:plotArea>
+      <c:layout/>
+      <c:barChart>
+        <c:barDir val="col"/>
+        <c:grouping val="clustered"/>
+        <c:varyColors val="0"/>
+        <c:ser>
+          <c:idx val="0"/>
+          <c:order val="0"/>
+          <c:tx>
+            <c:strRef>
+              <c:f>Feuil1!$B$1</c:f>
+              <c:strCache>
+                <c:ptCount val="1"/>
+                <c:pt idx="0">
+                  <c:v>FR</c:v>
+                </c:pt>
+              </c:strCache>
+            </c:strRef>
+          </c:tx>
+          <c:spPr>
+            <a:solidFill>
+              <a:schemeClr val="accent1"/>
+            </a:solidFill>
+            <a:ln>
+              <a:noFill/>
+            </a:ln>
+            <a:effectLst/>
+          </c:spPr>
+          <c:invertIfNegative val="0"/>
+          <c:cat>
+            <c:strRef>
+              <c:f>Feuil1!$A$2:$A$5</c:f>
+              <c:strCache>
+                <c:ptCount val="4"/>
+                <c:pt idx="0">
+                  <c:v>Individualism</c:v>
+                </c:pt>
+                <c:pt idx="1">
+                  <c:v>Uncertainty avoidance</c:v>
+                </c:pt>
+                <c:pt idx="2">
+                  <c:v>Indulgence</c:v>
+                </c:pt>
+                <c:pt idx="3">
+                  <c:v>Achiveement &amp; success</c:v>
+                </c:pt>
+              </c:strCache>
+            </c:strRef>
+          </c:cat>
+          <c:val>
+            <c:numRef>
+              <c:f>Feuil1!$B$2:$B$5</c:f>
+              <c:numCache>
+                <c:formatCode>General</c:formatCode>
+                <c:ptCount val="4"/>
+                <c:pt idx="0">
+                  <c:v>74</c:v>
+                </c:pt>
+                <c:pt idx="1">
+                  <c:v>86</c:v>
+                </c:pt>
+                <c:pt idx="2">
+                  <c:v>48</c:v>
+                </c:pt>
+                <c:pt idx="3">
+                  <c:v>43</c:v>
+                </c:pt>
+              </c:numCache>
+            </c:numRef>
+          </c:val>
+          <c:extLst>
+            <c:ext xmlns:c16="http://schemas.microsoft.com/office/drawing/2014/chart" uri="{C3380CC4-5D6E-409C-BE32-E72D297353CC}">
+              <c16:uniqueId val="{00000000-9B93-BB4D-BB55-16747BF18F0F}"/>
+            </c:ext>
+          </c:extLst>
+        </c:ser>
+        <c:ser>
+          <c:idx val="1"/>
+          <c:order val="1"/>
+          <c:tx>
+            <c:strRef>
+              <c:f>Feuil1!$C$1</c:f>
+              <c:strCache>
+                <c:ptCount val="1"/>
+                <c:pt idx="0">
+                  <c:v>US</c:v>
+                </c:pt>
+              </c:strCache>
+            </c:strRef>
+          </c:tx>
+          <c:spPr>
+            <a:solidFill>
+              <a:schemeClr val="accent2"/>
+            </a:solidFill>
+            <a:ln>
+              <a:noFill/>
+            </a:ln>
+            <a:effectLst/>
+          </c:spPr>
+          <c:invertIfNegative val="0"/>
+          <c:cat>
+            <c:strRef>
+              <c:f>Feuil1!$A$2:$A$5</c:f>
+              <c:strCache>
+                <c:ptCount val="4"/>
+                <c:pt idx="0">
+                  <c:v>Individualism</c:v>
+                </c:pt>
+                <c:pt idx="1">
+                  <c:v>Uncertainty avoidance</c:v>
+                </c:pt>
+                <c:pt idx="2">
+                  <c:v>Indulgence</c:v>
+                </c:pt>
+                <c:pt idx="3">
+                  <c:v>Achiveement &amp; success</c:v>
+                </c:pt>
+              </c:strCache>
+            </c:strRef>
+          </c:cat>
+          <c:val>
+            <c:numRef>
+              <c:f>Feuil1!$C$2:$C$5</c:f>
+              <c:numCache>
+                <c:formatCode>General</c:formatCode>
+                <c:ptCount val="4"/>
+                <c:pt idx="0">
+                  <c:v>60</c:v>
+                </c:pt>
+                <c:pt idx="1">
+                  <c:v>46</c:v>
+                </c:pt>
+                <c:pt idx="2">
+                  <c:v>68</c:v>
+                </c:pt>
+                <c:pt idx="3">
+                  <c:v>62</c:v>
+                </c:pt>
+              </c:numCache>
+            </c:numRef>
+          </c:val>
+          <c:extLst>
+            <c:ext xmlns:c16="http://schemas.microsoft.com/office/drawing/2014/chart" uri="{C3380CC4-5D6E-409C-BE32-E72D297353CC}">
+              <c16:uniqueId val="{00000001-9B93-BB4D-BB55-16747BF18F0F}"/>
+            </c:ext>
+          </c:extLst>
+        </c:ser>
+        <c:ser>
+          <c:idx val="2"/>
+          <c:order val="2"/>
+          <c:tx>
+            <c:strRef>
+              <c:f>Feuil1!$D$1</c:f>
+              <c:strCache>
+                <c:ptCount val="1"/>
+                <c:pt idx="0">
+                  <c:v>SG</c:v>
+                </c:pt>
+              </c:strCache>
+            </c:strRef>
+          </c:tx>
+          <c:spPr>
+            <a:solidFill>
+              <a:schemeClr val="accent3"/>
+            </a:solidFill>
+            <a:ln>
+              <a:noFill/>
+            </a:ln>
+            <a:effectLst/>
+          </c:spPr>
+          <c:invertIfNegative val="0"/>
+          <c:cat>
+            <c:strRef>
+              <c:f>Feuil1!$A$2:$A$5</c:f>
+              <c:strCache>
+                <c:ptCount val="4"/>
+                <c:pt idx="0">
+                  <c:v>Individualism</c:v>
+                </c:pt>
+                <c:pt idx="1">
+                  <c:v>Uncertainty avoidance</c:v>
+                </c:pt>
+                <c:pt idx="2">
+                  <c:v>Indulgence</c:v>
+                </c:pt>
+                <c:pt idx="3">
+                  <c:v>Achiveement &amp; success</c:v>
+                </c:pt>
+              </c:strCache>
+            </c:strRef>
+          </c:cat>
+          <c:val>
+            <c:numRef>
+              <c:f>Feuil1!$D$2:$D$5</c:f>
+              <c:numCache>
+                <c:formatCode>General</c:formatCode>
+                <c:ptCount val="4"/>
+                <c:pt idx="0">
+                  <c:v>43</c:v>
+                </c:pt>
+                <c:pt idx="1">
+                  <c:v>8</c:v>
+                </c:pt>
+                <c:pt idx="2">
+                  <c:v>46</c:v>
+                </c:pt>
+                <c:pt idx="3">
+                  <c:v>48</c:v>
+                </c:pt>
+              </c:numCache>
+            </c:numRef>
+          </c:val>
+          <c:extLst>
+            <c:ext xmlns:c16="http://schemas.microsoft.com/office/drawing/2014/chart" uri="{C3380CC4-5D6E-409C-BE32-E72D297353CC}">
+              <c16:uniqueId val="{00000002-9B93-BB4D-BB55-16747BF18F0F}"/>
+            </c:ext>
+          </c:extLst>
+        </c:ser>
+        <c:dLbls>
+          <c:showLegendKey val="0"/>
+          <c:showVal val="0"/>
+          <c:showCatName val="0"/>
+          <c:showSerName val="0"/>
+          <c:showPercent val="0"/>
+          <c:showBubbleSize val="0"/>
+        </c:dLbls>
+        <c:gapWidth val="219"/>
+        <c:overlap val="-27"/>
+        <c:axId val="1723456544"/>
+        <c:axId val="1723458256"/>
+      </c:barChart>
+      <c:catAx>
+        <c:axId val="1723456544"/>
+        <c:scaling>
+          <c:orientation val="minMax"/>
+        </c:scaling>
+        <c:delete val="0"/>
+        <c:axPos val="b"/>
+        <c:numFmt formatCode="General" sourceLinked="1"/>
+        <c:majorTickMark val="none"/>
+        <c:minorTickMark val="none"/>
+        <c:tickLblPos val="nextTo"/>
+        <c:spPr>
+          <a:noFill/>
+          <a:ln w="9525" cap="flat" cmpd="sng" algn="ctr">
+            <a:solidFill>
+              <a:schemeClr val="tx1">
+                <a:lumMod val="15000"/>
+                <a:lumOff val="85000"/>
+              </a:schemeClr>
+            </a:solidFill>
+            <a:round/>
+          </a:ln>
+          <a:effectLst/>
+        </c:spPr>
+        <c:txPr>
+          <a:bodyPr rot="-60000000" spcFirstLastPara="1" vertOverflow="ellipsis" vert="horz" wrap="square" anchor="ctr" anchorCtr="1"/>
+          <a:lstStyle/>
+          <a:p>
+            <a:pPr>
+              <a:defRPr sz="1197" b="0" i="0" u="none" strike="noStrike" kern="1200" baseline="0">
+                <a:solidFill>
+                  <a:schemeClr val="tx1">
+                    <a:lumMod val="65000"/>
+                    <a:lumOff val="35000"/>
+                  </a:schemeClr>
+                </a:solidFill>
+                <a:latin typeface="+mn-lt"/>
+                <a:ea typeface="+mn-ea"/>
+                <a:cs typeface="+mn-cs"/>
+              </a:defRPr>
+            </a:pPr>
+            <a:endParaRPr lang="fr-FR"/>
+          </a:p>
+        </c:txPr>
+        <c:crossAx val="1723458256"/>
+        <c:crosses val="autoZero"/>
+        <c:auto val="1"/>
+        <c:lblAlgn val="ctr"/>
+        <c:lblOffset val="100"/>
+        <c:noMultiLvlLbl val="0"/>
+      </c:catAx>
+      <c:valAx>
+        <c:axId val="1723458256"/>
+        <c:scaling>
+          <c:orientation val="minMax"/>
+        </c:scaling>
+        <c:delete val="0"/>
+        <c:axPos val="l"/>
+        <c:majorGridlines>
+          <c:spPr>
+            <a:ln w="9525" cap="flat" cmpd="sng" algn="ctr">
+              <a:solidFill>
+                <a:schemeClr val="tx1">
+                  <a:lumMod val="15000"/>
+                  <a:lumOff val="85000"/>
+                </a:schemeClr>
+              </a:solidFill>
+              <a:round/>
+            </a:ln>
+            <a:effectLst/>
+          </c:spPr>
+        </c:majorGridlines>
+        <c:numFmt formatCode="General" sourceLinked="1"/>
+        <c:majorTickMark val="none"/>
+        <c:minorTickMark val="none"/>
+        <c:tickLblPos val="nextTo"/>
+        <c:spPr>
+          <a:noFill/>
+          <a:ln>
+            <a:noFill/>
+          </a:ln>
+          <a:effectLst/>
+        </c:spPr>
+        <c:txPr>
+          <a:bodyPr rot="-60000000" spcFirstLastPara="1" vertOverflow="ellipsis" vert="horz" wrap="square" anchor="ctr" anchorCtr="1"/>
+          <a:lstStyle/>
+          <a:p>
+            <a:pPr>
+              <a:defRPr sz="1197" b="0" i="0" u="none" strike="noStrike" kern="1200" baseline="0">
+                <a:solidFill>
+                  <a:schemeClr val="tx1">
+                    <a:lumMod val="65000"/>
+                    <a:lumOff val="35000"/>
+                  </a:schemeClr>
+                </a:solidFill>
+                <a:latin typeface="+mn-lt"/>
+                <a:ea typeface="+mn-ea"/>
+                <a:cs typeface="+mn-cs"/>
+              </a:defRPr>
+            </a:pPr>
+            <a:endParaRPr lang="fr-FR"/>
+          </a:p>
+        </c:txPr>
+        <c:crossAx val="1723456544"/>
+        <c:crosses val="autoZero"/>
+        <c:crossBetween val="between"/>
+      </c:valAx>
+      <c:spPr>
+        <a:noFill/>
+        <a:ln>
+          <a:noFill/>
+        </a:ln>
+        <a:effectLst/>
+      </c:spPr>
+    </c:plotArea>
+    <c:legend>
+      <c:legendPos val="b"/>
+      <c:overlay val="0"/>
+      <c:spPr>
+        <a:noFill/>
+        <a:ln>
+          <a:noFill/>
+        </a:ln>
+        <a:effectLst/>
+      </c:spPr>
+      <c:txPr>
+        <a:bodyPr rot="0" spcFirstLastPara="1" vertOverflow="ellipsis" vert="horz" wrap="square" anchor="ctr" anchorCtr="1"/>
+        <a:lstStyle/>
+        <a:p>
+          <a:pPr>
+            <a:defRPr sz="1197" b="0" i="0" u="none" strike="noStrike" kern="1200" baseline="0">
+              <a:solidFill>
+                <a:schemeClr val="tx1">
+                  <a:lumMod val="65000"/>
+                  <a:lumOff val="35000"/>
+                </a:schemeClr>
+              </a:solidFill>
+              <a:latin typeface="+mn-lt"/>
+              <a:ea typeface="+mn-ea"/>
+              <a:cs typeface="+mn-cs"/>
+            </a:defRPr>
+          </a:pPr>
+          <a:endParaRPr lang="fr-FR"/>
+        </a:p>
+      </c:txPr>
+    </c:legend>
+    <c:plotVisOnly val="1"/>
+    <c:dispBlanksAs val="gap"/>
+    <c:extLst>
+      <c:ext xmlns:c16r3="http://schemas.microsoft.com/office/drawing/2017/03/chart" uri="{56B9EC1D-385E-4148-901F-78D8002777C0}">
+        <c16r3:dataDisplayOptions16>
+          <c16r3:dispNaAsBlank val="1"/>
+        </c16r3:dataDisplayOptions16>
+      </c:ext>
+    </c:extLst>
+    <c:showDLblsOverMax val="0"/>
+  </c:chart>
+  <c:spPr>
+    <a:noFill/>
+    <a:ln>
+      <a:noFill/>
+    </a:ln>
+    <a:effectLst/>
+  </c:spPr>
+  <c:txPr>
+    <a:bodyPr/>
+    <a:lstStyle/>
+    <a:p>
+      <a:pPr>
+        <a:defRPr/>
+      </a:pPr>
+      <a:endParaRPr lang="fr-FR"/>
+    </a:p>
+  </c:txPr>
+  <c:externalData r:id="rId3">
+    <c:autoUpdate val="0"/>
+  </c:externalData>
+</c:chartSpace>
+</file>
+
+<file path=ppt/charts/colors1.xml><?xml version="1.0" encoding="utf-8"?>
+<cs:colorStyle xmlns:cs="http://schemas.microsoft.com/office/drawing/2012/chartStyle" xmlns:a="http://schemas.openxmlformats.org/drawingml/2006/main" meth="cycle" id="10">
+  <a:schemeClr val="accent1"/>
+  <a:schemeClr val="accent2"/>
+  <a:schemeClr val="accent3"/>
+  <a:schemeClr val="accent4"/>
+  <a:schemeClr val="accent5"/>
+  <a:schemeClr val="accent6"/>
+  <cs:variation/>
+  <cs:variation>
+    <a:lumMod val="60000"/>
+  </cs:variation>
+  <cs:variation>
+    <a:lumMod val="80000"/>
+    <a:lumOff val="20000"/>
+  </cs:variation>
+  <cs:variation>
+    <a:lumMod val="80000"/>
+  </cs:variation>
+  <cs:variation>
+    <a:lumMod val="60000"/>
+    <a:lumOff val="40000"/>
+  </cs:variation>
+  <cs:variation>
+    <a:lumMod val="50000"/>
+  </cs:variation>
+  <cs:variation>
+    <a:lumMod val="70000"/>
+    <a:lumOff val="30000"/>
+  </cs:variation>
+  <cs:variation>
+    <a:lumMod val="70000"/>
+  </cs:variation>
+  <cs:variation>
+    <a:lumMod val="50000"/>
+    <a:lumOff val="50000"/>
+  </cs:variation>
+</cs:colorStyle>
+</file>
+
+<file path=ppt/charts/style1.xml><?xml version="1.0" encoding="utf-8"?>
+<cs:chartStyle xmlns:cs="http://schemas.microsoft.com/office/drawing/2012/chartStyle" xmlns:a="http://schemas.openxmlformats.org/drawingml/2006/main" id="201">
+  <cs:axisTitle>
+    <cs:lnRef idx="0"/>
+    <cs:fillRef idx="0"/>
+    <cs:effectRef idx="0"/>
+    <cs:fontRef idx="minor">
+      <a:schemeClr val="tx1">
+        <a:lumMod val="65000"/>
+        <a:lumOff val="35000"/>
+      </a:schemeClr>
+    </cs:fontRef>
+    <cs:defRPr sz="1330" kern="1200"/>
+  </cs:axisTitle>
+  <cs:categoryAxis>
+    <cs:lnRef idx="0"/>
+    <cs:fillRef idx="0"/>
+    <cs:effectRef idx="0"/>
+    <cs:fontRef idx="minor">
+      <a:schemeClr val="tx1">
+        <a:lumMod val="65000"/>
+        <a:lumOff val="35000"/>
+      </a:schemeClr>
+    </cs:fontRef>
+    <cs:spPr>
+      <a:ln w="9525" cap="flat" cmpd="sng" algn="ctr">
+        <a:solidFill>
+          <a:schemeClr val="tx1">
+            <a:lumMod val="15000"/>
+            <a:lumOff val="85000"/>
+          </a:schemeClr>
+        </a:solidFill>
+        <a:round/>
+      </a:ln>
+    </cs:spPr>
+    <cs:defRPr sz="1197" kern="1200"/>
+  </cs:categoryAxis>
+  <cs:chartArea mods="allowNoFillOverride allowNoLineOverride">
+    <cs:lnRef idx="0"/>
+    <cs:fillRef idx="0"/>
+    <cs:effectRef idx="0"/>
+    <cs:fontRef idx="minor">
+      <a:schemeClr val="tx1"/>
+    </cs:fontRef>
+    <cs:spPr>
+      <a:solidFill>
+        <a:schemeClr val="bg1"/>
+      </a:solidFill>
+      <a:ln w="9525" cap="flat" cmpd="sng" algn="ctr">
+        <a:solidFill>
+          <a:schemeClr val="tx1">
+            <a:lumMod val="15000"/>
+            <a:lumOff val="85000"/>
+          </a:schemeClr>
+        </a:solidFill>
+        <a:round/>
+      </a:ln>
+    </cs:spPr>
+    <cs:defRPr sz="1330" kern="1200"/>
+  </cs:chartArea>
+  <cs:dataLabel>
+    <cs:lnRef idx="0"/>
+    <cs:fillRef idx="0"/>
+    <cs:effectRef idx="0"/>
+    <cs:fontRef idx="minor">
+      <a:schemeClr val="tx1">
+        <a:lumMod val="75000"/>
+        <a:lumOff val="25000"/>
+      </a:schemeClr>
+    </cs:fontRef>
+    <cs:defRPr sz="1197" kern="1200"/>
+  </cs:dataLabel>
+  <cs:dataLabelCallout>
+    <cs:lnRef idx="0"/>
+    <cs:fillRef idx="0"/>
+    <cs:effectRef idx="0"/>
+    <cs:fontRef idx="minor">
+      <a:schemeClr val="dk1">
+        <a:lumMod val="65000"/>
+        <a:lumOff val="35000"/>
+      </a:schemeClr>
+    </cs:fontRef>
+    <cs:spPr>
+      <a:solidFill>
+        <a:schemeClr val="lt1"/>
+      </a:solidFill>
+      <a:ln>
+        <a:solidFill>
+          <a:schemeClr val="dk1">
+            <a:lumMod val="25000"/>
+            <a:lumOff val="75000"/>
+          </a:schemeClr>
+        </a:solidFill>
+      </a:ln>
+    </cs:spPr>
+    <cs:defRPr sz="1197" kern="1200"/>
+    <cs:bodyPr rot="0" spcFirstLastPara="1" vertOverflow="clip" horzOverflow="clip" vert="horz" wrap="square" lIns="36576" tIns="18288" rIns="36576" bIns="18288" anchor="ctr" anchorCtr="1">
+      <a:spAutoFit/>
+    </cs:bodyPr>
+  </cs:dataLabelCallout>
+  <cs:dataPoint>
+    <cs:lnRef idx="0"/>
+    <cs:fillRef idx="1">
+      <cs:styleClr val="auto"/>
+    </cs:fillRef>
+    <cs:effectRef idx="0"/>
+    <cs:fontRef idx="minor">
+      <a:schemeClr val="tx1"/>
+    </cs:fontRef>
+  </cs:dataPoint>
+  <cs:dataPoint3D>
+    <cs:lnRef idx="0"/>
+    <cs:fillRef idx="1">
+      <cs:styleClr val="auto"/>
+    </cs:fillRef>
+    <cs:effectRef idx="0"/>
+    <cs:fontRef idx="minor">
+      <a:schemeClr val="tx1"/>
+    </cs:fontRef>
+  </cs:dataPoint3D>
+  <cs:dataPointLine>
+    <cs:lnRef idx="0">
+      <cs:styleClr val="auto"/>
+    </cs:lnRef>
+    <cs:fillRef idx="1"/>
+    <cs:effectRef idx="0"/>
+    <cs:fontRef idx="minor">
+      <a:schemeClr val="tx1"/>
+    </cs:fontRef>
+    <cs:spPr>
+      <a:ln w="28575" cap="rnd">
+        <a:solidFill>
+          <a:schemeClr val="phClr"/>
+        </a:solidFill>
+        <a:round/>
+      </a:ln>
+    </cs:spPr>
+  </cs:dataPointLine>
+  <cs:dataPointMarker>
+    <cs:lnRef idx="0">
+      <cs:styleClr val="auto"/>
+    </cs:lnRef>
+    <cs:fillRef idx="1">
+      <cs:styleClr val="auto"/>
+    </cs:fillRef>
+    <cs:effectRef idx="0"/>
+    <cs:fontRef idx="minor">
+      <a:schemeClr val="tx1"/>
+    </cs:fontRef>
+    <cs:spPr>
+      <a:ln w="9525">
+        <a:solidFill>
+          <a:schemeClr val="phClr"/>
+        </a:solidFill>
+      </a:ln>
+    </cs:spPr>
+  </cs:dataPointMarker>
+  <cs:dataPointMarkerLayout symbol="circle" size="5"/>
+  <cs:dataPointWireframe>
+    <cs:lnRef idx="0">
+      <cs:styleClr val="auto"/>
+    </cs:lnRef>
+    <cs:fillRef idx="1"/>
+    <cs:effectRef idx="0"/>
+    <cs:fontRef idx="minor">
+      <a:schemeClr val="tx1"/>
+    </cs:fontRef>
+    <cs:spPr>
+      <a:ln w="9525" cap="rnd">
+        <a:solidFill>
+          <a:schemeClr val="phClr"/>
+        </a:solidFill>
+        <a:round/>
+      </a:ln>
+    </cs:spPr>
+  </cs:dataPointWireframe>
+  <cs:dataTable>
+    <cs:lnRef idx="0"/>
+    <cs:fillRef idx="0"/>
+    <cs:effectRef idx="0"/>
+    <cs:fontRef idx="minor">
+      <a:schemeClr val="tx1">
+        <a:lumMod val="65000"/>
+        <a:lumOff val="35000"/>
+      </a:schemeClr>
+    </cs:fontRef>
+    <cs:spPr>
+      <a:noFill/>
+      <a:ln w="9525" cap="flat" cmpd="sng" algn="ctr">
+        <a:solidFill>
+          <a:schemeClr val="tx1">
+            <a:lumMod val="15000"/>
+            <a:lumOff val="85000"/>
+          </a:schemeClr>
+        </a:solidFill>
+        <a:round/>
+      </a:ln>
+    </cs:spPr>
+    <cs:defRPr sz="1197" kern="1200"/>
+  </cs:dataTable>
+  <cs:downBar>
+    <cs:lnRef idx="0"/>
+    <cs:fillRef idx="0"/>
+    <cs:effectRef idx="0"/>
+    <cs:fontRef idx="minor">
+      <a:schemeClr val="dk1"/>
+    </cs:fontRef>
+    <cs:spPr>
+      <a:solidFill>
+        <a:schemeClr val="dk1">
+          <a:lumMod val="65000"/>
+          <a:lumOff val="35000"/>
+        </a:schemeClr>
+      </a:solidFill>
+      <a:ln w="9525">
+        <a:solidFill>
+          <a:schemeClr val="tx1">
+            <a:lumMod val="65000"/>
+            <a:lumOff val="35000"/>
+          </a:schemeClr>
+        </a:solidFill>
+      </a:ln>
+    </cs:spPr>
+  </cs:downBar>
+  <cs:dropLine>
+    <cs:lnRef idx="0"/>
+    <cs:fillRef idx="0"/>
+    <cs:effectRef idx="0"/>
+    <cs:fontRef idx="minor">
+      <a:schemeClr val="tx1"/>
+    </cs:fontRef>
+    <cs:spPr>
+      <a:ln w="9525" cap="flat" cmpd="sng" algn="ctr">
+        <a:solidFill>
+          <a:schemeClr val="tx1">
+            <a:lumMod val="35000"/>
+            <a:lumOff val="65000"/>
+          </a:schemeClr>
+        </a:solidFill>
+        <a:round/>
+      </a:ln>
+    </cs:spPr>
+  </cs:dropLine>
+  <cs:errorBar>
+    <cs:lnRef idx="0"/>
+    <cs:fillRef idx="0"/>
+    <cs:effectRef idx="0"/>
+    <cs:fontRef idx="minor">
+      <a:schemeClr val="tx1"/>
+    </cs:fontRef>
+    <cs:spPr>
+      <a:ln w="9525" cap="flat" cmpd="sng" algn="ctr">
+        <a:solidFill>
+          <a:schemeClr val="tx1">
+            <a:lumMod val="65000"/>
+            <a:lumOff val="35000"/>
+          </a:schemeClr>
+        </a:solidFill>
+        <a:round/>
+      </a:ln>
+    </cs:spPr>
+  </cs:errorBar>
+  <cs:floor>
+    <cs:lnRef idx="0"/>
+    <cs:fillRef idx="0"/>
+    <cs:effectRef idx="0"/>
+    <cs:fontRef idx="minor">
+      <a:schemeClr val="tx1"/>
+    </cs:fontRef>
+    <cs:spPr>
+      <a:noFill/>
+      <a:ln>
+        <a:noFill/>
+      </a:ln>
+    </cs:spPr>
+  </cs:floor>
+  <cs:gridlineMajor>
+    <cs:lnRef idx="0"/>
+    <cs:fillRef idx="0"/>
+    <cs:effectRef idx="0"/>
+    <cs:fontRef idx="minor">
+      <a:schemeClr val="tx1"/>
+    </cs:fontRef>
+    <cs:spPr>
+      <a:ln w="9525" cap="flat" cmpd="sng" algn="ctr">
+        <a:solidFill>
+          <a:schemeClr val="tx1">
+            <a:lumMod val="15000"/>
+            <a:lumOff val="85000"/>
+          </a:schemeClr>
+        </a:solidFill>
+        <a:round/>
+      </a:ln>
+    </cs:spPr>
+  </cs:gridlineMajor>
+  <cs:gridlineMinor>
+    <cs:lnRef idx="0"/>
+    <cs:fillRef idx="0"/>
+    <cs:effectRef idx="0"/>
+    <cs:fontRef idx="minor">
+      <a:schemeClr val="tx1"/>
+    </cs:fontRef>
+    <cs:spPr>
+      <a:ln w="9525" cap="flat" cmpd="sng" algn="ctr">
+        <a:solidFill>
+          <a:schemeClr val="tx1">
+            <a:lumMod val="5000"/>
+            <a:lumOff val="95000"/>
+          </a:schemeClr>
+        </a:solidFill>
+        <a:round/>
+      </a:ln>
+    </cs:spPr>
+  </cs:gridlineMinor>
+  <cs:hiLoLine>
+    <cs:lnRef idx="0"/>
+    <cs:fillRef idx="0"/>
+    <cs:effectRef idx="0"/>
+    <cs:fontRef idx="minor">
+      <a:schemeClr val="tx1"/>
+    </cs:fontRef>
+    <cs:spPr>
+      <a:ln w="9525" cap="flat" cmpd="sng" algn="ctr">
+        <a:solidFill>
+          <a:schemeClr val="tx1">
+            <a:lumMod val="75000"/>
+            <a:lumOff val="25000"/>
+          </a:schemeClr>
+        </a:solidFill>
+        <a:round/>
+      </a:ln>
+    </cs:spPr>
+  </cs:hiLoLine>
+  <cs:leaderLine>
+    <cs:lnRef idx="0"/>
+    <cs:fillRef idx="0"/>
+    <cs:effectRef idx="0"/>
+    <cs:fontRef idx="minor">
+      <a:schemeClr val="tx1"/>
+    </cs:fontRef>
+    <cs:spPr>
+      <a:ln w="9525" cap="flat" cmpd="sng" algn="ctr">
+        <a:solidFill>
+          <a:schemeClr val="tx1">
+            <a:lumMod val="35000"/>
+            <a:lumOff val="65000"/>
+          </a:schemeClr>
+        </a:solidFill>
+        <a:round/>
+      </a:ln>
+    </cs:spPr>
+  </cs:leaderLine>
+  <cs:legend>
+    <cs:lnRef idx="0"/>
+    <cs:fillRef idx="0"/>
+    <cs:effectRef idx="0"/>
+    <cs:fontRef idx="minor">
+      <a:schemeClr val="tx1">
+        <a:lumMod val="65000"/>
+        <a:lumOff val="35000"/>
+      </a:schemeClr>
+    </cs:fontRef>
+    <cs:defRPr sz="1197" kern="1200"/>
+  </cs:legend>
+  <cs:plotArea mods="allowNoFillOverride allowNoLineOverride">
+    <cs:lnRef idx="0"/>
+    <cs:fillRef idx="0"/>
+    <cs:effectRef idx="0"/>
+    <cs:fontRef idx="minor">
+      <a:schemeClr val="tx1"/>
+    </cs:fontRef>
+  </cs:plotArea>
+  <cs:plotArea3D mods="allowNoFillOverride allowNoLineOverride">
+    <cs:lnRef idx="0"/>
+    <cs:fillRef idx="0"/>
+    <cs:effectRef idx="0"/>
+    <cs:fontRef idx="minor">
+      <a:schemeClr val="tx1"/>
+    </cs:fontRef>
+  </cs:plotArea3D>
+  <cs:seriesAxis>
+    <cs:lnRef idx="0"/>
+    <cs:fillRef idx="0"/>
+    <cs:effectRef idx="0"/>
+    <cs:fontRef idx="minor">
+      <a:schemeClr val="tx1">
+        <a:lumMod val="65000"/>
+        <a:lumOff val="35000"/>
+      </a:schemeClr>
+    </cs:fontRef>
+    <cs:defRPr sz="1197" kern="1200"/>
+  </cs:seriesAxis>
+  <cs:seriesLine>
+    <cs:lnRef idx="0"/>
+    <cs:fillRef idx="0"/>
+    <cs:effectRef idx="0"/>
+    <cs:fontRef idx="minor">
+      <a:schemeClr val="tx1"/>
+    </cs:fontRef>
+    <cs:spPr>
+      <a:ln w="9525" cap="flat" cmpd="sng" algn="ctr">
+        <a:solidFill>
+          <a:schemeClr val="tx1">
+            <a:lumMod val="35000"/>
+            <a:lumOff val="65000"/>
+          </a:schemeClr>
+        </a:solidFill>
+        <a:round/>
+      </a:ln>
+    </cs:spPr>
+  </cs:seriesLine>
+  <cs:title>
+    <cs:lnRef idx="0"/>
+    <cs:fillRef idx="0"/>
+    <cs:effectRef idx="0"/>
+    <cs:fontRef idx="minor">
+      <a:schemeClr val="tx1">
+        <a:lumMod val="65000"/>
+        <a:lumOff val="35000"/>
+      </a:schemeClr>
+    </cs:fontRef>
+    <cs:defRPr sz="1862" b="0" kern="1200" spc="0" baseline="0"/>
+  </cs:title>
+  <cs:trendline>
+    <cs:lnRef idx="0">
+      <cs:styleClr val="auto"/>
+    </cs:lnRef>
+    <cs:fillRef idx="0"/>
+    <cs:effectRef idx="0"/>
+    <cs:fontRef idx="minor">
+      <a:schemeClr val="tx1"/>
+    </cs:fontRef>
+    <cs:spPr>
+      <a:ln w="19050" cap="rnd">
+        <a:solidFill>
+          <a:schemeClr val="phClr"/>
+        </a:solidFill>
+        <a:prstDash val="sysDot"/>
+      </a:ln>
+    </cs:spPr>
+  </cs:trendline>
+  <cs:trendlineLabel>
+    <cs:lnRef idx="0"/>
+    <cs:fillRef idx="0"/>
+    <cs:effectRef idx="0"/>
+    <cs:fontRef idx="minor">
+      <a:schemeClr val="tx1">
+        <a:lumMod val="65000"/>
+        <a:lumOff val="35000"/>
+      </a:schemeClr>
+    </cs:fontRef>
+    <cs:defRPr sz="1197" kern="1200"/>
+  </cs:trendlineLabel>
+  <cs:upBar>
+    <cs:lnRef idx="0"/>
+    <cs:fillRef idx="0"/>
+    <cs:effectRef idx="0"/>
+    <cs:fontRef idx="minor">
+      <a:schemeClr val="dk1"/>
+    </cs:fontRef>
+    <cs:spPr>
+      <a:solidFill>
+        <a:schemeClr val="lt1"/>
+      </a:solidFill>
+      <a:ln w="9525">
+        <a:solidFill>
+          <a:schemeClr val="tx1">
+            <a:lumMod val="15000"/>
+            <a:lumOff val="85000"/>
+          </a:schemeClr>
+        </a:solidFill>
+      </a:ln>
+    </cs:spPr>
+  </cs:upBar>
+  <cs:valueAxis>
+    <cs:lnRef idx="0"/>
+    <cs:fillRef idx="0"/>
+    <cs:effectRef idx="0"/>
+    <cs:fontRef idx="minor">
+      <a:schemeClr val="tx1">
+        <a:lumMod val="65000"/>
+        <a:lumOff val="35000"/>
+      </a:schemeClr>
+    </cs:fontRef>
+    <cs:defRPr sz="1197" kern="1200"/>
+  </cs:valueAxis>
+  <cs:wall>
+    <cs:lnRef idx="0"/>
+    <cs:fillRef idx="0"/>
+    <cs:effectRef idx="0"/>
+    <cs:fontRef idx="minor">
+      <a:schemeClr val="tx1"/>
+    </cs:fontRef>
+    <cs:spPr>
+      <a:noFill/>
+      <a:ln>
+        <a:noFill/>
+      </a:ln>
+    </cs:spPr>
+  </cs:wall>
+</cs:chartStyle>
 </file>
 
 <file path=ppt/notesMasters/notesMaster1.xml><?xml version="1.0" encoding="utf-8"?>
@@ -4235,83 +5235,34 @@
           </a:p>
         </p:txBody>
       </p:sp>
-      <p:sp>
-        <p:nvSpPr>
-          <p:cNvPr id="3" name="Espace réservé du contenu 2">
-            <a:extLst>
-              <a:ext uri="{FF2B5EF4-FFF2-40B4-BE49-F238E27FC236}">
-                <a16:creationId xmlns:a16="http://schemas.microsoft.com/office/drawing/2014/main" id="{164757C8-4E60-4BB6-3AE3-5BB9C863F047}"/>
-              </a:ext>
-            </a:extLst>
-          </p:cNvPr>
-          <p:cNvSpPr>
-            <a:spLocks noGrp="1"/>
-          </p:cNvSpPr>
-          <p:nvPr>
-            <p:ph idx="1"/>
-          </p:nvPr>
-        </p:nvSpPr>
-        <p:spPr/>
-        <p:txBody>
-          <a:bodyPr/>
-          <a:lstStyle/>
-          <a:p>
-            <a:r>
-              <a:rPr lang="fr-FR" dirty="0"/>
-              <a:t>Power distance</a:t>
-            </a:r>
-          </a:p>
-          <a:p>
-            <a:r>
-              <a:rPr lang="fr-FR" dirty="0" err="1"/>
-              <a:t>Individualism</a:t>
-            </a:r>
-            <a:endParaRPr lang="fr-FR" dirty="0"/>
-          </a:p>
-          <a:p>
-            <a:r>
-              <a:rPr lang="fr-FR" dirty="0"/>
-              <a:t>Long-</a:t>
-            </a:r>
-            <a:r>
-              <a:rPr lang="fr-FR" dirty="0" err="1"/>
-              <a:t>term</a:t>
-            </a:r>
-            <a:r>
-              <a:rPr lang="fr-FR" dirty="0"/>
-              <a:t> orientation</a:t>
-            </a:r>
-          </a:p>
-          <a:p>
-            <a:r>
-              <a:rPr lang="fr-FR" dirty="0" err="1"/>
-              <a:t>Masculinity</a:t>
-            </a:r>
-            <a:endParaRPr lang="fr-FR" dirty="0"/>
-          </a:p>
-          <a:p>
-            <a:r>
-              <a:rPr lang="fr-FR" dirty="0" err="1"/>
-              <a:t>Uncertainity</a:t>
-            </a:r>
-            <a:r>
-              <a:rPr lang="fr-FR" dirty="0"/>
-              <a:t> </a:t>
-            </a:r>
-            <a:r>
-              <a:rPr lang="fr-FR" dirty="0" err="1"/>
-              <a:t>avoidance</a:t>
-            </a:r>
-            <a:endParaRPr lang="fr-FR" dirty="0"/>
-          </a:p>
-          <a:p>
-            <a:r>
-              <a:rPr lang="fr-FR" dirty="0"/>
-              <a:t>Indulgence</a:t>
-            </a:r>
-          </a:p>
-        </p:txBody>
-      </p:sp>
+      <p:graphicFrame>
+        <p:nvGraphicFramePr>
+          <p:cNvPr id="4" name="Graphique 3">
+            <a:extLst>
+              <a:ext uri="{FF2B5EF4-FFF2-40B4-BE49-F238E27FC236}">
+                <a16:creationId xmlns:a16="http://schemas.microsoft.com/office/drawing/2014/main" id="{9A7C6193-AEF2-CD81-E686-CA3F38201F64}"/>
+              </a:ext>
+            </a:extLst>
+          </p:cNvPr>
+          <p:cNvGraphicFramePr/>
+          <p:nvPr>
+            <p:extLst>
+              <p:ext uri="{D42A27DB-BD31-4B8C-83A1-F6EECF244321}">
+                <p14:modId xmlns:p14="http://schemas.microsoft.com/office/powerpoint/2010/main" val="35685858"/>
+              </p:ext>
+            </p:extLst>
+          </p:nvPr>
+        </p:nvGraphicFramePr>
+        <p:xfrm>
+          <a:off x="2032000" y="1439333"/>
+          <a:ext cx="8128000" cy="5418667"/>
+        </p:xfrm>
+        <a:graphic>
+          <a:graphicData uri="http://schemas.openxmlformats.org/drawingml/2006/chart">
+            <c:chart xmlns:c="http://schemas.openxmlformats.org/drawingml/2006/chart" xmlns:r="http://schemas.openxmlformats.org/officeDocument/2006/relationships" r:id="rId2"/>
+          </a:graphicData>
+        </a:graphic>
+      </p:graphicFrame>
     </p:spTree>
     <p:extLst>
       <p:ext uri="{BB962C8B-B14F-4D97-AF65-F5344CB8AC3E}">

--- a/slides.pptx
+++ b/slides.pptx
@@ -5,7 +5,7 @@
     <p:sldMasterId id="2147483648" r:id="rId1"/>
   </p:sldMasterIdLst>
   <p:notesMasterIdLst>
-    <p:notesMasterId r:id="rId8"/>
+    <p:notesMasterId r:id="rId7"/>
   </p:notesMasterIdLst>
   <p:sldIdLst>
     <p:sldId id="256" r:id="rId2"/>
@@ -13,7 +13,6 @@
     <p:sldId id="277" r:id="rId4"/>
     <p:sldId id="271" r:id="rId5"/>
     <p:sldId id="273" r:id="rId6"/>
-    <p:sldId id="275" r:id="rId7"/>
   </p:sldIdLst>
   <p:sldSz cx="12192000" cy="6858000"/>
   <p:notesSz cx="6858000" cy="9144000"/>
@@ -134,37 +133,7 @@
     </mc:Fallback>
   </mc:AlternateContent>
   <c:chart>
-    <c:title>
-      <c:overlay val="0"/>
-      <c:spPr>
-        <a:noFill/>
-        <a:ln>
-          <a:noFill/>
-        </a:ln>
-        <a:effectLst/>
-      </c:spPr>
-      <c:txPr>
-        <a:bodyPr rot="0" spcFirstLastPara="1" vertOverflow="ellipsis" vert="horz" wrap="square" anchor="ctr" anchorCtr="1"/>
-        <a:lstStyle/>
-        <a:p>
-          <a:pPr>
-            <a:defRPr sz="1862" b="0" i="0" u="none" strike="noStrike" kern="1200" spc="0" baseline="0">
-              <a:solidFill>
-                <a:schemeClr val="tx1">
-                  <a:lumMod val="65000"/>
-                  <a:lumOff val="35000"/>
-                </a:schemeClr>
-              </a:solidFill>
-              <a:latin typeface="+mn-lt"/>
-              <a:ea typeface="+mn-ea"/>
-              <a:cs typeface="+mn-cs"/>
-            </a:defRPr>
-          </a:pPr>
-          <a:endParaRPr lang="fr-FR"/>
-        </a:p>
-      </c:txPr>
-    </c:title>
-    <c:autoTitleDeleted val="0"/>
+    <c:autoTitleDeleted val="1"/>
     <c:plotArea>
       <c:layout/>
       <c:barChart>
@@ -197,9 +166,9 @@
           <c:invertIfNegative val="0"/>
           <c:cat>
             <c:strRef>
-              <c:f>Feuil1!$A$2:$A$5</c:f>
+              <c:f>Feuil1!$A$2:$A$6</c:f>
               <c:strCache>
-                <c:ptCount val="4"/>
+                <c:ptCount val="5"/>
                 <c:pt idx="0">
                   <c:v>Individualism</c:v>
                 </c:pt>
@@ -210,17 +179,20 @@
                   <c:v>Indulgence</c:v>
                 </c:pt>
                 <c:pt idx="3">
-                  <c:v>Achiveement &amp; success</c:v>
+                  <c:v>Achievement &amp; success</c:v>
+                </c:pt>
+                <c:pt idx="4">
+                  <c:v>Long-term orientation</c:v>
                 </c:pt>
               </c:strCache>
             </c:strRef>
           </c:cat>
           <c:val>
             <c:numRef>
-              <c:f>Feuil1!$B$2:$B$5</c:f>
+              <c:f>Feuil1!$B$2:$B$6</c:f>
               <c:numCache>
                 <c:formatCode>General</c:formatCode>
-                <c:ptCount val="4"/>
+                <c:ptCount val="5"/>
                 <c:pt idx="0">
                   <c:v>74</c:v>
                 </c:pt>
@@ -232,6 +204,9 @@
                 </c:pt>
                 <c:pt idx="3">
                   <c:v>43</c:v>
+                </c:pt>
+                <c:pt idx="4">
+                  <c:v>60</c:v>
                 </c:pt>
               </c:numCache>
             </c:numRef>
@@ -268,9 +243,9 @@
           <c:invertIfNegative val="0"/>
           <c:cat>
             <c:strRef>
-              <c:f>Feuil1!$A$2:$A$5</c:f>
+              <c:f>Feuil1!$A$2:$A$6</c:f>
               <c:strCache>
-                <c:ptCount val="4"/>
+                <c:ptCount val="5"/>
                 <c:pt idx="0">
                   <c:v>Individualism</c:v>
                 </c:pt>
@@ -281,17 +256,20 @@
                   <c:v>Indulgence</c:v>
                 </c:pt>
                 <c:pt idx="3">
-                  <c:v>Achiveement &amp; success</c:v>
+                  <c:v>Achievement &amp; success</c:v>
+                </c:pt>
+                <c:pt idx="4">
+                  <c:v>Long-term orientation</c:v>
                 </c:pt>
               </c:strCache>
             </c:strRef>
           </c:cat>
           <c:val>
             <c:numRef>
-              <c:f>Feuil1!$C$2:$C$5</c:f>
+              <c:f>Feuil1!$C$2:$C$6</c:f>
               <c:numCache>
                 <c:formatCode>General</c:formatCode>
-                <c:ptCount val="4"/>
+                <c:ptCount val="5"/>
                 <c:pt idx="0">
                   <c:v>60</c:v>
                 </c:pt>
@@ -303,6 +281,9 @@
                 </c:pt>
                 <c:pt idx="3">
                   <c:v>62</c:v>
+                </c:pt>
+                <c:pt idx="4">
+                  <c:v>50</c:v>
                 </c:pt>
               </c:numCache>
             </c:numRef>
@@ -339,9 +320,9 @@
           <c:invertIfNegative val="0"/>
           <c:cat>
             <c:strRef>
-              <c:f>Feuil1!$A$2:$A$5</c:f>
+              <c:f>Feuil1!$A$2:$A$6</c:f>
               <c:strCache>
-                <c:ptCount val="4"/>
+                <c:ptCount val="5"/>
                 <c:pt idx="0">
                   <c:v>Individualism</c:v>
                 </c:pt>
@@ -352,17 +333,20 @@
                   <c:v>Indulgence</c:v>
                 </c:pt>
                 <c:pt idx="3">
-                  <c:v>Achiveement &amp; success</c:v>
+                  <c:v>Achievement &amp; success</c:v>
+                </c:pt>
+                <c:pt idx="4">
+                  <c:v>Long-term orientation</c:v>
                 </c:pt>
               </c:strCache>
             </c:strRef>
           </c:cat>
           <c:val>
             <c:numRef>
-              <c:f>Feuil1!$D$2:$D$5</c:f>
+              <c:f>Feuil1!$D$2:$D$6</c:f>
               <c:numCache>
                 <c:formatCode>General</c:formatCode>
-                <c:ptCount val="4"/>
+                <c:ptCount val="5"/>
                 <c:pt idx="0">
                   <c:v>43</c:v>
                 </c:pt>
@@ -374,6 +358,9 @@
                 </c:pt>
                 <c:pt idx="3">
                   <c:v>48</c:v>
+                </c:pt>
+                <c:pt idx="4">
+                  <c:v>67</c:v>
                 </c:pt>
               </c:numCache>
             </c:numRef>
@@ -5248,7 +5235,7 @@
           <p:nvPr>
             <p:extLst>
               <p:ext uri="{D42A27DB-BD31-4B8C-83A1-F6EECF244321}">
-                <p14:modId xmlns:p14="http://schemas.microsoft.com/office/powerpoint/2010/main" val="35685858"/>
+                <p14:modId xmlns:p14="http://schemas.microsoft.com/office/powerpoint/2010/main" val="4090139345"/>
               </p:ext>
             </p:extLst>
           </p:nvPr>
@@ -5267,89 +5254,6 @@
     <p:extLst>
       <p:ext uri="{BB962C8B-B14F-4D97-AF65-F5344CB8AC3E}">
         <p14:creationId xmlns:p14="http://schemas.microsoft.com/office/powerpoint/2010/main" val="4192007191"/>
-      </p:ext>
-    </p:extLst>
-  </p:cSld>
-  <p:clrMapOvr>
-    <a:masterClrMapping/>
-  </p:clrMapOvr>
-</p:sld>
-</file>
-
-<file path=ppt/slides/slide6.xml><?xml version="1.0" encoding="utf-8"?>
-<p:sld xmlns:a="http://schemas.openxmlformats.org/drawingml/2006/main" xmlns:r="http://schemas.openxmlformats.org/officeDocument/2006/relationships" xmlns:p="http://schemas.openxmlformats.org/presentationml/2006/main">
-  <p:cSld>
-    <p:spTree>
-      <p:nvGrpSpPr>
-        <p:cNvPr id="1" name=""/>
-        <p:cNvGrpSpPr/>
-        <p:nvPr/>
-      </p:nvGrpSpPr>
-      <p:grpSpPr>
-        <a:xfrm>
-          <a:off x="0" y="0"/>
-          <a:ext cx="0" cy="0"/>
-          <a:chOff x="0" y="0"/>
-          <a:chExt cx="0" cy="0"/>
-        </a:xfrm>
-      </p:grpSpPr>
-      <p:sp>
-        <p:nvSpPr>
-          <p:cNvPr id="2" name="Titre 1">
-            <a:extLst>
-              <a:ext uri="{FF2B5EF4-FFF2-40B4-BE49-F238E27FC236}">
-                <a16:creationId xmlns:a16="http://schemas.microsoft.com/office/drawing/2014/main" id="{BA730823-2D45-8E11-2375-93830CC83B17}"/>
-              </a:ext>
-            </a:extLst>
-          </p:cNvPr>
-          <p:cNvSpPr>
-            <a:spLocks noGrp="1"/>
-          </p:cNvSpPr>
-          <p:nvPr>
-            <p:ph type="title"/>
-          </p:nvPr>
-        </p:nvSpPr>
-        <p:spPr/>
-        <p:txBody>
-          <a:bodyPr/>
-          <a:lstStyle/>
-          <a:p>
-            <a:r>
-              <a:rPr lang="fr-FR" dirty="0"/>
-              <a:t>Conclusion</a:t>
-            </a:r>
-          </a:p>
-        </p:txBody>
-      </p:sp>
-      <p:sp>
-        <p:nvSpPr>
-          <p:cNvPr id="3" name="Espace réservé du contenu 2">
-            <a:extLst>
-              <a:ext uri="{FF2B5EF4-FFF2-40B4-BE49-F238E27FC236}">
-                <a16:creationId xmlns:a16="http://schemas.microsoft.com/office/drawing/2014/main" id="{FA025220-DDB7-117D-889A-A79580F44B23}"/>
-              </a:ext>
-            </a:extLst>
-          </p:cNvPr>
-          <p:cNvSpPr>
-            <a:spLocks noGrp="1"/>
-          </p:cNvSpPr>
-          <p:nvPr>
-            <p:ph idx="1"/>
-          </p:nvPr>
-        </p:nvSpPr>
-        <p:spPr/>
-        <p:txBody>
-          <a:bodyPr/>
-          <a:lstStyle/>
-          <a:p>
-            <a:endParaRPr lang="fr-FR"/>
-          </a:p>
-        </p:txBody>
-      </p:sp>
-    </p:spTree>
-    <p:extLst>
-      <p:ext uri="{BB962C8B-B14F-4D97-AF65-F5344CB8AC3E}">
-        <p14:creationId xmlns:p14="http://schemas.microsoft.com/office/powerpoint/2010/main" val="2410141948"/>
       </p:ext>
     </p:extLst>
   </p:cSld>

--- a/slides.pptx
+++ b/slides.pptx
@@ -4869,9 +4869,14 @@
           <a:bodyPr/>
           <a:lstStyle/>
           <a:p>
+            <a:pPr algn="ctr"/>
+            <a:r>
+              <a:rPr lang="fr-FR" dirty="0"/>
+              <a:t>Ad </a:t>
+            </a:r>
             <a:r>
               <a:rPr lang="fr-FR" dirty="0" err="1"/>
-              <a:t>Ads</a:t>
+              <a:t>videos</a:t>
             </a:r>
             <a:endParaRPr lang="fr-FR" dirty="0"/>
           </a:p>
@@ -4911,6 +4916,9 @@
             <a:endParaRPr lang="fr-FR" dirty="0"/>
           </a:p>
           <a:p>
+            <a:endParaRPr lang="fr-FR" dirty="0"/>
+          </a:p>
+          <a:p>
             <a:r>
               <a:rPr lang="fr-FR" dirty="0"/>
               <a:t>Ad 1 (SG): </a:t>
@@ -4919,8 +4927,11 @@
               <a:rPr lang="fr-FR" dirty="0">
                 <a:hlinkClick r:id="rId4"/>
               </a:rPr>
-              <a:t>https://www.youtube.com/watch?v=taOdaf_nw3U</a:t>
-            </a:r>
+              <a:t>https://www.youtube.com/watch?v=K4wTZru9Go</a:t>
+            </a:r>
+            <a:endParaRPr lang="fr-FR" dirty="0"/>
+          </a:p>
+          <a:p>
             <a:endParaRPr lang="fr-FR" dirty="0"/>
           </a:p>
           <a:p>
@@ -4934,6 +4945,9 @@
               </a:rPr>
               <a:t>https://www.youtube.com/watch?v=q1gfefGeUZI</a:t>
             </a:r>
+            <a:endParaRPr lang="fr-FR" dirty="0"/>
+          </a:p>
+          <a:p>
             <a:endParaRPr lang="fr-FR" dirty="0"/>
           </a:p>
           <a:p>
@@ -5005,7 +5019,7 @@
             <a:pPr algn="ctr"/>
             <a:r>
               <a:rPr lang="fr-FR" dirty="0"/>
-              <a:t>France — Singapore, USA</a:t>
+              <a:t>France — USA, Singapore</a:t>
             </a:r>
           </a:p>
         </p:txBody>
@@ -5032,9 +5046,41 @@
           <a:lstStyle/>
           <a:p>
             <a:r>
+              <a:rPr lang="fr-FR" dirty="0" err="1"/>
+              <a:t>Happiness</a:t>
+            </a:r>
+            <a:r>
               <a:rPr lang="fr-FR" dirty="0"/>
-              <a:t>François Dubet</a:t>
-            </a:r>
+              <a:t> v self-</a:t>
+            </a:r>
+            <a:r>
+              <a:rPr lang="fr-FR" dirty="0" err="1"/>
+              <a:t>esteem</a:t>
+            </a:r>
+            <a:endParaRPr lang="fr-FR" dirty="0"/>
+          </a:p>
+          <a:p>
+            <a:endParaRPr lang="fr-FR" dirty="0"/>
+          </a:p>
+          <a:p>
+            <a:r>
+              <a:rPr lang="fr-FR" dirty="0" err="1"/>
+              <a:t>Individualism</a:t>
+            </a:r>
+            <a:r>
+              <a:rPr lang="fr-FR" dirty="0"/>
+              <a:t> perception</a:t>
+            </a:r>
+          </a:p>
+          <a:p>
+            <a:endParaRPr lang="fr-FR" dirty="0"/>
+          </a:p>
+          <a:p>
+            <a:r>
+              <a:rPr lang="fr-FR"/>
+              <a:t>Moral values</a:t>
+            </a:r>
+            <a:endParaRPr lang="fr-FR" dirty="0"/>
           </a:p>
         </p:txBody>
       </p:sp>
@@ -5092,7 +5138,7 @@
             <a:pPr algn="ctr"/>
             <a:r>
               <a:rPr lang="fr-FR" dirty="0"/>
-              <a:t>US – Singapore </a:t>
+              <a:t>USA – Singapore </a:t>
             </a:r>
           </a:p>
         </p:txBody>
@@ -5149,7 +5195,7 @@
           <a:p>
             <a:r>
               <a:rPr lang="fr-FR" dirty="0"/>
-              <a:t>Profit vs </a:t>
+              <a:t>Profit v </a:t>
             </a:r>
             <a:r>
               <a:rPr lang="fr-FR" dirty="0" err="1"/>
